--- a/reports & presentations/seminar2/February_Seminar.pptx
+++ b/reports & presentations/seminar2/February_Seminar.pptx
@@ -5,10 +5,10 @@
     <p:sldMasterId id="2147483649" r:id="rId1"/>
   </p:sldMasterIdLst>
   <p:notesMasterIdLst>
-    <p:notesMasterId r:id="rId19"/>
+    <p:notesMasterId r:id="rId21"/>
   </p:notesMasterIdLst>
   <p:handoutMasterIdLst>
-    <p:handoutMasterId r:id="rId20"/>
+    <p:handoutMasterId r:id="rId22"/>
   </p:handoutMasterIdLst>
   <p:sldIdLst>
     <p:sldId id="257" r:id="rId2"/>
@@ -18,21 +18,23 @@
     <p:sldId id="270" r:id="rId6"/>
     <p:sldId id="271" r:id="rId7"/>
     <p:sldId id="310" r:id="rId8"/>
-    <p:sldId id="286" r:id="rId9"/>
-    <p:sldId id="288" r:id="rId10"/>
-    <p:sldId id="291" r:id="rId11"/>
-    <p:sldId id="302" r:id="rId12"/>
-    <p:sldId id="304" r:id="rId13"/>
-    <p:sldId id="305" r:id="rId14"/>
-    <p:sldId id="306" r:id="rId15"/>
-    <p:sldId id="307" r:id="rId16"/>
-    <p:sldId id="308" r:id="rId17"/>
-    <p:sldId id="309" r:id="rId18"/>
+    <p:sldId id="311" r:id="rId9"/>
+    <p:sldId id="314" r:id="rId10"/>
+    <p:sldId id="312" r:id="rId11"/>
+    <p:sldId id="315" r:id="rId12"/>
+    <p:sldId id="316" r:id="rId13"/>
+    <p:sldId id="317" r:id="rId14"/>
+    <p:sldId id="286" r:id="rId15"/>
+    <p:sldId id="302" r:id="rId16"/>
+    <p:sldId id="313" r:id="rId17"/>
+    <p:sldId id="288" r:id="rId18"/>
+    <p:sldId id="291" r:id="rId19"/>
+    <p:sldId id="318" r:id="rId20"/>
   </p:sldIdLst>
   <p:sldSz cx="9906000" cy="6858000" type="A4"/>
   <p:notesSz cx="6821488" cy="9969500"/>
   <p:custDataLst>
-    <p:tags r:id="rId21"/>
+    <p:tags r:id="rId23"/>
   </p:custDataLst>
   <p:defaultTextStyle>
     <a:defPPr>
@@ -1352,7 +1354,7 @@
             <a:fld id="{83C03934-2B65-4887-BED9-6DF7CD723B42}" type="slidenum">
               <a:rPr lang="en-US" altLang="ja-JP" smtClean="0"/>
               <a:pPr/>
-              <a:t>7</a:t>
+              <a:t>13</a:t>
             </a:fld>
             <a:endParaRPr lang="en-US" altLang="ja-JP"/>
           </a:p>
@@ -6430,42 +6432,50 @@
           <a:p>
             <a:r>
               <a:rPr lang="fi-FI" dirty="0" smtClean="0"/>
-              <a:t>Future </a:t>
-            </a:r>
+              <a:t>Layout Analysis 2</a:t>
+            </a:r>
+            <a:endParaRPr lang="fi-FI" dirty="0"/>
+          </a:p>
+        </p:txBody>
+      </p:sp>
+      <p:sp>
+        <p:nvSpPr>
+          <p:cNvPr id="3" name="Content Placeholder 2"/>
+          <p:cNvSpPr>
+            <a:spLocks noGrp="1"/>
+          </p:cNvSpPr>
+          <p:nvPr>
+            <p:ph idx="1"/>
+          </p:nvPr>
+        </p:nvSpPr>
+        <p:spPr/>
+        <p:txBody>
+          <a:bodyPr/>
+          <a:lstStyle/>
+          <a:p>
             <a:r>
               <a:rPr lang="fi-FI" dirty="0" smtClean="0"/>
-              <a:t>work</a:t>
+              <a:t>To find rows of text the run length smearing algorithm is used.</a:t>
+            </a:r>
+          </a:p>
+          <a:p>
+            <a:r>
+              <a:rPr lang="fi-FI" dirty="0" smtClean="0"/>
+              <a:t>The RLSA finds rows of black pixels and changes them to white if they are under given threshold.</a:t>
+            </a:r>
+          </a:p>
+          <a:p>
+            <a:r>
+              <a:rPr lang="fi-FI" dirty="0" smtClean="0"/>
+              <a:t>The bounding box is taken for each object generated by RLSA. These bounding boxes represent the rows.</a:t>
             </a:r>
             <a:endParaRPr lang="fi-FI" dirty="0"/>
           </a:p>
-        </p:txBody>
-      </p:sp>
-      <p:sp>
-        <p:nvSpPr>
-          <p:cNvPr id="3" name="Content Placeholder 2"/>
-          <p:cNvSpPr>
-            <a:spLocks noGrp="1"/>
-          </p:cNvSpPr>
-          <p:nvPr>
-            <p:ph idx="1"/>
-          </p:nvPr>
-        </p:nvSpPr>
-        <p:spPr/>
-        <p:txBody>
-          <a:bodyPr/>
-          <a:lstStyle/>
           <a:p>
             <a:r>
               <a:rPr lang="fi-FI" dirty="0" smtClean="0"/>
-              <a:t>öäöå</a:t>
-            </a:r>
-            <a:endParaRPr lang="fi-FI" dirty="0" smtClean="0"/>
-          </a:p>
-          <a:p>
-            <a:pPr lvl="1"/>
-            <a:endParaRPr lang="fi-FI" dirty="0"/>
-          </a:p>
-          <a:p>
+              <a:t>The same method is used to find individual words within rows. For words the RLSA is executed also vertically. Smaller threshold values are used.</a:t>
+            </a:r>
             <a:endParaRPr lang="fi-FI" dirty="0"/>
           </a:p>
         </p:txBody>
@@ -6520,20 +6530,13 @@
     </p:spTree>
     <p:extLst>
       <p:ext uri="{BB962C8B-B14F-4D97-AF65-F5344CB8AC3E}">
-        <p14:creationId xmlns:p14="http://schemas.microsoft.com/office/powerpoint/2010/main" val="2223990625"/>
+        <p14:creationId xmlns:p14="http://schemas.microsoft.com/office/powerpoint/2010/main" val="1953080215"/>
       </p:ext>
     </p:extLst>
   </p:cSld>
   <p:clrMapOvr>
     <a:masterClrMapping/>
   </p:clrMapOvr>
-  <p:timing>
-    <p:tnLst>
-      <p:par>
-        <p:cTn id="1" dur="indefinite" restart="never" nodeType="tmRoot"/>
-      </p:par>
-    </p:tnLst>
-  </p:timing>
 </p:sld>
 </file>
 
@@ -6571,7 +6574,7 @@
           <a:p>
             <a:r>
               <a:rPr lang="fi-FI" dirty="0" smtClean="0"/>
-              <a:t>Example entry in IAM handwriting database.</a:t>
+              <a:t>RLSA for rows </a:t>
             </a:r>
             <a:endParaRPr lang="fi-FI" dirty="0"/>
           </a:p>
@@ -6588,20 +6591,20 @@
           </p:nvPr>
         </p:nvPicPr>
         <p:blipFill rotWithShape="1">
-          <a:blip r:embed="rId2" cstate="print">
+          <a:blip r:embed="rId2">
             <a:extLst>
               <a:ext uri="{28A0092B-C50C-407E-A947-70E740481C1C}">
                 <a14:useLocalDpi xmlns:a14="http://schemas.microsoft.com/office/drawing/2010/main" val="0"/>
               </a:ext>
             </a:extLst>
           </a:blip>
-          <a:srcRect b="41188"/>
+          <a:srcRect l="9676" t="5494" r="9676" b="12767"/>
           <a:stretch/>
         </p:blipFill>
         <p:spPr>
           <a:xfrm>
-            <a:off x="1866735" y="836713"/>
-            <a:ext cx="6083090" cy="5112568"/>
+            <a:off x="5162301" y="1071517"/>
+            <a:ext cx="3456384" cy="2016224"/>
           </a:xfrm>
         </p:spPr>
       </p:pic>
@@ -6652,23 +6655,328 @@
           </a:p>
         </p:txBody>
       </p:sp>
+      <p:pic>
+        <p:nvPicPr>
+          <p:cNvPr id="7" name="Picture 6"/>
+          <p:cNvPicPr>
+            <a:picLocks noChangeAspect="1"/>
+          </p:cNvPicPr>
+          <p:nvPr/>
+        </p:nvPicPr>
+        <p:blipFill rotWithShape="1">
+          <a:blip r:embed="rId3">
+            <a:extLst>
+              <a:ext uri="{28A0092B-C50C-407E-A947-70E740481C1C}">
+                <a14:useLocalDpi xmlns:a14="http://schemas.microsoft.com/office/drawing/2010/main" val="0"/>
+              </a:ext>
+            </a:extLst>
+          </a:blip>
+          <a:srcRect l="9676" t="4751" r="9676" b="13510"/>
+          <a:stretch/>
+        </p:blipFill>
+        <p:spPr>
+          <a:xfrm>
+            <a:off x="1130577" y="1071517"/>
+            <a:ext cx="3456384" cy="2016224"/>
+          </a:xfrm>
+          <a:prstGeom prst="rect">
+            <a:avLst/>
+          </a:prstGeom>
+        </p:spPr>
+      </p:pic>
+      <p:sp>
+        <p:nvSpPr>
+          <p:cNvPr id="11" name="Rectangle 10"/>
+          <p:cNvSpPr/>
+          <p:nvPr/>
+        </p:nvSpPr>
+        <p:spPr>
+          <a:xfrm>
+            <a:off x="3792896" y="5915701"/>
+            <a:ext cx="432048" cy="432048"/>
+          </a:xfrm>
+          <a:prstGeom prst="rect">
+            <a:avLst/>
+          </a:prstGeom>
+          <a:noFill/>
+          <a:ln w="38100">
+            <a:solidFill>
+              <a:srgbClr val="00B0F0"/>
+            </a:solidFill>
+          </a:ln>
+        </p:spPr>
+        <p:style>
+          <a:lnRef idx="2">
+            <a:schemeClr val="accent1">
+              <a:shade val="50000"/>
+            </a:schemeClr>
+          </a:lnRef>
+          <a:fillRef idx="1">
+            <a:schemeClr val="accent1"/>
+          </a:fillRef>
+          <a:effectRef idx="0">
+            <a:schemeClr val="accent1"/>
+          </a:effectRef>
+          <a:fontRef idx="minor">
+            <a:schemeClr val="lt1"/>
+          </a:fontRef>
+        </p:style>
+        <p:txBody>
+          <a:bodyPr rtlCol="0" anchor="ctr"/>
+          <a:lstStyle/>
+          <a:p>
+            <a:pPr algn="ctr"/>
+            <a:endParaRPr kumimoji="1" lang="fi-FI" dirty="0" smtClean="0">
+              <a:solidFill>
+                <a:schemeClr val="tx1"/>
+              </a:solidFill>
+            </a:endParaRPr>
+          </a:p>
+        </p:txBody>
+      </p:sp>
+      <p:sp>
+        <p:nvSpPr>
+          <p:cNvPr id="12" name="TextBox 11"/>
+          <p:cNvSpPr txBox="1"/>
+          <p:nvPr/>
+        </p:nvSpPr>
+        <p:spPr>
+          <a:xfrm>
+            <a:off x="4368960" y="5873819"/>
+            <a:ext cx="1648208" cy="461665"/>
+          </a:xfrm>
+          <a:prstGeom prst="rect">
+            <a:avLst/>
+          </a:prstGeom>
+          <a:noFill/>
+        </p:spPr>
+        <p:txBody>
+          <a:bodyPr wrap="none" rtlCol="0">
+            <a:spAutoFit/>
+          </a:bodyPr>
+          <a:lstStyle/>
+          <a:p>
+            <a:r>
+              <a:rPr kumimoji="1" lang="fi-FI" sz="2400" dirty="0" smtClean="0">
+                <a:latin typeface="Arial" panose="020B0604020202020204" pitchFamily="34" charset="0"/>
+                <a:cs typeface="Arial" panose="020B0604020202020204" pitchFamily="34" charset="0"/>
+              </a:rPr>
+              <a:t>= Row box</a:t>
+            </a:r>
+            <a:endParaRPr kumimoji="1" lang="fi-FI" sz="2400" dirty="0">
+              <a:latin typeface="Arial" panose="020B0604020202020204" pitchFamily="34" charset="0"/>
+              <a:cs typeface="Arial" panose="020B0604020202020204" pitchFamily="34" charset="0"/>
+            </a:endParaRPr>
+          </a:p>
+        </p:txBody>
+      </p:sp>
+      <p:cxnSp>
+        <p:nvCxnSpPr>
+          <p:cNvPr id="13" name="AutoShape 70"/>
+          <p:cNvCxnSpPr>
+            <a:cxnSpLocks noChangeShapeType="1"/>
+            <a:stCxn id="7" idx="3"/>
+            <a:endCxn id="6" idx="1"/>
+          </p:cNvCxnSpPr>
+          <p:nvPr/>
+        </p:nvCxnSpPr>
+        <p:spPr bwMode="auto">
+          <a:xfrm>
+            <a:off x="4586961" y="2079629"/>
+            <a:ext cx="575340" cy="0"/>
+          </a:xfrm>
+          <a:prstGeom prst="straightConnector1">
+            <a:avLst/>
+          </a:prstGeom>
+          <a:noFill/>
+          <a:ln w="25400">
+            <a:solidFill>
+              <a:schemeClr val="tx1"/>
+            </a:solidFill>
+            <a:miter lim="800000"/>
+            <a:headEnd/>
+            <a:tailEnd type="arrow" w="lg" len="lg"/>
+          </a:ln>
+          <a:effectLst/>
+          <a:extLst>
+            <a:ext uri="{909E8E84-426E-40DD-AFC4-6F175D3DCCD1}">
+              <a14:hiddenFill xmlns:a14="http://schemas.microsoft.com/office/drawing/2010/main">
+                <a:noFill/>
+              </a14:hiddenFill>
+            </a:ext>
+            <a:ext uri="{AF507438-7753-43E0-B8FC-AC1667EBCBE1}">
+              <a14:hiddenEffects xmlns:a14="http://schemas.microsoft.com/office/drawing/2010/main">
+                <a:effectLst>
+                  <a:outerShdw dist="35921" dir="2700000" algn="ctr" rotWithShape="0">
+                    <a:schemeClr val="bg2"/>
+                  </a:outerShdw>
+                </a:effectLst>
+              </a14:hiddenEffects>
+            </a:ext>
+          </a:extLst>
+        </p:spPr>
+      </p:cxnSp>
+      <p:cxnSp>
+        <p:nvCxnSpPr>
+          <p:cNvPr id="17" name="AutoShape 70"/>
+          <p:cNvCxnSpPr>
+            <a:cxnSpLocks noChangeShapeType="1"/>
+          </p:cNvCxnSpPr>
+          <p:nvPr/>
+        </p:nvCxnSpPr>
+        <p:spPr bwMode="auto">
+          <a:xfrm flipV="1">
+            <a:off x="4608060" y="4504715"/>
+            <a:ext cx="585004" cy="1"/>
+          </a:xfrm>
+          <a:prstGeom prst="straightConnector1">
+            <a:avLst/>
+          </a:prstGeom>
+          <a:noFill/>
+          <a:ln w="25400">
+            <a:solidFill>
+              <a:schemeClr val="tx1"/>
+            </a:solidFill>
+            <a:miter lim="800000"/>
+            <a:headEnd/>
+            <a:tailEnd type="arrow" w="lg" len="lg"/>
+          </a:ln>
+          <a:effectLst/>
+          <a:extLst>
+            <a:ext uri="{909E8E84-426E-40DD-AFC4-6F175D3DCCD1}">
+              <a14:hiddenFill xmlns:a14="http://schemas.microsoft.com/office/drawing/2010/main">
+                <a:noFill/>
+              </a14:hiddenFill>
+            </a:ext>
+            <a:ext uri="{AF507438-7753-43E0-B8FC-AC1667EBCBE1}">
+              <a14:hiddenEffects xmlns:a14="http://schemas.microsoft.com/office/drawing/2010/main">
+                <a:effectLst>
+                  <a:outerShdw dist="35921" dir="2700000" algn="ctr" rotWithShape="0">
+                    <a:schemeClr val="bg2"/>
+                  </a:outerShdw>
+                </a:effectLst>
+              </a14:hiddenEffects>
+            </a:ext>
+          </a:extLst>
+        </p:spPr>
+      </p:cxnSp>
+      <p:cxnSp>
+        <p:nvCxnSpPr>
+          <p:cNvPr id="18" name="AutoShape 70"/>
+          <p:cNvCxnSpPr>
+            <a:cxnSpLocks noChangeShapeType="1"/>
+            <a:stCxn id="6" idx="3"/>
+          </p:cNvCxnSpPr>
+          <p:nvPr/>
+        </p:nvCxnSpPr>
+        <p:spPr bwMode="auto">
+          <a:xfrm flipH="1">
+            <a:off x="1136576" y="2079629"/>
+            <a:ext cx="7482109" cy="2425087"/>
+          </a:xfrm>
+          <a:prstGeom prst="bentConnector5">
+            <a:avLst>
+              <a:gd name="adj1" fmla="val -3055"/>
+              <a:gd name="adj2" fmla="val 49909"/>
+              <a:gd name="adj3" fmla="val 103055"/>
+            </a:avLst>
+          </a:prstGeom>
+          <a:noFill/>
+          <a:ln w="25400">
+            <a:solidFill>
+              <a:schemeClr val="tx1"/>
+            </a:solidFill>
+            <a:miter lim="800000"/>
+            <a:headEnd/>
+            <a:tailEnd type="arrow" w="lg" len="lg"/>
+          </a:ln>
+          <a:effectLst/>
+          <a:extLst>
+            <a:ext uri="{909E8E84-426E-40DD-AFC4-6F175D3DCCD1}">
+              <a14:hiddenFill xmlns:a14="http://schemas.microsoft.com/office/drawing/2010/main">
+                <a:noFill/>
+              </a14:hiddenFill>
+            </a:ext>
+            <a:ext uri="{AF507438-7753-43E0-B8FC-AC1667EBCBE1}">
+              <a14:hiddenEffects xmlns:a14="http://schemas.microsoft.com/office/drawing/2010/main">
+                <a:effectLst>
+                  <a:outerShdw dist="35921" dir="2700000" algn="ctr" rotWithShape="0">
+                    <a:schemeClr val="bg2"/>
+                  </a:outerShdw>
+                </a:effectLst>
+              </a14:hiddenEffects>
+            </a:ext>
+          </a:extLst>
+        </p:spPr>
+      </p:cxnSp>
+      <p:pic>
+        <p:nvPicPr>
+          <p:cNvPr id="34" name="Picture 33"/>
+          <p:cNvPicPr>
+            <a:picLocks noChangeAspect="1"/>
+          </p:cNvPicPr>
+          <p:nvPr/>
+        </p:nvPicPr>
+        <p:blipFill rotWithShape="1">
+          <a:blip r:embed="rId4">
+            <a:extLst>
+              <a:ext uri="{28A0092B-C50C-407E-A947-70E740481C1C}">
+                <a14:useLocalDpi xmlns:a14="http://schemas.microsoft.com/office/drawing/2010/main" val="0"/>
+              </a:ext>
+            </a:extLst>
+          </a:blip>
+          <a:srcRect l="8836" t="4751" r="8836" b="12050"/>
+          <a:stretch/>
+        </p:blipFill>
+        <p:spPr>
+          <a:xfrm>
+            <a:off x="1112569" y="3467108"/>
+            <a:ext cx="3471484" cy="2019128"/>
+          </a:xfrm>
+          <a:prstGeom prst="rect">
+            <a:avLst/>
+          </a:prstGeom>
+        </p:spPr>
+      </p:pic>
+      <p:pic>
+        <p:nvPicPr>
+          <p:cNvPr id="36" name="Picture 35"/>
+          <p:cNvPicPr>
+            <a:picLocks noChangeAspect="1"/>
+          </p:cNvPicPr>
+          <p:nvPr/>
+        </p:nvPicPr>
+        <p:blipFill rotWithShape="1">
+          <a:blip r:embed="rId5">
+            <a:extLst>
+              <a:ext uri="{28A0092B-C50C-407E-A947-70E740481C1C}">
+                <a14:useLocalDpi xmlns:a14="http://schemas.microsoft.com/office/drawing/2010/main" val="0"/>
+              </a:ext>
+            </a:extLst>
+          </a:blip>
+          <a:srcRect l="8836" t="4751" r="8836" b="12050"/>
+          <a:stretch/>
+        </p:blipFill>
+        <p:spPr>
+          <a:xfrm>
+            <a:off x="5249987" y="3447913"/>
+            <a:ext cx="3469305" cy="2017861"/>
+          </a:xfrm>
+          <a:prstGeom prst="rect">
+            <a:avLst/>
+          </a:prstGeom>
+        </p:spPr>
+      </p:pic>
     </p:spTree>
     <p:extLst>
       <p:ext uri="{BB962C8B-B14F-4D97-AF65-F5344CB8AC3E}">
-        <p14:creationId xmlns:p14="http://schemas.microsoft.com/office/powerpoint/2010/main" val="2882616526"/>
+        <p14:creationId xmlns:p14="http://schemas.microsoft.com/office/powerpoint/2010/main" val="3636202937"/>
       </p:ext>
     </p:extLst>
   </p:cSld>
   <p:clrMapOvr>
     <a:masterClrMapping/>
   </p:clrMapOvr>
-  <p:timing>
-    <p:tnLst>
-      <p:par>
-        <p:cTn id="1" dur="indefinite" restart="never" nodeType="tmRoot"/>
-      </p:par>
-    </p:tnLst>
-  </p:timing>
 </p:sld>
 </file>
 
@@ -6706,146 +7014,65 @@
           <a:p>
             <a:r>
               <a:rPr lang="fi-FI" dirty="0" smtClean="0"/>
-              <a:t>Questions and Answers 1</a:t>
+              <a:t>RLSA for words</a:t>
             </a:r>
             <a:endParaRPr lang="fi-FI" dirty="0"/>
           </a:p>
         </p:txBody>
       </p:sp>
-      <p:sp>
-        <p:nvSpPr>
-          <p:cNvPr id="3" name="Content Placeholder 2"/>
+      <p:pic>
+        <p:nvPicPr>
+          <p:cNvPr id="6" name="Content Placeholder 5"/>
+          <p:cNvPicPr>
+            <a:picLocks noGrp="1" noChangeAspect="1"/>
+          </p:cNvPicPr>
+          <p:nvPr>
+            <p:ph idx="1"/>
+          </p:nvPr>
+        </p:nvPicPr>
+        <p:blipFill rotWithShape="1">
+          <a:blip r:embed="rId2">
+            <a:extLst>
+              <a:ext uri="{28A0092B-C50C-407E-A947-70E740481C1C}">
+                <a14:useLocalDpi xmlns:a14="http://schemas.microsoft.com/office/drawing/2010/main" val="0"/>
+              </a:ext>
+            </a:extLst>
+          </a:blip>
+          <a:srcRect l="7456" t="14903" r="7172" b="41515"/>
+          <a:stretch/>
+        </p:blipFill>
+        <p:spPr>
+          <a:xfrm>
+            <a:off x="1208584" y="1979820"/>
+            <a:ext cx="7737437" cy="504055"/>
+          </a:xfrm>
+          <a:ln>
+            <a:solidFill>
+              <a:schemeClr val="tx1"/>
+            </a:solidFill>
+          </a:ln>
+        </p:spPr>
+      </p:pic>
+      <p:sp>
+        <p:nvSpPr>
+          <p:cNvPr id="4" name="Footer Placeholder 3"/>
           <p:cNvSpPr>
             <a:spLocks noGrp="1"/>
           </p:cNvSpPr>
           <p:nvPr>
-            <p:ph idx="1"/>
-          </p:nvPr>
-        </p:nvSpPr>
-        <p:spPr>
-          <a:xfrm>
-            <a:off x="495300" y="908050"/>
-            <a:ext cx="9137650" cy="5400675"/>
-          </a:xfrm>
-        </p:spPr>
+            <p:ph type="ftr" sz="quarter" idx="10"/>
+          </p:nvPr>
+        </p:nvSpPr>
+        <p:spPr/>
         <p:txBody>
           <a:bodyPr/>
           <a:lstStyle/>
           <a:p>
             <a:r>
-              <a:rPr lang="fi-FI" sz="2400" dirty="0" smtClean="0"/>
-              <a:t>Presentation time:</a:t>
-            </a:r>
-          </a:p>
-          <a:p>
-            <a:pPr lvl="1"/>
-            <a:r>
-              <a:rPr lang="fi-FI" sz="1800" dirty="0" smtClean="0"/>
-              <a:t>Presentation: 16:36</a:t>
-            </a:r>
-          </a:p>
-          <a:p>
-            <a:pPr lvl="1"/>
-            <a:r>
-              <a:rPr lang="fi-FI" sz="1800" dirty="0" smtClean="0"/>
-              <a:t>Questions: 20:04</a:t>
-            </a:r>
-          </a:p>
-          <a:p>
-            <a:r>
-              <a:rPr lang="en-US" sz="2400" dirty="0"/>
-              <a:t>Okubo : What is the meaning of the hole of the object</a:t>
-            </a:r>
-            <a:r>
-              <a:rPr lang="en-US" sz="2400" dirty="0" smtClean="0"/>
-              <a:t>?</a:t>
-            </a:r>
-          </a:p>
-          <a:p>
-            <a:pPr lvl="1"/>
-            <a:r>
-              <a:rPr lang="en-US" sz="1800" dirty="0" smtClean="0"/>
-              <a:t>In binary image hole is black area (zeros) which is completely surrounded by white pixels (ones). For example ideally the letter O should have one hole. In some cases binary images have many small holes due to noise.</a:t>
-            </a:r>
-            <a:endParaRPr lang="en-US" sz="1800" dirty="0"/>
-          </a:p>
-          <a:p>
-            <a:r>
-              <a:rPr lang="en-US" sz="2400" dirty="0" smtClean="0"/>
-              <a:t>Okubo: </a:t>
-            </a:r>
-            <a:r>
-              <a:rPr lang="en-US" sz="2400" dirty="0"/>
-              <a:t>The </a:t>
-            </a:r>
-            <a:r>
-              <a:rPr lang="en-US" sz="2400" dirty="0" smtClean="0"/>
-              <a:t>character </a:t>
-            </a:r>
-            <a:r>
-              <a:rPr lang="en-US" sz="2400" dirty="0"/>
-              <a:t>"E". You could detect it in some case and in other case not. What is the difference between that</a:t>
-            </a:r>
-            <a:r>
-              <a:rPr lang="en-US" sz="2400" dirty="0" smtClean="0"/>
-              <a:t>?</a:t>
-            </a:r>
-          </a:p>
-          <a:p>
-            <a:pPr lvl="1"/>
-            <a:r>
-              <a:rPr lang="en-US" sz="1800" dirty="0" smtClean="0"/>
-              <a:t>In slide 23 the two character “E”s have different amount of tiny holes in them.  Objects with number of holes is removed and the other letter E has too many small holes.</a:t>
-            </a:r>
-          </a:p>
-          <a:p>
-            <a:r>
-              <a:rPr lang="en-US" sz="2400" dirty="0" smtClean="0"/>
-              <a:t>Sone: </a:t>
-            </a:r>
-            <a:r>
-              <a:rPr lang="en-US" sz="2400" dirty="0"/>
-              <a:t>What is the meaning of the red pixel? p.13</a:t>
-            </a:r>
-          </a:p>
-          <a:p>
-            <a:pPr lvl="1"/>
-            <a:r>
-              <a:rPr lang="en-US" sz="1800" dirty="0"/>
-              <a:t>Red boxes are drawn around detected regions. In the image there is over 22 000 </a:t>
-            </a:r>
-            <a:r>
-              <a:rPr lang="en-US" sz="1800" dirty="0" smtClean="0"/>
-              <a:t>objects. Many of them look like </a:t>
-            </a:r>
-            <a:r>
-              <a:rPr lang="en-US" sz="1800" smtClean="0"/>
-              <a:t>just random red pixels.</a:t>
-            </a:r>
-            <a:endParaRPr lang="en-US" sz="1800" dirty="0"/>
-          </a:p>
-        </p:txBody>
-      </p:sp>
-      <p:sp>
-        <p:nvSpPr>
-          <p:cNvPr id="4" name="Footer Placeholder 3"/>
-          <p:cNvSpPr>
-            <a:spLocks noGrp="1"/>
-          </p:cNvSpPr>
-          <p:nvPr>
-            <p:ph type="ftr" sz="quarter" idx="10"/>
-          </p:nvPr>
-        </p:nvSpPr>
-        <p:spPr/>
-        <p:txBody>
-          <a:bodyPr/>
-          <a:lstStyle/>
-          <a:p>
-            <a:r>
-              <a:rPr lang="ja-JP" altLang="en-US" dirty="0" smtClean="0"/>
+              <a:rPr lang="ja-JP" altLang="en-US" smtClean="0"/>
               <a:t>研究室ゼミ</a:t>
             </a:r>
-            <a:endParaRPr lang="en-US" altLang="ja-JP" dirty="0"/>
+            <a:endParaRPr lang="en-US" altLang="ja-JP"/>
           </a:p>
         </p:txBody>
       </p:sp>
@@ -6873,23 +7100,762 @@
           </a:p>
         </p:txBody>
       </p:sp>
+      <p:sp>
+        <p:nvSpPr>
+          <p:cNvPr id="8" name="Content Placeholder 2"/>
+          <p:cNvSpPr txBox="1">
+            <a:spLocks/>
+          </p:cNvSpPr>
+          <p:nvPr/>
+        </p:nvSpPr>
+        <p:spPr bwMode="gray">
+          <a:xfrm>
+            <a:off x="635893" y="5042822"/>
+            <a:ext cx="8915400" cy="1062026"/>
+          </a:xfrm>
+          <a:prstGeom prst="rect">
+            <a:avLst/>
+          </a:prstGeom>
+          <a:noFill/>
+          <a:ln>
+            <a:noFill/>
+          </a:ln>
+          <a:effectLst/>
+          <a:extLst>
+            <a:ext uri="{909E8E84-426E-40DD-AFC4-6F175D3DCCD1}">
+              <a14:hiddenFill xmlns:a14="http://schemas.microsoft.com/office/drawing/2010/main">
+                <a:solidFill>
+                  <a:schemeClr val="accent1"/>
+                </a:solidFill>
+              </a14:hiddenFill>
+            </a:ext>
+            <a:ext uri="{91240B29-F687-4F45-9708-019B960494DF}">
+              <a14:hiddenLine xmlns:a14="http://schemas.microsoft.com/office/drawing/2010/main" w="9525">
+                <a:solidFill>
+                  <a:schemeClr val="tx1"/>
+                </a:solidFill>
+                <a:miter lim="800000"/>
+                <a:headEnd/>
+                <a:tailEnd/>
+              </a14:hiddenLine>
+            </a:ext>
+            <a:ext uri="{AF507438-7753-43E0-B8FC-AC1667EBCBE1}">
+              <a14:hiddenEffects xmlns:a14="http://schemas.microsoft.com/office/drawing/2010/main">
+                <a:effectLst>
+                  <a:outerShdw dist="35921" dir="2700000" algn="ctr" rotWithShape="0">
+                    <a:schemeClr val="bg2"/>
+                  </a:outerShdw>
+                </a:effectLst>
+              </a14:hiddenEffects>
+            </a:ext>
+          </a:extLst>
+        </p:spPr>
+        <p:txBody>
+          <a:bodyPr vert="horz" wrap="square" lIns="91440" tIns="45720" rIns="91440" bIns="45720" numCol="1" anchor="t" anchorCtr="0" compatLnSpc="1">
+            <a:prstTxWarp prst="textNoShape">
+              <a:avLst/>
+            </a:prstTxWarp>
+          </a:bodyPr>
+          <a:lstStyle>
+            <a:lvl1pPr marL="342900" indent="-342900" algn="l" rtl="0" eaLnBrk="1" fontAlgn="base" hangingPunct="1">
+              <a:spcBef>
+                <a:spcPct val="20000"/>
+              </a:spcBef>
+              <a:spcAft>
+                <a:spcPct val="0"/>
+              </a:spcAft>
+              <a:buBlip>
+                <a:blip r:embed="rId3"/>
+              </a:buBlip>
+              <a:defRPr kumimoji="1" sz="2800">
+                <a:solidFill>
+                  <a:schemeClr val="tx1"/>
+                </a:solidFill>
+                <a:latin typeface="+mn-lt"/>
+                <a:ea typeface="+mn-ea"/>
+                <a:cs typeface="+mn-cs"/>
+              </a:defRPr>
+            </a:lvl1pPr>
+            <a:lvl2pPr marL="742950" indent="-285750" algn="l" rtl="0" eaLnBrk="1" fontAlgn="base" hangingPunct="1">
+              <a:spcBef>
+                <a:spcPct val="20000"/>
+              </a:spcBef>
+              <a:spcAft>
+                <a:spcPct val="0"/>
+              </a:spcAft>
+              <a:buBlip>
+                <a:blip r:embed="rId3"/>
+              </a:buBlip>
+              <a:defRPr kumimoji="1" sz="2400">
+                <a:solidFill>
+                  <a:schemeClr val="tx1"/>
+                </a:solidFill>
+                <a:latin typeface="+mn-lt"/>
+                <a:ea typeface="+mn-ea"/>
+              </a:defRPr>
+            </a:lvl2pPr>
+            <a:lvl3pPr marL="1143000" indent="-228600" algn="l" rtl="0" eaLnBrk="1" fontAlgn="base" hangingPunct="1">
+              <a:spcBef>
+                <a:spcPct val="20000"/>
+              </a:spcBef>
+              <a:spcAft>
+                <a:spcPct val="0"/>
+              </a:spcAft>
+              <a:buBlip>
+                <a:blip r:embed="rId3"/>
+              </a:buBlip>
+              <a:defRPr kumimoji="1" sz="2000">
+                <a:solidFill>
+                  <a:schemeClr val="tx1"/>
+                </a:solidFill>
+                <a:latin typeface="+mn-lt"/>
+                <a:ea typeface="+mn-ea"/>
+              </a:defRPr>
+            </a:lvl3pPr>
+            <a:lvl4pPr marL="1600200" indent="-228600" algn="l" rtl="0" eaLnBrk="1" fontAlgn="base" hangingPunct="1">
+              <a:spcBef>
+                <a:spcPct val="20000"/>
+              </a:spcBef>
+              <a:spcAft>
+                <a:spcPct val="0"/>
+              </a:spcAft>
+              <a:buBlip>
+                <a:blip r:embed="rId3"/>
+              </a:buBlip>
+              <a:defRPr kumimoji="1">
+                <a:solidFill>
+                  <a:schemeClr val="tx1"/>
+                </a:solidFill>
+                <a:latin typeface="+mn-lt"/>
+                <a:ea typeface="+mn-ea"/>
+              </a:defRPr>
+            </a:lvl4pPr>
+            <a:lvl5pPr marL="2057400" indent="-228600" algn="l" rtl="0" eaLnBrk="1" fontAlgn="base" hangingPunct="1">
+              <a:spcBef>
+                <a:spcPct val="20000"/>
+              </a:spcBef>
+              <a:spcAft>
+                <a:spcPct val="0"/>
+              </a:spcAft>
+              <a:buBlip>
+                <a:blip r:embed="rId3"/>
+              </a:buBlip>
+              <a:defRPr kumimoji="1" sz="1600">
+                <a:solidFill>
+                  <a:schemeClr val="tx1"/>
+                </a:solidFill>
+                <a:latin typeface="+mn-lt"/>
+                <a:ea typeface="+mn-ea"/>
+              </a:defRPr>
+            </a:lvl5pPr>
+            <a:lvl6pPr marL="2514600" indent="-228600" algn="l" rtl="0" eaLnBrk="1" fontAlgn="base" hangingPunct="1">
+              <a:spcBef>
+                <a:spcPct val="20000"/>
+              </a:spcBef>
+              <a:spcAft>
+                <a:spcPct val="0"/>
+              </a:spcAft>
+              <a:buBlip>
+                <a:blip r:embed="rId3"/>
+              </a:buBlip>
+              <a:defRPr kumimoji="1" sz="1600">
+                <a:solidFill>
+                  <a:schemeClr val="tx1"/>
+                </a:solidFill>
+                <a:latin typeface="+mn-lt"/>
+                <a:ea typeface="+mn-ea"/>
+              </a:defRPr>
+            </a:lvl6pPr>
+            <a:lvl7pPr marL="2971800" indent="-228600" algn="l" rtl="0" eaLnBrk="1" fontAlgn="base" hangingPunct="1">
+              <a:spcBef>
+                <a:spcPct val="20000"/>
+              </a:spcBef>
+              <a:spcAft>
+                <a:spcPct val="0"/>
+              </a:spcAft>
+              <a:buBlip>
+                <a:blip r:embed="rId3"/>
+              </a:buBlip>
+              <a:defRPr kumimoji="1" sz="1600">
+                <a:solidFill>
+                  <a:schemeClr val="tx1"/>
+                </a:solidFill>
+                <a:latin typeface="+mn-lt"/>
+                <a:ea typeface="+mn-ea"/>
+              </a:defRPr>
+            </a:lvl7pPr>
+            <a:lvl8pPr marL="3429000" indent="-228600" algn="l" rtl="0" eaLnBrk="1" fontAlgn="base" hangingPunct="1">
+              <a:spcBef>
+                <a:spcPct val="20000"/>
+              </a:spcBef>
+              <a:spcAft>
+                <a:spcPct val="0"/>
+              </a:spcAft>
+              <a:buBlip>
+                <a:blip r:embed="rId3"/>
+              </a:buBlip>
+              <a:defRPr kumimoji="1" sz="1600">
+                <a:solidFill>
+                  <a:schemeClr val="tx1"/>
+                </a:solidFill>
+                <a:latin typeface="+mn-lt"/>
+                <a:ea typeface="+mn-ea"/>
+              </a:defRPr>
+            </a:lvl8pPr>
+            <a:lvl9pPr marL="3886200" indent="-228600" algn="l" rtl="0" eaLnBrk="1" fontAlgn="base" hangingPunct="1">
+              <a:spcBef>
+                <a:spcPct val="20000"/>
+              </a:spcBef>
+              <a:spcAft>
+                <a:spcPct val="0"/>
+              </a:spcAft>
+              <a:buBlip>
+                <a:blip r:embed="rId3"/>
+              </a:buBlip>
+              <a:defRPr kumimoji="1" sz="1600">
+                <a:solidFill>
+                  <a:schemeClr val="tx1"/>
+                </a:solidFill>
+                <a:latin typeface="+mn-lt"/>
+                <a:ea typeface="+mn-ea"/>
+              </a:defRPr>
+            </a:lvl9pPr>
+          </a:lstStyle>
+          <a:p>
+            <a:pPr marL="0" indent="0">
+              <a:buNone/>
+            </a:pPr>
+            <a:r>
+              <a:rPr lang="fi-FI" sz="2400" kern="0" dirty="0" smtClean="0"/>
+              <a:t>Same procedure but this time the algorithm is also run vertically to get dots or other broken characters into word.</a:t>
+            </a:r>
+            <a:endParaRPr lang="fi-FI" sz="2400" kern="0" dirty="0"/>
+          </a:p>
+        </p:txBody>
+      </p:sp>
+      <p:sp>
+        <p:nvSpPr>
+          <p:cNvPr id="12" name="Rectangle 11"/>
+          <p:cNvSpPr/>
+          <p:nvPr/>
+        </p:nvSpPr>
+        <p:spPr>
+          <a:xfrm>
+            <a:off x="3652571" y="4156483"/>
+            <a:ext cx="432048" cy="432048"/>
+          </a:xfrm>
+          <a:prstGeom prst="rect">
+            <a:avLst/>
+          </a:prstGeom>
+          <a:noFill/>
+          <a:ln w="38100">
+            <a:solidFill>
+              <a:srgbClr val="00FF00"/>
+            </a:solidFill>
+          </a:ln>
+        </p:spPr>
+        <p:style>
+          <a:lnRef idx="2">
+            <a:schemeClr val="accent1">
+              <a:shade val="50000"/>
+            </a:schemeClr>
+          </a:lnRef>
+          <a:fillRef idx="1">
+            <a:schemeClr val="accent1"/>
+          </a:fillRef>
+          <a:effectRef idx="0">
+            <a:schemeClr val="accent1"/>
+          </a:effectRef>
+          <a:fontRef idx="minor">
+            <a:schemeClr val="lt1"/>
+          </a:fontRef>
+        </p:style>
+        <p:txBody>
+          <a:bodyPr rtlCol="0" anchor="ctr"/>
+          <a:lstStyle/>
+          <a:p>
+            <a:pPr algn="ctr"/>
+            <a:endParaRPr kumimoji="1" lang="fi-FI" dirty="0" smtClean="0">
+              <a:solidFill>
+                <a:schemeClr val="tx1"/>
+              </a:solidFill>
+            </a:endParaRPr>
+          </a:p>
+        </p:txBody>
+      </p:sp>
+      <p:sp>
+        <p:nvSpPr>
+          <p:cNvPr id="13" name="Content Placeholder 2"/>
+          <p:cNvSpPr txBox="1">
+            <a:spLocks/>
+          </p:cNvSpPr>
+          <p:nvPr/>
+        </p:nvSpPr>
+        <p:spPr bwMode="gray">
+          <a:xfrm>
+            <a:off x="4247190" y="4151259"/>
+            <a:ext cx="1785930" cy="437272"/>
+          </a:xfrm>
+          <a:prstGeom prst="rect">
+            <a:avLst/>
+          </a:prstGeom>
+          <a:noFill/>
+          <a:ln>
+            <a:noFill/>
+          </a:ln>
+          <a:effectLst/>
+          <a:extLst>
+            <a:ext uri="{909E8E84-426E-40DD-AFC4-6F175D3DCCD1}">
+              <a14:hiddenFill xmlns:a14="http://schemas.microsoft.com/office/drawing/2010/main">
+                <a:solidFill>
+                  <a:schemeClr val="accent1"/>
+                </a:solidFill>
+              </a14:hiddenFill>
+            </a:ext>
+            <a:ext uri="{91240B29-F687-4F45-9708-019B960494DF}">
+              <a14:hiddenLine xmlns:a14="http://schemas.microsoft.com/office/drawing/2010/main" w="9525">
+                <a:solidFill>
+                  <a:schemeClr val="tx1"/>
+                </a:solidFill>
+                <a:miter lim="800000"/>
+                <a:headEnd/>
+                <a:tailEnd/>
+              </a14:hiddenLine>
+            </a:ext>
+            <a:ext uri="{AF507438-7753-43E0-B8FC-AC1667EBCBE1}">
+              <a14:hiddenEffects xmlns:a14="http://schemas.microsoft.com/office/drawing/2010/main">
+                <a:effectLst>
+                  <a:outerShdw dist="35921" dir="2700000" algn="ctr" rotWithShape="0">
+                    <a:schemeClr val="bg2"/>
+                  </a:outerShdw>
+                </a:effectLst>
+              </a14:hiddenEffects>
+            </a:ext>
+          </a:extLst>
+        </p:spPr>
+        <p:txBody>
+          <a:bodyPr vert="horz" wrap="square" lIns="91440" tIns="45720" rIns="91440" bIns="45720" numCol="1" anchor="t" anchorCtr="0" compatLnSpc="1">
+            <a:prstTxWarp prst="textNoShape">
+              <a:avLst/>
+            </a:prstTxWarp>
+          </a:bodyPr>
+          <a:lstStyle>
+            <a:lvl1pPr marL="342900" indent="-342900" algn="l" rtl="0" eaLnBrk="1" fontAlgn="base" hangingPunct="1">
+              <a:spcBef>
+                <a:spcPct val="20000"/>
+              </a:spcBef>
+              <a:spcAft>
+                <a:spcPct val="0"/>
+              </a:spcAft>
+              <a:buBlip>
+                <a:blip r:embed="rId3"/>
+              </a:buBlip>
+              <a:defRPr kumimoji="1" sz="2800">
+                <a:solidFill>
+                  <a:schemeClr val="tx1"/>
+                </a:solidFill>
+                <a:latin typeface="+mn-lt"/>
+                <a:ea typeface="+mn-ea"/>
+                <a:cs typeface="+mn-cs"/>
+              </a:defRPr>
+            </a:lvl1pPr>
+            <a:lvl2pPr marL="742950" indent="-285750" algn="l" rtl="0" eaLnBrk="1" fontAlgn="base" hangingPunct="1">
+              <a:spcBef>
+                <a:spcPct val="20000"/>
+              </a:spcBef>
+              <a:spcAft>
+                <a:spcPct val="0"/>
+              </a:spcAft>
+              <a:buBlip>
+                <a:blip r:embed="rId3"/>
+              </a:buBlip>
+              <a:defRPr kumimoji="1" sz="2400">
+                <a:solidFill>
+                  <a:schemeClr val="tx1"/>
+                </a:solidFill>
+                <a:latin typeface="+mn-lt"/>
+                <a:ea typeface="+mn-ea"/>
+              </a:defRPr>
+            </a:lvl2pPr>
+            <a:lvl3pPr marL="1143000" indent="-228600" algn="l" rtl="0" eaLnBrk="1" fontAlgn="base" hangingPunct="1">
+              <a:spcBef>
+                <a:spcPct val="20000"/>
+              </a:spcBef>
+              <a:spcAft>
+                <a:spcPct val="0"/>
+              </a:spcAft>
+              <a:buBlip>
+                <a:blip r:embed="rId3"/>
+              </a:buBlip>
+              <a:defRPr kumimoji="1" sz="2000">
+                <a:solidFill>
+                  <a:schemeClr val="tx1"/>
+                </a:solidFill>
+                <a:latin typeface="+mn-lt"/>
+                <a:ea typeface="+mn-ea"/>
+              </a:defRPr>
+            </a:lvl3pPr>
+            <a:lvl4pPr marL="1600200" indent="-228600" algn="l" rtl="0" eaLnBrk="1" fontAlgn="base" hangingPunct="1">
+              <a:spcBef>
+                <a:spcPct val="20000"/>
+              </a:spcBef>
+              <a:spcAft>
+                <a:spcPct val="0"/>
+              </a:spcAft>
+              <a:buBlip>
+                <a:blip r:embed="rId3"/>
+              </a:buBlip>
+              <a:defRPr kumimoji="1">
+                <a:solidFill>
+                  <a:schemeClr val="tx1"/>
+                </a:solidFill>
+                <a:latin typeface="+mn-lt"/>
+                <a:ea typeface="+mn-ea"/>
+              </a:defRPr>
+            </a:lvl4pPr>
+            <a:lvl5pPr marL="2057400" indent="-228600" algn="l" rtl="0" eaLnBrk="1" fontAlgn="base" hangingPunct="1">
+              <a:spcBef>
+                <a:spcPct val="20000"/>
+              </a:spcBef>
+              <a:spcAft>
+                <a:spcPct val="0"/>
+              </a:spcAft>
+              <a:buBlip>
+                <a:blip r:embed="rId3"/>
+              </a:buBlip>
+              <a:defRPr kumimoji="1" sz="1600">
+                <a:solidFill>
+                  <a:schemeClr val="tx1"/>
+                </a:solidFill>
+                <a:latin typeface="+mn-lt"/>
+                <a:ea typeface="+mn-ea"/>
+              </a:defRPr>
+            </a:lvl5pPr>
+            <a:lvl6pPr marL="2514600" indent="-228600" algn="l" rtl="0" eaLnBrk="1" fontAlgn="base" hangingPunct="1">
+              <a:spcBef>
+                <a:spcPct val="20000"/>
+              </a:spcBef>
+              <a:spcAft>
+                <a:spcPct val="0"/>
+              </a:spcAft>
+              <a:buBlip>
+                <a:blip r:embed="rId3"/>
+              </a:buBlip>
+              <a:defRPr kumimoji="1" sz="1600">
+                <a:solidFill>
+                  <a:schemeClr val="tx1"/>
+                </a:solidFill>
+                <a:latin typeface="+mn-lt"/>
+                <a:ea typeface="+mn-ea"/>
+              </a:defRPr>
+            </a:lvl6pPr>
+            <a:lvl7pPr marL="2971800" indent="-228600" algn="l" rtl="0" eaLnBrk="1" fontAlgn="base" hangingPunct="1">
+              <a:spcBef>
+                <a:spcPct val="20000"/>
+              </a:spcBef>
+              <a:spcAft>
+                <a:spcPct val="0"/>
+              </a:spcAft>
+              <a:buBlip>
+                <a:blip r:embed="rId3"/>
+              </a:buBlip>
+              <a:defRPr kumimoji="1" sz="1600">
+                <a:solidFill>
+                  <a:schemeClr val="tx1"/>
+                </a:solidFill>
+                <a:latin typeface="+mn-lt"/>
+                <a:ea typeface="+mn-ea"/>
+              </a:defRPr>
+            </a:lvl7pPr>
+            <a:lvl8pPr marL="3429000" indent="-228600" algn="l" rtl="0" eaLnBrk="1" fontAlgn="base" hangingPunct="1">
+              <a:spcBef>
+                <a:spcPct val="20000"/>
+              </a:spcBef>
+              <a:spcAft>
+                <a:spcPct val="0"/>
+              </a:spcAft>
+              <a:buBlip>
+                <a:blip r:embed="rId3"/>
+              </a:buBlip>
+              <a:defRPr kumimoji="1" sz="1600">
+                <a:solidFill>
+                  <a:schemeClr val="tx1"/>
+                </a:solidFill>
+                <a:latin typeface="+mn-lt"/>
+                <a:ea typeface="+mn-ea"/>
+              </a:defRPr>
+            </a:lvl8pPr>
+            <a:lvl9pPr marL="3886200" indent="-228600" algn="l" rtl="0" eaLnBrk="1" fontAlgn="base" hangingPunct="1">
+              <a:spcBef>
+                <a:spcPct val="20000"/>
+              </a:spcBef>
+              <a:spcAft>
+                <a:spcPct val="0"/>
+              </a:spcAft>
+              <a:buBlip>
+                <a:blip r:embed="rId3"/>
+              </a:buBlip>
+              <a:defRPr kumimoji="1" sz="1600">
+                <a:solidFill>
+                  <a:schemeClr val="tx1"/>
+                </a:solidFill>
+                <a:latin typeface="+mn-lt"/>
+                <a:ea typeface="+mn-ea"/>
+              </a:defRPr>
+            </a:lvl9pPr>
+          </a:lstStyle>
+          <a:p>
+            <a:pPr marL="0" indent="0">
+              <a:buNone/>
+            </a:pPr>
+            <a:r>
+              <a:rPr lang="fi-FI" sz="2400" kern="0" dirty="0" smtClean="0"/>
+              <a:t>= Word box</a:t>
+            </a:r>
+            <a:endParaRPr lang="fi-FI" sz="2400" kern="0" dirty="0"/>
+          </a:p>
+        </p:txBody>
+      </p:sp>
+      <p:pic>
+        <p:nvPicPr>
+          <p:cNvPr id="14" name="Picture 13"/>
+          <p:cNvPicPr>
+            <a:picLocks noChangeAspect="1"/>
+          </p:cNvPicPr>
+          <p:nvPr/>
+        </p:nvPicPr>
+        <p:blipFill rotWithShape="1">
+          <a:blip r:embed="rId4">
+            <a:extLst>
+              <a:ext uri="{28A0092B-C50C-407E-A947-70E740481C1C}">
+                <a14:useLocalDpi xmlns:a14="http://schemas.microsoft.com/office/drawing/2010/main" val="0"/>
+              </a:ext>
+            </a:extLst>
+          </a:blip>
+          <a:srcRect l="7433" t="15004" r="7399" b="41319"/>
+          <a:stretch/>
+        </p:blipFill>
+        <p:spPr>
+          <a:xfrm>
+            <a:off x="1208584" y="1157607"/>
+            <a:ext cx="7737437" cy="576064"/>
+          </a:xfrm>
+          <a:prstGeom prst="rect">
+            <a:avLst/>
+          </a:prstGeom>
+          <a:ln>
+            <a:solidFill>
+              <a:schemeClr val="tx1"/>
+            </a:solidFill>
+          </a:ln>
+        </p:spPr>
+      </p:pic>
+      <p:cxnSp>
+        <p:nvCxnSpPr>
+          <p:cNvPr id="15" name="AutoShape 70"/>
+          <p:cNvCxnSpPr>
+            <a:cxnSpLocks noChangeShapeType="1"/>
+            <a:stCxn id="14" idx="2"/>
+            <a:endCxn id="6" idx="0"/>
+          </p:cNvCxnSpPr>
+          <p:nvPr/>
+        </p:nvCxnSpPr>
+        <p:spPr bwMode="auto">
+          <a:xfrm>
+            <a:off x="5077303" y="1733671"/>
+            <a:ext cx="0" cy="246149"/>
+          </a:xfrm>
+          <a:prstGeom prst="straightConnector1">
+            <a:avLst/>
+          </a:prstGeom>
+          <a:noFill/>
+          <a:ln w="25400">
+            <a:solidFill>
+              <a:schemeClr val="tx1"/>
+            </a:solidFill>
+            <a:miter lim="800000"/>
+            <a:headEnd/>
+            <a:tailEnd type="arrow" w="lg" len="lg"/>
+          </a:ln>
+          <a:effectLst/>
+          <a:extLst>
+            <a:ext uri="{909E8E84-426E-40DD-AFC4-6F175D3DCCD1}">
+              <a14:hiddenFill xmlns:a14="http://schemas.microsoft.com/office/drawing/2010/main">
+                <a:noFill/>
+              </a14:hiddenFill>
+            </a:ext>
+            <a:ext uri="{AF507438-7753-43E0-B8FC-AC1667EBCBE1}">
+              <a14:hiddenEffects xmlns:a14="http://schemas.microsoft.com/office/drawing/2010/main">
+                <a:effectLst>
+                  <a:outerShdw dist="35921" dir="2700000" algn="ctr" rotWithShape="0">
+                    <a:schemeClr val="bg2"/>
+                  </a:outerShdw>
+                </a:effectLst>
+              </a14:hiddenEffects>
+            </a:ext>
+          </a:extLst>
+        </p:spPr>
+      </p:cxnSp>
+      <p:pic>
+        <p:nvPicPr>
+          <p:cNvPr id="22" name="Picture 21"/>
+          <p:cNvPicPr>
+            <a:picLocks noChangeAspect="1"/>
+          </p:cNvPicPr>
+          <p:nvPr/>
+        </p:nvPicPr>
+        <p:blipFill rotWithShape="1">
+          <a:blip r:embed="rId5">
+            <a:extLst>
+              <a:ext uri="{28A0092B-C50C-407E-A947-70E740481C1C}">
+                <a14:useLocalDpi xmlns:a14="http://schemas.microsoft.com/office/drawing/2010/main" val="0"/>
+              </a:ext>
+            </a:extLst>
+          </a:blip>
+          <a:srcRect l="7839" t="17243" r="7839" b="44540"/>
+          <a:stretch/>
+        </p:blipFill>
+        <p:spPr>
+          <a:xfrm>
+            <a:off x="1241165" y="3480229"/>
+            <a:ext cx="7704856" cy="504056"/>
+          </a:xfrm>
+          <a:prstGeom prst="rect">
+            <a:avLst/>
+          </a:prstGeom>
+        </p:spPr>
+      </p:pic>
+      <p:pic>
+        <p:nvPicPr>
+          <p:cNvPr id="23" name="Picture 22"/>
+          <p:cNvPicPr>
+            <a:picLocks noChangeAspect="1"/>
+          </p:cNvPicPr>
+          <p:nvPr/>
+        </p:nvPicPr>
+        <p:blipFill rotWithShape="1">
+          <a:blip r:embed="rId6">
+            <a:extLst>
+              <a:ext uri="{28A0092B-C50C-407E-A947-70E740481C1C}">
+                <a14:useLocalDpi xmlns:a14="http://schemas.microsoft.com/office/drawing/2010/main" val="0"/>
+              </a:ext>
+            </a:extLst>
+          </a:blip>
+          <a:srcRect l="7874" t="17420" r="7805" b="44363"/>
+          <a:stretch/>
+        </p:blipFill>
+        <p:spPr>
+          <a:xfrm>
+            <a:off x="1241164" y="2730024"/>
+            <a:ext cx="7704857" cy="504056"/>
+          </a:xfrm>
+          <a:prstGeom prst="rect">
+            <a:avLst/>
+          </a:prstGeom>
+        </p:spPr>
+      </p:pic>
+      <p:cxnSp>
+        <p:nvCxnSpPr>
+          <p:cNvPr id="27" name="AutoShape 70"/>
+          <p:cNvCxnSpPr>
+            <a:cxnSpLocks noChangeShapeType="1"/>
+            <a:stCxn id="6" idx="2"/>
+            <a:endCxn id="23" idx="0"/>
+          </p:cNvCxnSpPr>
+          <p:nvPr/>
+        </p:nvCxnSpPr>
+        <p:spPr bwMode="auto">
+          <a:xfrm>
+            <a:off x="5077303" y="2483875"/>
+            <a:ext cx="16290" cy="246149"/>
+          </a:xfrm>
+          <a:prstGeom prst="straightConnector1">
+            <a:avLst/>
+          </a:prstGeom>
+          <a:noFill/>
+          <a:ln w="25400">
+            <a:solidFill>
+              <a:schemeClr val="tx1"/>
+            </a:solidFill>
+            <a:miter lim="800000"/>
+            <a:headEnd/>
+            <a:tailEnd type="arrow" w="lg" len="lg"/>
+          </a:ln>
+          <a:effectLst/>
+          <a:extLst>
+            <a:ext uri="{909E8E84-426E-40DD-AFC4-6F175D3DCCD1}">
+              <a14:hiddenFill xmlns:a14="http://schemas.microsoft.com/office/drawing/2010/main">
+                <a:noFill/>
+              </a14:hiddenFill>
+            </a:ext>
+            <a:ext uri="{AF507438-7753-43E0-B8FC-AC1667EBCBE1}">
+              <a14:hiddenEffects xmlns:a14="http://schemas.microsoft.com/office/drawing/2010/main">
+                <a:effectLst>
+                  <a:outerShdw dist="35921" dir="2700000" algn="ctr" rotWithShape="0">
+                    <a:schemeClr val="bg2"/>
+                  </a:outerShdw>
+                </a:effectLst>
+              </a14:hiddenEffects>
+            </a:ext>
+          </a:extLst>
+        </p:spPr>
+      </p:cxnSp>
+      <p:cxnSp>
+        <p:nvCxnSpPr>
+          <p:cNvPr id="30" name="AutoShape 70"/>
+          <p:cNvCxnSpPr>
+            <a:cxnSpLocks noChangeShapeType="1"/>
+            <a:stCxn id="23" idx="2"/>
+            <a:endCxn id="22" idx="0"/>
+          </p:cNvCxnSpPr>
+          <p:nvPr/>
+        </p:nvCxnSpPr>
+        <p:spPr bwMode="auto">
+          <a:xfrm>
+            <a:off x="5093593" y="3234080"/>
+            <a:ext cx="0" cy="246149"/>
+          </a:xfrm>
+          <a:prstGeom prst="straightConnector1">
+            <a:avLst/>
+          </a:prstGeom>
+          <a:noFill/>
+          <a:ln w="25400">
+            <a:solidFill>
+              <a:schemeClr val="tx1"/>
+            </a:solidFill>
+            <a:miter lim="800000"/>
+            <a:headEnd/>
+            <a:tailEnd type="arrow" w="lg" len="lg"/>
+          </a:ln>
+          <a:effectLst/>
+          <a:extLst>
+            <a:ext uri="{909E8E84-426E-40DD-AFC4-6F175D3DCCD1}">
+              <a14:hiddenFill xmlns:a14="http://schemas.microsoft.com/office/drawing/2010/main">
+                <a:noFill/>
+              </a14:hiddenFill>
+            </a:ext>
+            <a:ext uri="{AF507438-7753-43E0-B8FC-AC1667EBCBE1}">
+              <a14:hiddenEffects xmlns:a14="http://schemas.microsoft.com/office/drawing/2010/main">
+                <a:effectLst>
+                  <a:outerShdw dist="35921" dir="2700000" algn="ctr" rotWithShape="0">
+                    <a:schemeClr val="bg2"/>
+                  </a:outerShdw>
+                </a:effectLst>
+              </a14:hiddenEffects>
+            </a:ext>
+          </a:extLst>
+        </p:spPr>
+      </p:cxnSp>
     </p:spTree>
     <p:extLst>
       <p:ext uri="{BB962C8B-B14F-4D97-AF65-F5344CB8AC3E}">
-        <p14:creationId xmlns:p14="http://schemas.microsoft.com/office/powerpoint/2010/main" val="3959569764"/>
+        <p14:creationId xmlns:p14="http://schemas.microsoft.com/office/powerpoint/2010/main" val="96166703"/>
       </p:ext>
     </p:extLst>
   </p:cSld>
   <p:clrMapOvr>
     <a:masterClrMapping/>
   </p:clrMapOvr>
-  <p:timing>
-    <p:tnLst>
-      <p:par>
-        <p:cTn id="1" dur="indefinite" restart="never" nodeType="tmRoot"/>
-      </p:par>
-    </p:tnLst>
-  </p:timing>
 </p:sld>
 </file>
 
@@ -6927,120 +7893,40 @@
           <a:p>
             <a:r>
               <a:rPr lang="fi-FI" dirty="0" smtClean="0"/>
-              <a:t>Questions and Answers 2</a:t>
+              <a:t>Full layout visualized</a:t>
             </a:r>
             <a:endParaRPr lang="fi-FI" dirty="0"/>
           </a:p>
         </p:txBody>
       </p:sp>
-      <p:sp>
-        <p:nvSpPr>
-          <p:cNvPr id="3" name="Content Placeholder 2"/>
-          <p:cNvSpPr>
-            <a:spLocks noGrp="1"/>
-          </p:cNvSpPr>
+      <p:pic>
+        <p:nvPicPr>
+          <p:cNvPr id="6" name="Content Placeholder 5"/>
+          <p:cNvPicPr>
+            <a:picLocks noGrp="1" noChangeAspect="1"/>
+          </p:cNvPicPr>
           <p:nvPr>
             <p:ph idx="1"/>
           </p:nvPr>
-        </p:nvSpPr>
-        <p:spPr/>
-        <p:txBody>
-          <a:bodyPr/>
-          <a:lstStyle/>
-          <a:p>
-            <a:r>
-              <a:rPr lang="en-US" sz="2400" dirty="0"/>
-              <a:t>Sone: Too much text. Please show both of the picture before and after filtered if you compare them.</a:t>
-            </a:r>
-          </a:p>
-          <a:p>
-            <a:pPr lvl="1"/>
-            <a:r>
-              <a:rPr lang="en-US" sz="1800" dirty="0"/>
-              <a:t>I will try to remember these suggestions in next presentation</a:t>
-            </a:r>
-            <a:r>
-              <a:rPr lang="en-US" sz="1800" dirty="0" smtClean="0"/>
-              <a:t>.</a:t>
-            </a:r>
-          </a:p>
-          <a:p>
-            <a:r>
-              <a:rPr lang="en-US" sz="2400" dirty="0" err="1" smtClean="0"/>
-              <a:t>Konta</a:t>
-            </a:r>
-            <a:r>
-              <a:rPr lang="en-US" sz="2400" dirty="0" smtClean="0"/>
-              <a:t> </a:t>
-            </a:r>
-            <a:r>
-              <a:rPr lang="en-US" sz="2400" dirty="0"/>
-              <a:t>: How did you determine the coefficient of the </a:t>
-            </a:r>
-            <a:r>
-              <a:rPr lang="en-US" sz="2400" dirty="0" smtClean="0"/>
-              <a:t>Wiener </a:t>
-            </a:r>
-            <a:r>
-              <a:rPr lang="en-US" sz="2400" dirty="0"/>
-              <a:t>filter? p</a:t>
-            </a:r>
-            <a:r>
-              <a:rPr lang="en-US" sz="2400" dirty="0" smtClean="0"/>
-              <a:t>. 8</a:t>
-            </a:r>
-          </a:p>
-          <a:p>
-            <a:pPr lvl="1"/>
-            <a:r>
-              <a:rPr lang="en-US" sz="1800" dirty="0" smtClean="0"/>
-              <a:t>The filter size was chosen with going through many filter sizes from 3x3 to 20x20 and choosing the value which didn’t break the characters and at the same time removed most of the noise. The comparison was made visually and the number of objects was monitored at the same time. </a:t>
-            </a:r>
-          </a:p>
-          <a:p>
-            <a:r>
-              <a:rPr lang="en-US" sz="2400" dirty="0" err="1"/>
-              <a:t>Konta</a:t>
-            </a:r>
-            <a:r>
-              <a:rPr lang="en-US" sz="2400" dirty="0"/>
-              <a:t> : The result seems to be better if the size of the Wiener filter is 20 than 6. How do you think about this?</a:t>
-            </a:r>
-          </a:p>
-          <a:p>
-            <a:pPr lvl="1"/>
-            <a:r>
-              <a:rPr lang="en-US" sz="1800" dirty="0"/>
-              <a:t>The Wiener filter size 20 actually breaks the characters and we lose information</a:t>
-            </a:r>
-            <a:r>
-              <a:rPr lang="en-US" sz="1800" dirty="0" smtClean="0"/>
-              <a:t>. </a:t>
-            </a:r>
-            <a:r>
-              <a:rPr lang="en-US" sz="1800" dirty="0"/>
-              <a:t>Closer inspection of image at </a:t>
-            </a:r>
-            <a:r>
-              <a:rPr lang="en-US" sz="1800" dirty="0" smtClean="0"/>
-              <a:t>p.19 </a:t>
-            </a:r>
-            <a:r>
-              <a:rPr lang="en-US" sz="1800" dirty="0"/>
-              <a:t>shows that the numbers from 0 to 3 are </a:t>
-            </a:r>
-            <a:r>
-              <a:rPr lang="en-US" sz="1800" dirty="0" smtClean="0"/>
-              <a:t>broken beyond recognition. Although during the presentation it might not be obvious.</a:t>
-            </a:r>
-            <a:endParaRPr lang="en-US" sz="1800" dirty="0"/>
-          </a:p>
-          <a:p>
-            <a:pPr lvl="1"/>
-            <a:endParaRPr lang="en-US" sz="1800" dirty="0"/>
-          </a:p>
-        </p:txBody>
-      </p:sp>
+        </p:nvPicPr>
+        <p:blipFill rotWithShape="1">
+          <a:blip r:embed="rId2">
+            <a:extLst>
+              <a:ext uri="{28A0092B-C50C-407E-A947-70E740481C1C}">
+                <a14:useLocalDpi xmlns:a14="http://schemas.microsoft.com/office/drawing/2010/main" val="0"/>
+              </a:ext>
+            </a:extLst>
+          </a:blip>
+          <a:srcRect l="36269" t="5104" r="36270" b="11854"/>
+          <a:stretch/>
+        </p:blipFill>
+        <p:spPr>
+          <a:xfrm>
+            <a:off x="1849520" y="966781"/>
+            <a:ext cx="3672408" cy="5292588"/>
+          </a:xfrm>
+        </p:spPr>
+      </p:pic>
       <p:sp>
         <p:nvSpPr>
           <p:cNvPr id="4" name="Footer Placeholder 3"/>
@@ -7088,23 +7974,471 @@
           </a:p>
         </p:txBody>
       </p:sp>
+      <p:sp>
+        <p:nvSpPr>
+          <p:cNvPr id="8" name="TextBox 7"/>
+          <p:cNvSpPr txBox="1"/>
+          <p:nvPr/>
+        </p:nvSpPr>
+        <p:spPr>
+          <a:xfrm>
+            <a:off x="6609183" y="1632776"/>
+            <a:ext cx="2592979" cy="400110"/>
+          </a:xfrm>
+          <a:prstGeom prst="rect">
+            <a:avLst/>
+          </a:prstGeom>
+          <a:noFill/>
+        </p:spPr>
+        <p:txBody>
+          <a:bodyPr wrap="square" rtlCol="0">
+            <a:spAutoFit/>
+          </a:bodyPr>
+          <a:lstStyle/>
+          <a:p>
+            <a:r>
+              <a:rPr kumimoji="1" lang="fi-FI" sz="2000" dirty="0" smtClean="0">
+                <a:latin typeface="Arial" panose="020B0604020202020204" pitchFamily="34" charset="0"/>
+                <a:cs typeface="Arial" panose="020B0604020202020204" pitchFamily="34" charset="0"/>
+              </a:rPr>
+              <a:t>= Area of interest box</a:t>
+            </a:r>
+            <a:endParaRPr kumimoji="1" lang="fi-FI" sz="2000" dirty="0">
+              <a:latin typeface="Arial" panose="020B0604020202020204" pitchFamily="34" charset="0"/>
+              <a:cs typeface="Arial" panose="020B0604020202020204" pitchFamily="34" charset="0"/>
+            </a:endParaRPr>
+          </a:p>
+        </p:txBody>
+      </p:sp>
+      <p:sp>
+        <p:nvSpPr>
+          <p:cNvPr id="9" name="Rectangle 8"/>
+          <p:cNvSpPr/>
+          <p:nvPr/>
+        </p:nvSpPr>
+        <p:spPr>
+          <a:xfrm>
+            <a:off x="5997772" y="2307248"/>
+            <a:ext cx="432048" cy="432048"/>
+          </a:xfrm>
+          <a:prstGeom prst="rect">
+            <a:avLst/>
+          </a:prstGeom>
+          <a:noFill/>
+          <a:ln w="38100">
+            <a:solidFill>
+              <a:srgbClr val="00B0F0"/>
+            </a:solidFill>
+          </a:ln>
+        </p:spPr>
+        <p:style>
+          <a:lnRef idx="2">
+            <a:schemeClr val="accent1">
+              <a:shade val="50000"/>
+            </a:schemeClr>
+          </a:lnRef>
+          <a:fillRef idx="1">
+            <a:schemeClr val="accent1"/>
+          </a:fillRef>
+          <a:effectRef idx="0">
+            <a:schemeClr val="accent1"/>
+          </a:effectRef>
+          <a:fontRef idx="minor">
+            <a:schemeClr val="lt1"/>
+          </a:fontRef>
+        </p:style>
+        <p:txBody>
+          <a:bodyPr rtlCol="0" anchor="ctr"/>
+          <a:lstStyle/>
+          <a:p>
+            <a:pPr algn="ctr"/>
+            <a:endParaRPr kumimoji="1" lang="fi-FI" dirty="0" smtClean="0">
+              <a:solidFill>
+                <a:schemeClr val="tx1"/>
+              </a:solidFill>
+            </a:endParaRPr>
+          </a:p>
+        </p:txBody>
+      </p:sp>
+      <p:sp>
+        <p:nvSpPr>
+          <p:cNvPr id="10" name="TextBox 9"/>
+          <p:cNvSpPr txBox="1"/>
+          <p:nvPr/>
+        </p:nvSpPr>
+        <p:spPr>
+          <a:xfrm>
+            <a:off x="6628746" y="2308308"/>
+            <a:ext cx="1402948" cy="400110"/>
+          </a:xfrm>
+          <a:prstGeom prst="rect">
+            <a:avLst/>
+          </a:prstGeom>
+          <a:noFill/>
+        </p:spPr>
+        <p:txBody>
+          <a:bodyPr wrap="none" rtlCol="0">
+            <a:spAutoFit/>
+          </a:bodyPr>
+          <a:lstStyle/>
+          <a:p>
+            <a:r>
+              <a:rPr kumimoji="1" lang="fi-FI" sz="2000" dirty="0" smtClean="0">
+                <a:latin typeface="Arial" panose="020B0604020202020204" pitchFamily="34" charset="0"/>
+                <a:cs typeface="Arial" panose="020B0604020202020204" pitchFamily="34" charset="0"/>
+              </a:rPr>
+              <a:t>= Row box</a:t>
+            </a:r>
+            <a:endParaRPr kumimoji="1" lang="fi-FI" sz="2000" dirty="0">
+              <a:latin typeface="Arial" panose="020B0604020202020204" pitchFamily="34" charset="0"/>
+              <a:cs typeface="Arial" panose="020B0604020202020204" pitchFamily="34" charset="0"/>
+            </a:endParaRPr>
+          </a:p>
+        </p:txBody>
+      </p:sp>
+      <p:sp>
+        <p:nvSpPr>
+          <p:cNvPr id="11" name="Rectangle 10"/>
+          <p:cNvSpPr/>
+          <p:nvPr/>
+        </p:nvSpPr>
+        <p:spPr>
+          <a:xfrm>
+            <a:off x="5997772" y="1632776"/>
+            <a:ext cx="432048" cy="432048"/>
+          </a:xfrm>
+          <a:prstGeom prst="rect">
+            <a:avLst/>
+          </a:prstGeom>
+          <a:noFill/>
+          <a:ln w="38100">
+            <a:solidFill>
+              <a:srgbClr val="FF0000"/>
+            </a:solidFill>
+          </a:ln>
+        </p:spPr>
+        <p:style>
+          <a:lnRef idx="2">
+            <a:schemeClr val="accent1">
+              <a:shade val="50000"/>
+            </a:schemeClr>
+          </a:lnRef>
+          <a:fillRef idx="1">
+            <a:schemeClr val="accent1"/>
+          </a:fillRef>
+          <a:effectRef idx="0">
+            <a:schemeClr val="accent1"/>
+          </a:effectRef>
+          <a:fontRef idx="minor">
+            <a:schemeClr val="lt1"/>
+          </a:fontRef>
+        </p:style>
+        <p:txBody>
+          <a:bodyPr rtlCol="0" anchor="ctr"/>
+          <a:lstStyle/>
+          <a:p>
+            <a:pPr algn="ctr"/>
+            <a:endParaRPr kumimoji="1" lang="fi-FI" dirty="0" smtClean="0">
+              <a:solidFill>
+                <a:schemeClr val="tx1"/>
+              </a:solidFill>
+            </a:endParaRPr>
+          </a:p>
+        </p:txBody>
+      </p:sp>
+      <p:sp>
+        <p:nvSpPr>
+          <p:cNvPr id="12" name="Rectangle 11"/>
+          <p:cNvSpPr/>
+          <p:nvPr/>
+        </p:nvSpPr>
+        <p:spPr>
+          <a:xfrm>
+            <a:off x="5997772" y="3033839"/>
+            <a:ext cx="432047" cy="432048"/>
+          </a:xfrm>
+          <a:prstGeom prst="rect">
+            <a:avLst/>
+          </a:prstGeom>
+          <a:noFill/>
+          <a:ln w="38100">
+            <a:solidFill>
+              <a:srgbClr val="00FF00"/>
+            </a:solidFill>
+          </a:ln>
+        </p:spPr>
+        <p:style>
+          <a:lnRef idx="2">
+            <a:schemeClr val="accent1">
+              <a:shade val="50000"/>
+            </a:schemeClr>
+          </a:lnRef>
+          <a:fillRef idx="1">
+            <a:schemeClr val="accent1"/>
+          </a:fillRef>
+          <a:effectRef idx="0">
+            <a:schemeClr val="accent1"/>
+          </a:effectRef>
+          <a:fontRef idx="minor">
+            <a:schemeClr val="lt1"/>
+          </a:fontRef>
+        </p:style>
+        <p:txBody>
+          <a:bodyPr rtlCol="0" anchor="ctr"/>
+          <a:lstStyle/>
+          <a:p>
+            <a:pPr algn="ctr"/>
+            <a:endParaRPr kumimoji="1" lang="fi-FI" dirty="0" smtClean="0">
+              <a:solidFill>
+                <a:schemeClr val="tx1"/>
+              </a:solidFill>
+            </a:endParaRPr>
+          </a:p>
+        </p:txBody>
+      </p:sp>
+      <p:sp>
+        <p:nvSpPr>
+          <p:cNvPr id="13" name="Content Placeholder 2"/>
+          <p:cNvSpPr txBox="1">
+            <a:spLocks/>
+          </p:cNvSpPr>
+          <p:nvPr/>
+        </p:nvSpPr>
+        <p:spPr bwMode="gray">
+          <a:xfrm>
+            <a:off x="6566428" y="3028615"/>
+            <a:ext cx="1785930" cy="437272"/>
+          </a:xfrm>
+          <a:prstGeom prst="rect">
+            <a:avLst/>
+          </a:prstGeom>
+          <a:noFill/>
+          <a:ln>
+            <a:noFill/>
+          </a:ln>
+          <a:effectLst/>
+          <a:extLst>
+            <a:ext uri="{909E8E84-426E-40DD-AFC4-6F175D3DCCD1}">
+              <a14:hiddenFill xmlns:a14="http://schemas.microsoft.com/office/drawing/2010/main">
+                <a:solidFill>
+                  <a:schemeClr val="accent1"/>
+                </a:solidFill>
+              </a14:hiddenFill>
+            </a:ext>
+            <a:ext uri="{91240B29-F687-4F45-9708-019B960494DF}">
+              <a14:hiddenLine xmlns:a14="http://schemas.microsoft.com/office/drawing/2010/main" w="9525">
+                <a:solidFill>
+                  <a:schemeClr val="tx1"/>
+                </a:solidFill>
+                <a:miter lim="800000"/>
+                <a:headEnd/>
+                <a:tailEnd/>
+              </a14:hiddenLine>
+            </a:ext>
+            <a:ext uri="{AF507438-7753-43E0-B8FC-AC1667EBCBE1}">
+              <a14:hiddenEffects xmlns:a14="http://schemas.microsoft.com/office/drawing/2010/main">
+                <a:effectLst>
+                  <a:outerShdw dist="35921" dir="2700000" algn="ctr" rotWithShape="0">
+                    <a:schemeClr val="bg2"/>
+                  </a:outerShdw>
+                </a:effectLst>
+              </a14:hiddenEffects>
+            </a:ext>
+          </a:extLst>
+        </p:spPr>
+        <p:txBody>
+          <a:bodyPr vert="horz" wrap="square" lIns="91440" tIns="45720" rIns="91440" bIns="45720" numCol="1" anchor="t" anchorCtr="0" compatLnSpc="1">
+            <a:prstTxWarp prst="textNoShape">
+              <a:avLst/>
+            </a:prstTxWarp>
+          </a:bodyPr>
+          <a:lstStyle>
+            <a:lvl1pPr marL="342900" indent="-342900" algn="l" rtl="0" eaLnBrk="1" fontAlgn="base" hangingPunct="1">
+              <a:spcBef>
+                <a:spcPct val="20000"/>
+              </a:spcBef>
+              <a:spcAft>
+                <a:spcPct val="0"/>
+              </a:spcAft>
+              <a:buBlip>
+                <a:blip r:embed="rId3"/>
+              </a:buBlip>
+              <a:defRPr kumimoji="1" sz="2800">
+                <a:solidFill>
+                  <a:schemeClr val="tx1"/>
+                </a:solidFill>
+                <a:latin typeface="+mn-lt"/>
+                <a:ea typeface="+mn-ea"/>
+                <a:cs typeface="+mn-cs"/>
+              </a:defRPr>
+            </a:lvl1pPr>
+            <a:lvl2pPr marL="742950" indent="-285750" algn="l" rtl="0" eaLnBrk="1" fontAlgn="base" hangingPunct="1">
+              <a:spcBef>
+                <a:spcPct val="20000"/>
+              </a:spcBef>
+              <a:spcAft>
+                <a:spcPct val="0"/>
+              </a:spcAft>
+              <a:buBlip>
+                <a:blip r:embed="rId3"/>
+              </a:buBlip>
+              <a:defRPr kumimoji="1" sz="2400">
+                <a:solidFill>
+                  <a:schemeClr val="tx1"/>
+                </a:solidFill>
+                <a:latin typeface="+mn-lt"/>
+                <a:ea typeface="+mn-ea"/>
+              </a:defRPr>
+            </a:lvl2pPr>
+            <a:lvl3pPr marL="1143000" indent="-228600" algn="l" rtl="0" eaLnBrk="1" fontAlgn="base" hangingPunct="1">
+              <a:spcBef>
+                <a:spcPct val="20000"/>
+              </a:spcBef>
+              <a:spcAft>
+                <a:spcPct val="0"/>
+              </a:spcAft>
+              <a:buBlip>
+                <a:blip r:embed="rId3"/>
+              </a:buBlip>
+              <a:defRPr kumimoji="1" sz="2000">
+                <a:solidFill>
+                  <a:schemeClr val="tx1"/>
+                </a:solidFill>
+                <a:latin typeface="+mn-lt"/>
+                <a:ea typeface="+mn-ea"/>
+              </a:defRPr>
+            </a:lvl3pPr>
+            <a:lvl4pPr marL="1600200" indent="-228600" algn="l" rtl="0" eaLnBrk="1" fontAlgn="base" hangingPunct="1">
+              <a:spcBef>
+                <a:spcPct val="20000"/>
+              </a:spcBef>
+              <a:spcAft>
+                <a:spcPct val="0"/>
+              </a:spcAft>
+              <a:buBlip>
+                <a:blip r:embed="rId3"/>
+              </a:buBlip>
+              <a:defRPr kumimoji="1">
+                <a:solidFill>
+                  <a:schemeClr val="tx1"/>
+                </a:solidFill>
+                <a:latin typeface="+mn-lt"/>
+                <a:ea typeface="+mn-ea"/>
+              </a:defRPr>
+            </a:lvl4pPr>
+            <a:lvl5pPr marL="2057400" indent="-228600" algn="l" rtl="0" eaLnBrk="1" fontAlgn="base" hangingPunct="1">
+              <a:spcBef>
+                <a:spcPct val="20000"/>
+              </a:spcBef>
+              <a:spcAft>
+                <a:spcPct val="0"/>
+              </a:spcAft>
+              <a:buBlip>
+                <a:blip r:embed="rId3"/>
+              </a:buBlip>
+              <a:defRPr kumimoji="1" sz="1600">
+                <a:solidFill>
+                  <a:schemeClr val="tx1"/>
+                </a:solidFill>
+                <a:latin typeface="+mn-lt"/>
+                <a:ea typeface="+mn-ea"/>
+              </a:defRPr>
+            </a:lvl5pPr>
+            <a:lvl6pPr marL="2514600" indent="-228600" algn="l" rtl="0" eaLnBrk="1" fontAlgn="base" hangingPunct="1">
+              <a:spcBef>
+                <a:spcPct val="20000"/>
+              </a:spcBef>
+              <a:spcAft>
+                <a:spcPct val="0"/>
+              </a:spcAft>
+              <a:buBlip>
+                <a:blip r:embed="rId3"/>
+              </a:buBlip>
+              <a:defRPr kumimoji="1" sz="1600">
+                <a:solidFill>
+                  <a:schemeClr val="tx1"/>
+                </a:solidFill>
+                <a:latin typeface="+mn-lt"/>
+                <a:ea typeface="+mn-ea"/>
+              </a:defRPr>
+            </a:lvl6pPr>
+            <a:lvl7pPr marL="2971800" indent="-228600" algn="l" rtl="0" eaLnBrk="1" fontAlgn="base" hangingPunct="1">
+              <a:spcBef>
+                <a:spcPct val="20000"/>
+              </a:spcBef>
+              <a:spcAft>
+                <a:spcPct val="0"/>
+              </a:spcAft>
+              <a:buBlip>
+                <a:blip r:embed="rId3"/>
+              </a:buBlip>
+              <a:defRPr kumimoji="1" sz="1600">
+                <a:solidFill>
+                  <a:schemeClr val="tx1"/>
+                </a:solidFill>
+                <a:latin typeface="+mn-lt"/>
+                <a:ea typeface="+mn-ea"/>
+              </a:defRPr>
+            </a:lvl7pPr>
+            <a:lvl8pPr marL="3429000" indent="-228600" algn="l" rtl="0" eaLnBrk="1" fontAlgn="base" hangingPunct="1">
+              <a:spcBef>
+                <a:spcPct val="20000"/>
+              </a:spcBef>
+              <a:spcAft>
+                <a:spcPct val="0"/>
+              </a:spcAft>
+              <a:buBlip>
+                <a:blip r:embed="rId3"/>
+              </a:buBlip>
+              <a:defRPr kumimoji="1" sz="1600">
+                <a:solidFill>
+                  <a:schemeClr val="tx1"/>
+                </a:solidFill>
+                <a:latin typeface="+mn-lt"/>
+                <a:ea typeface="+mn-ea"/>
+              </a:defRPr>
+            </a:lvl8pPr>
+            <a:lvl9pPr marL="3886200" indent="-228600" algn="l" rtl="0" eaLnBrk="1" fontAlgn="base" hangingPunct="1">
+              <a:spcBef>
+                <a:spcPct val="20000"/>
+              </a:spcBef>
+              <a:spcAft>
+                <a:spcPct val="0"/>
+              </a:spcAft>
+              <a:buBlip>
+                <a:blip r:embed="rId3"/>
+              </a:buBlip>
+              <a:defRPr kumimoji="1" sz="1600">
+                <a:solidFill>
+                  <a:schemeClr val="tx1"/>
+                </a:solidFill>
+                <a:latin typeface="+mn-lt"/>
+                <a:ea typeface="+mn-ea"/>
+              </a:defRPr>
+            </a:lvl9pPr>
+          </a:lstStyle>
+          <a:p>
+            <a:pPr marL="0" indent="0">
+              <a:buNone/>
+            </a:pPr>
+            <a:r>
+              <a:rPr lang="fi-FI" sz="2000" kern="0" dirty="0" smtClean="0"/>
+              <a:t>= Word box</a:t>
+            </a:r>
+            <a:endParaRPr lang="fi-FI" sz="2000" kern="0" dirty="0"/>
+          </a:p>
+        </p:txBody>
+      </p:sp>
     </p:spTree>
     <p:extLst>
       <p:ext uri="{BB962C8B-B14F-4D97-AF65-F5344CB8AC3E}">
-        <p14:creationId xmlns:p14="http://schemas.microsoft.com/office/powerpoint/2010/main" val="428150284"/>
+        <p14:creationId xmlns:p14="http://schemas.microsoft.com/office/powerpoint/2010/main" val="1874606594"/>
       </p:ext>
     </p:extLst>
   </p:cSld>
   <p:clrMapOvr>
     <a:masterClrMapping/>
   </p:clrMapOvr>
-  <p:timing>
-    <p:tnLst>
-      <p:par>
-        <p:cTn id="1" dur="indefinite" restart="never" nodeType="tmRoot"/>
-      </p:par>
-    </p:tnLst>
-  </p:timing>
 </p:sld>
 </file>
 
@@ -7141,12 +8475,8 @@
           <a:lstStyle/>
           <a:p>
             <a:r>
-              <a:rPr lang="fi-FI" dirty="0"/>
-              <a:t>Questions and Answers </a:t>
-            </a:r>
-            <a:r>
               <a:rPr lang="fi-FI" dirty="0" smtClean="0"/>
-              <a:t>3</a:t>
+              <a:t>Tests</a:t>
             </a:r>
             <a:endParaRPr lang="fi-FI" dirty="0"/>
           </a:p>
@@ -7168,95 +8498,19 @@
           <a:lstStyle/>
           <a:p>
             <a:r>
-              <a:rPr lang="en-US" sz="2400" dirty="0" err="1" smtClean="0"/>
-              <a:t>Konta</a:t>
-            </a:r>
-            <a:r>
-              <a:rPr lang="en-US" sz="2400" dirty="0" smtClean="0"/>
-              <a:t> </a:t>
-            </a:r>
-            <a:r>
-              <a:rPr lang="en-US" sz="2400" dirty="0"/>
-              <a:t>: The intensity of the red and blue is different when you convert the picture to gray scale. </a:t>
-            </a:r>
-            <a:r>
-              <a:rPr lang="en-US" sz="2400" dirty="0" smtClean="0"/>
-              <a:t>Don’t </a:t>
-            </a:r>
-            <a:r>
-              <a:rPr lang="en-US" sz="2400" dirty="0"/>
-              <a:t>you use the color </a:t>
-            </a:r>
-            <a:r>
-              <a:rPr lang="en-US" sz="2400" dirty="0" smtClean="0"/>
-              <a:t>information?</a:t>
-            </a:r>
-          </a:p>
-          <a:p>
-            <a:pPr lvl="1"/>
-            <a:r>
-              <a:rPr lang="en-US" sz="1800" dirty="0" smtClean="0"/>
-              <a:t>Many of the </a:t>
-            </a:r>
-            <a:r>
-              <a:rPr lang="en-US" sz="1800" dirty="0" err="1" smtClean="0"/>
-              <a:t>binarization</a:t>
-            </a:r>
-            <a:r>
-              <a:rPr lang="en-US" sz="1800" dirty="0" smtClean="0"/>
-              <a:t> algorithms including </a:t>
-            </a:r>
-            <a:r>
-              <a:rPr lang="en-US" sz="1800" dirty="0" err="1" smtClean="0"/>
-              <a:t>Sauvola</a:t>
-            </a:r>
-            <a:r>
-              <a:rPr lang="en-US" sz="1800" dirty="0" smtClean="0"/>
-              <a:t>-algorithm work with grayscale images. It was good observation that some text information can be lost if the image is changed straight to grayscale. More research should be put into this problem.</a:t>
-            </a:r>
-            <a:endParaRPr lang="en-US" sz="1800" dirty="0"/>
-          </a:p>
-          <a:p>
-            <a:r>
-              <a:rPr lang="en-US" sz="2400" dirty="0"/>
-              <a:t>Sone : What camera did you use</a:t>
-            </a:r>
-            <a:r>
-              <a:rPr lang="en-US" sz="2400" dirty="0" smtClean="0"/>
-              <a:t>? This </a:t>
-            </a:r>
-            <a:r>
-              <a:rPr lang="en-US" sz="2400" dirty="0"/>
-              <a:t>experiment is affected from the spec of the camera. (ex. resolution) You can use better camera in the </a:t>
-            </a:r>
-            <a:r>
-              <a:rPr lang="en-US" sz="2400" dirty="0" smtClean="0"/>
-              <a:t>laboratory</a:t>
-            </a:r>
-            <a:r>
-              <a:rPr lang="en-US" sz="2400" dirty="0"/>
-              <a:t>. </a:t>
-            </a:r>
-            <a:r>
-              <a:rPr lang="en-US" sz="2400" dirty="0" smtClean="0"/>
-              <a:t>Please </a:t>
-            </a:r>
-            <a:r>
-              <a:rPr lang="en-US" sz="2400" dirty="0"/>
-              <a:t>use it</a:t>
-            </a:r>
-            <a:r>
-              <a:rPr lang="en-US" sz="2400" dirty="0" smtClean="0"/>
-              <a:t>.</a:t>
-            </a:r>
-          </a:p>
-          <a:p>
-            <a:pPr lvl="1"/>
-            <a:r>
-              <a:rPr lang="en-US" sz="1800" dirty="0" smtClean="0"/>
-              <a:t>I used my smartphones inbuilt camera. The motivation of the project was to provide digitization system for photographs of handwritten notes. In real life situation these photographs are often taken with smartphone cameras. The resolution affects the preprocessing and it is important to keep it as constant. I will consider better camera or scanner for further testing.</a:t>
-            </a:r>
-            <a:endParaRPr lang="en-US" sz="1800" dirty="0"/>
+              <a:rPr lang="fi-FI" dirty="0" smtClean="0"/>
+              <a:t>The system is still dependant on the threshold values.</a:t>
+            </a:r>
+          </a:p>
+          <a:p>
+            <a:r>
+              <a:rPr lang="fi-FI" dirty="0" smtClean="0"/>
+              <a:t>The tests goal is to find these threshold values for IAM database.</a:t>
+            </a:r>
+            <a:endParaRPr lang="fi-FI" dirty="0"/>
+          </a:p>
+          <a:p>
+            <a:endParaRPr lang="fi-FI" dirty="0"/>
           </a:p>
         </p:txBody>
       </p:sp>
@@ -7276,10 +8530,10 @@
           <a:lstStyle/>
           <a:p>
             <a:r>
-              <a:rPr lang="ja-JP" altLang="en-US" dirty="0" smtClean="0"/>
+              <a:rPr lang="ja-JP" altLang="en-US" smtClean="0"/>
               <a:t>研究室ゼミ</a:t>
             </a:r>
-            <a:endParaRPr lang="en-US" altLang="ja-JP" dirty="0"/>
+            <a:endParaRPr lang="en-US" altLang="ja-JP"/>
           </a:p>
         </p:txBody>
       </p:sp>
@@ -7310,7 +8564,7 @@
     </p:spTree>
     <p:extLst>
       <p:ext uri="{BB962C8B-B14F-4D97-AF65-F5344CB8AC3E}">
-        <p14:creationId xmlns:p14="http://schemas.microsoft.com/office/powerpoint/2010/main" val="876132108"/>
+        <p14:creationId xmlns:p14="http://schemas.microsoft.com/office/powerpoint/2010/main" val="2375643434"/>
       </p:ext>
     </p:extLst>
   </p:cSld>
@@ -7360,107 +8614,54 @@
           <a:lstStyle/>
           <a:p>
             <a:r>
-              <a:rPr lang="fi-FI" dirty="0"/>
-              <a:t>Questions and Answers </a:t>
-            </a:r>
-            <a:r>
               <a:rPr lang="fi-FI" dirty="0" smtClean="0"/>
-              <a:t>4</a:t>
+              <a:t>Example </a:t>
+            </a:r>
+            <a:r>
+              <a:rPr lang="fi-FI" dirty="0" smtClean="0"/>
+              <a:t>entries </a:t>
+            </a:r>
+            <a:r>
+              <a:rPr lang="fi-FI" dirty="0" smtClean="0"/>
+              <a:t>in IAM handwriting database.</a:t>
             </a:r>
             <a:endParaRPr lang="fi-FI" dirty="0"/>
           </a:p>
         </p:txBody>
       </p:sp>
-      <p:sp>
-        <p:nvSpPr>
-          <p:cNvPr id="3" name="Content Placeholder 2"/>
-          <p:cNvSpPr>
-            <a:spLocks noGrp="1"/>
-          </p:cNvSpPr>
+      <p:pic>
+        <p:nvPicPr>
+          <p:cNvPr id="6" name="Content Placeholder 5"/>
+          <p:cNvPicPr>
+            <a:picLocks noGrp="1" noChangeAspect="1"/>
+          </p:cNvPicPr>
           <p:nvPr>
             <p:ph idx="1"/>
           </p:nvPr>
-        </p:nvSpPr>
-        <p:spPr/>
-        <p:txBody>
-          <a:bodyPr/>
-          <a:lstStyle/>
-          <a:p>
-            <a:r>
-              <a:rPr lang="en-US" sz="2400" dirty="0" smtClean="0"/>
-              <a:t>Tanaka: </a:t>
-            </a:r>
-            <a:r>
-              <a:rPr lang="en-US" sz="2400" dirty="0"/>
-              <a:t>The characters is </a:t>
-            </a:r>
-            <a:r>
-              <a:rPr lang="en-US" sz="2400" dirty="0" smtClean="0"/>
-              <a:t>separated </a:t>
-            </a:r>
-            <a:r>
-              <a:rPr lang="en-US" sz="2400" dirty="0"/>
-              <a:t>in the picture. In general, there are some cases that characters are not </a:t>
-            </a:r>
-            <a:r>
-              <a:rPr lang="en-US" sz="2400" dirty="0" smtClean="0"/>
-              <a:t>separated</a:t>
-            </a:r>
-            <a:r>
-              <a:rPr lang="en-US" sz="2400" dirty="0"/>
-              <a:t>. How do you process in such a case</a:t>
-            </a:r>
-            <a:r>
-              <a:rPr lang="en-US" sz="2400" dirty="0" smtClean="0"/>
-              <a:t>?</a:t>
-            </a:r>
-          </a:p>
-          <a:p>
-            <a:pPr lvl="1"/>
-            <a:r>
-              <a:rPr lang="en-US" sz="1800" dirty="0" smtClean="0"/>
-              <a:t>At this point this problem wasn’t yet addressed. Especially cursive handwriting includes connected characters. The found objects can be analyzed, split up and then analyzed again to see if the results are better or worse. The split can be done in the most thin part. Also some characters can be broken because of thin strokes. These characters can be connected in a similar manner.</a:t>
-            </a:r>
-            <a:endParaRPr lang="en-US" sz="1800" dirty="0"/>
-          </a:p>
-          <a:p>
-            <a:r>
-              <a:rPr lang="en-US" sz="2400" dirty="0" smtClean="0"/>
-              <a:t>Tanaka: </a:t>
-            </a:r>
-            <a:r>
-              <a:rPr lang="en-US" sz="2400" dirty="0"/>
-              <a:t>The characters are vertical to the picture. How do you do if the </a:t>
-            </a:r>
-            <a:r>
-              <a:rPr lang="en-US" sz="2400" dirty="0" smtClean="0"/>
-              <a:t>characters </a:t>
-            </a:r>
-            <a:r>
-              <a:rPr lang="en-US" sz="2400" dirty="0"/>
-              <a:t>are diagonally</a:t>
-            </a:r>
-            <a:r>
-              <a:rPr lang="en-US" sz="2400" dirty="0" smtClean="0"/>
-              <a:t>?</a:t>
-            </a:r>
-          </a:p>
-          <a:p>
-            <a:pPr lvl="1"/>
-            <a:r>
-              <a:rPr lang="en-US" sz="1800" dirty="0" smtClean="0"/>
-              <a:t>This system doesn’t yet take the text orientation into account. This is another problem that has to be handled during the development process. </a:t>
-            </a:r>
-            <a:endParaRPr lang="en-US" sz="1800" dirty="0"/>
-          </a:p>
-          <a:p>
-            <a:pPr marL="0" indent="0">
-              <a:buNone/>
-            </a:pPr>
-            <a:endParaRPr lang="fi-FI" dirty="0"/>
-          </a:p>
-        </p:txBody>
-      </p:sp>
+        </p:nvPicPr>
+        <p:blipFill rotWithShape="1">
+          <a:blip r:embed="rId2" cstate="print">
+            <a:extLst>
+              <a:ext uri="{28A0092B-C50C-407E-A947-70E740481C1C}">
+                <a14:useLocalDpi xmlns:a14="http://schemas.microsoft.com/office/drawing/2010/main" val="0"/>
+              </a:ext>
+            </a:extLst>
+          </a:blip>
+          <a:srcRect l="11672" t="19051" b="43673"/>
+          <a:stretch/>
+        </p:blipFill>
+        <p:spPr>
+          <a:xfrm>
+            <a:off x="848544" y="1014474"/>
+            <a:ext cx="3240360" cy="1954171"/>
+          </a:xfrm>
+          <a:ln>
+            <a:solidFill>
+              <a:schemeClr val="tx1"/>
+            </a:solidFill>
+          </a:ln>
+        </p:spPr>
+      </p:pic>
       <p:sp>
         <p:nvSpPr>
           <p:cNvPr id="4" name="Footer Placeholder 3"/>
@@ -7508,10 +8709,151 @@
           </a:p>
         </p:txBody>
       </p:sp>
+      <p:pic>
+        <p:nvPicPr>
+          <p:cNvPr id="3" name="Picture 2"/>
+          <p:cNvPicPr>
+            <a:picLocks noChangeAspect="1"/>
+          </p:cNvPicPr>
+          <p:nvPr/>
+        </p:nvPicPr>
+        <p:blipFill>
+          <a:blip r:embed="rId3" cstate="print">
+            <a:extLst>
+              <a:ext uri="{28A0092B-C50C-407E-A947-70E740481C1C}">
+                <a14:useLocalDpi xmlns:a14="http://schemas.microsoft.com/office/drawing/2010/main" val="0"/>
+              </a:ext>
+            </a:extLst>
+          </a:blip>
+          <a:stretch>
+            <a:fillRect/>
+          </a:stretch>
+        </p:blipFill>
+        <p:spPr>
+          <a:xfrm>
+            <a:off x="1087070" y="3140968"/>
+            <a:ext cx="2763307" cy="2542032"/>
+          </a:xfrm>
+          <a:prstGeom prst="rect">
+            <a:avLst/>
+          </a:prstGeom>
+          <a:ln>
+            <a:solidFill>
+              <a:schemeClr val="tx1"/>
+            </a:solidFill>
+          </a:ln>
+        </p:spPr>
+      </p:pic>
+      <p:pic>
+        <p:nvPicPr>
+          <p:cNvPr id="7" name="Picture 6"/>
+          <p:cNvPicPr>
+            <a:picLocks noChangeAspect="1"/>
+          </p:cNvPicPr>
+          <p:nvPr/>
+        </p:nvPicPr>
+        <p:blipFill>
+          <a:blip r:embed="rId4" cstate="print">
+            <a:extLst>
+              <a:ext uri="{28A0092B-C50C-407E-A947-70E740481C1C}">
+                <a14:useLocalDpi xmlns:a14="http://schemas.microsoft.com/office/drawing/2010/main" val="0"/>
+              </a:ext>
+            </a:extLst>
+          </a:blip>
+          <a:stretch>
+            <a:fillRect/>
+          </a:stretch>
+        </p:blipFill>
+        <p:spPr>
+          <a:xfrm>
+            <a:off x="4908058" y="938314"/>
+            <a:ext cx="3744416" cy="2030331"/>
+          </a:xfrm>
+          <a:prstGeom prst="rect">
+            <a:avLst/>
+          </a:prstGeom>
+          <a:ln>
+            <a:solidFill>
+              <a:schemeClr val="tx1"/>
+            </a:solidFill>
+          </a:ln>
+        </p:spPr>
+      </p:pic>
+      <p:pic>
+        <p:nvPicPr>
+          <p:cNvPr id="9" name="Picture 8"/>
+          <p:cNvPicPr>
+            <a:picLocks noChangeAspect="1"/>
+          </p:cNvPicPr>
+          <p:nvPr/>
+        </p:nvPicPr>
+        <p:blipFill>
+          <a:blip r:embed="rId5" cstate="print">
+            <a:extLst>
+              <a:ext uri="{28A0092B-C50C-407E-A947-70E740481C1C}">
+                <a14:useLocalDpi xmlns:a14="http://schemas.microsoft.com/office/drawing/2010/main" val="0"/>
+              </a:ext>
+            </a:extLst>
+          </a:blip>
+          <a:stretch>
+            <a:fillRect/>
+          </a:stretch>
+        </p:blipFill>
+        <p:spPr>
+          <a:xfrm>
+            <a:off x="5398661" y="3140968"/>
+            <a:ext cx="2763210" cy="2492896"/>
+          </a:xfrm>
+          <a:prstGeom prst="rect">
+            <a:avLst/>
+          </a:prstGeom>
+          <a:ln>
+            <a:solidFill>
+              <a:schemeClr val="tx1"/>
+            </a:solidFill>
+          </a:ln>
+        </p:spPr>
+      </p:pic>
+      <p:sp>
+        <p:nvSpPr>
+          <p:cNvPr id="10" name="TextBox 9"/>
+          <p:cNvSpPr txBox="1"/>
+          <p:nvPr/>
+        </p:nvSpPr>
+        <p:spPr>
+          <a:xfrm>
+            <a:off x="317840" y="5831948"/>
+            <a:ext cx="9520555" cy="369332"/>
+          </a:xfrm>
+          <a:prstGeom prst="rect">
+            <a:avLst/>
+          </a:prstGeom>
+          <a:noFill/>
+        </p:spPr>
+        <p:txBody>
+          <a:bodyPr wrap="none" rtlCol="0">
+            <a:spAutoFit/>
+          </a:bodyPr>
+          <a:lstStyle/>
+          <a:p>
+            <a:r>
+              <a:rPr kumimoji="1" lang="fi-FI" dirty="0" smtClean="0">
+                <a:latin typeface="Arial" panose="020B0604020202020204" pitchFamily="34" charset="0"/>
+                <a:cs typeface="Arial" panose="020B0604020202020204" pitchFamily="34" charset="0"/>
+              </a:rPr>
+              <a:t>The database contains also metadata from each picture such as number of rows and words</a:t>
+            </a:r>
+            <a:endParaRPr kumimoji="1" lang="fi-FI" dirty="0">
+              <a:latin typeface="Arial" panose="020B0604020202020204" pitchFamily="34" charset="0"/>
+              <a:cs typeface="Arial" panose="020B0604020202020204" pitchFamily="34" charset="0"/>
+            </a:endParaRPr>
+          </a:p>
+        </p:txBody>
+      </p:sp>
     </p:spTree>
     <p:extLst>
       <p:ext uri="{BB962C8B-B14F-4D97-AF65-F5344CB8AC3E}">
-        <p14:creationId xmlns:p14="http://schemas.microsoft.com/office/powerpoint/2010/main" val="747161911"/>
+        <p14:creationId xmlns:p14="http://schemas.microsoft.com/office/powerpoint/2010/main" val="2882616526"/>
       </p:ext>
     </p:extLst>
   </p:cSld>
@@ -7561,12 +8903,8 @@
           <a:lstStyle/>
           <a:p>
             <a:r>
-              <a:rPr lang="fi-FI" dirty="0"/>
-              <a:t>Questions and Answers </a:t>
-            </a:r>
-            <a:r>
               <a:rPr lang="fi-FI" dirty="0" smtClean="0"/>
-              <a:t>5</a:t>
+              <a:t>Test procedure</a:t>
             </a:r>
             <a:endParaRPr lang="fi-FI" dirty="0"/>
           </a:p>
@@ -7574,12 +8912,12 @@
       </p:sp>
       <p:sp>
         <p:nvSpPr>
-          <p:cNvPr id="3" name="Content Placeholder 2"/>
+          <p:cNvPr id="4" name="Footer Placeholder 3"/>
           <p:cNvSpPr>
             <a:spLocks noGrp="1"/>
           </p:cNvSpPr>
           <p:nvPr>
-            <p:ph idx="1"/>
+            <p:ph type="ftr" sz="quarter" idx="10"/>
           </p:nvPr>
         </p:nvSpPr>
         <p:spPr/>
@@ -7588,140 +8926,10 @@
           <a:lstStyle/>
           <a:p>
             <a:r>
-              <a:rPr lang="en-US" sz="2400" dirty="0"/>
-              <a:t>Abe: In this case, you are considering about the color of the pen. Do you think there will be some other problems if the color of the paper is changed</a:t>
-            </a:r>
-            <a:r>
-              <a:rPr lang="en-US" sz="2400" dirty="0" smtClean="0"/>
-              <a:t>?</a:t>
-            </a:r>
-          </a:p>
-          <a:p>
-            <a:pPr lvl="1"/>
-            <a:r>
-              <a:rPr lang="en-US" sz="1800" dirty="0" smtClean="0"/>
-              <a:t>The color of the paper can affect the results. Although I didn’t test it at this point I think that the </a:t>
-            </a:r>
-            <a:r>
-              <a:rPr lang="en-US" sz="1800" dirty="0" err="1" smtClean="0"/>
-              <a:t>Sauvola</a:t>
-            </a:r>
-            <a:r>
-              <a:rPr lang="en-US" sz="1800" dirty="0" smtClean="0"/>
-              <a:t>-algorithm can handle the different colors well.</a:t>
-            </a:r>
-            <a:endParaRPr lang="en-US" sz="1800" dirty="0"/>
-          </a:p>
-          <a:p>
-            <a:r>
-              <a:rPr lang="en-US" sz="2400" dirty="0" err="1"/>
-              <a:t>Kawamata</a:t>
-            </a:r>
-            <a:r>
-              <a:rPr lang="en-US" sz="2400" dirty="0"/>
-              <a:t> : What is </a:t>
-            </a:r>
-            <a:r>
-              <a:rPr lang="en-US" sz="2400" dirty="0" err="1" smtClean="0"/>
-              <a:t>Sauvola-argorithm</a:t>
-            </a:r>
-            <a:r>
-              <a:rPr lang="en-US" sz="2400" dirty="0"/>
-              <a:t>? </a:t>
-            </a:r>
-            <a:r>
-              <a:rPr lang="en-US" sz="2400" dirty="0" smtClean="0"/>
-              <a:t>p.11</a:t>
-            </a:r>
-          </a:p>
-          <a:p>
-            <a:pPr lvl="1"/>
-            <a:r>
-              <a:rPr lang="en-US" sz="1800" dirty="0" err="1" smtClean="0"/>
-              <a:t>Sauvola</a:t>
-            </a:r>
-            <a:r>
-              <a:rPr lang="en-US" sz="1800" dirty="0" smtClean="0"/>
-              <a:t> algorithm is </a:t>
-            </a:r>
-            <a:r>
-              <a:rPr lang="en-US" sz="1800" dirty="0" err="1" smtClean="0"/>
-              <a:t>binarization</a:t>
-            </a:r>
-            <a:r>
-              <a:rPr lang="en-US" sz="1800" dirty="0" smtClean="0"/>
-              <a:t> algorithm which calculates the new threshold for given pixel. The algorithm needs two parameters window size and parameter k called “sensitivity”. The algorithm can adapt to different intensities caused by effects such as shadows or gloss.</a:t>
-            </a:r>
-            <a:endParaRPr lang="en-US" sz="2000" dirty="0"/>
-          </a:p>
-          <a:p>
-            <a:r>
-              <a:rPr lang="en-US" sz="2400" dirty="0" err="1"/>
-              <a:t>Kawamata</a:t>
-            </a:r>
-            <a:r>
-              <a:rPr lang="en-US" sz="2400" dirty="0"/>
-              <a:t> : Who is </a:t>
-            </a:r>
-            <a:r>
-              <a:rPr lang="en-US" sz="2400" dirty="0" err="1" smtClean="0"/>
-              <a:t>Sauvola</a:t>
-            </a:r>
-            <a:r>
-              <a:rPr lang="en-US" sz="2400" dirty="0" smtClean="0"/>
-              <a:t>? </a:t>
-            </a:r>
-            <a:r>
-              <a:rPr lang="en-US" sz="2400" dirty="0"/>
-              <a:t>p.11 </a:t>
-            </a:r>
-            <a:endParaRPr lang="en-US" sz="2400" dirty="0" smtClean="0"/>
-          </a:p>
-          <a:p>
-            <a:pPr lvl="1"/>
-            <a:r>
-              <a:rPr lang="en-US" sz="1800" dirty="0" err="1" smtClean="0"/>
-              <a:t>Sauvola</a:t>
-            </a:r>
-            <a:r>
-              <a:rPr lang="en-US" sz="1800" dirty="0" smtClean="0"/>
-              <a:t> is image processing researcher from Oulu University </a:t>
-            </a:r>
-            <a:r>
-              <a:rPr lang="en-US" sz="1800" dirty="0"/>
-              <a:t>F</a:t>
-            </a:r>
-            <a:r>
-              <a:rPr lang="en-US" sz="1800" dirty="0" smtClean="0"/>
-              <a:t>inland. The algorithm was developed in year 2000.</a:t>
-            </a:r>
-            <a:endParaRPr lang="en-US" sz="1800" dirty="0"/>
-          </a:p>
-          <a:p>
-            <a:endParaRPr lang="fi-FI" dirty="0"/>
-          </a:p>
-        </p:txBody>
-      </p:sp>
-      <p:sp>
-        <p:nvSpPr>
-          <p:cNvPr id="4" name="Footer Placeholder 3"/>
-          <p:cNvSpPr>
-            <a:spLocks noGrp="1"/>
-          </p:cNvSpPr>
-          <p:nvPr>
-            <p:ph type="ftr" sz="quarter" idx="10"/>
-          </p:nvPr>
-        </p:nvSpPr>
-        <p:spPr/>
-        <p:txBody>
-          <a:bodyPr/>
-          <a:lstStyle/>
-          <a:p>
-            <a:r>
-              <a:rPr lang="ja-JP" altLang="en-US" dirty="0" smtClean="0"/>
+              <a:rPr lang="ja-JP" altLang="en-US" smtClean="0"/>
               <a:t>研究室ゼミ</a:t>
             </a:r>
-            <a:endParaRPr lang="en-US" altLang="ja-JP" dirty="0"/>
+            <a:endParaRPr lang="en-US" altLang="ja-JP"/>
           </a:p>
         </p:txBody>
       </p:sp>
@@ -7749,23 +8957,486 @@
           </a:p>
         </p:txBody>
       </p:sp>
+      <p:sp>
+        <p:nvSpPr>
+          <p:cNvPr id="6" name="TextBox 5"/>
+          <p:cNvSpPr txBox="1"/>
+          <p:nvPr/>
+        </p:nvSpPr>
+        <p:spPr>
+          <a:xfrm>
+            <a:off x="3637353" y="890787"/>
+            <a:ext cx="2541850" cy="830997"/>
+          </a:xfrm>
+          <a:prstGeom prst="rect">
+            <a:avLst/>
+          </a:prstGeom>
+          <a:noFill/>
+          <a:ln w="28575">
+            <a:solidFill>
+              <a:schemeClr val="tx1"/>
+            </a:solidFill>
+          </a:ln>
+        </p:spPr>
+        <p:txBody>
+          <a:bodyPr wrap="square" rtlCol="0">
+            <a:spAutoFit/>
+          </a:bodyPr>
+          <a:lstStyle/>
+          <a:p>
+            <a:pPr algn="ctr"/>
+            <a:r>
+              <a:rPr lang="fi-FI" sz="1600" dirty="0" smtClean="0">
+                <a:latin typeface="+mj-lt"/>
+              </a:rPr>
+              <a:t>25 different handwriting samples and their metadata</a:t>
+            </a:r>
+            <a:endParaRPr kumimoji="1" lang="fi-FI" sz="1600" dirty="0">
+              <a:latin typeface="+mj-lt"/>
+            </a:endParaRPr>
+          </a:p>
+        </p:txBody>
+      </p:sp>
+      <p:cxnSp>
+        <p:nvCxnSpPr>
+          <p:cNvPr id="7" name="AutoShape 70"/>
+          <p:cNvCxnSpPr>
+            <a:cxnSpLocks noChangeShapeType="1"/>
+            <a:stCxn id="6" idx="2"/>
+            <a:endCxn id="8" idx="0"/>
+          </p:cNvCxnSpPr>
+          <p:nvPr/>
+        </p:nvCxnSpPr>
+        <p:spPr bwMode="auto">
+          <a:xfrm>
+            <a:off x="4908278" y="1721784"/>
+            <a:ext cx="0" cy="215901"/>
+          </a:xfrm>
+          <a:prstGeom prst="straightConnector1">
+            <a:avLst/>
+          </a:prstGeom>
+          <a:noFill/>
+          <a:ln w="25400">
+            <a:solidFill>
+              <a:schemeClr val="tx1"/>
+            </a:solidFill>
+            <a:miter lim="800000"/>
+            <a:headEnd/>
+            <a:tailEnd type="arrow" w="lg" len="lg"/>
+          </a:ln>
+          <a:effectLst/>
+          <a:extLst>
+            <a:ext uri="{909E8E84-426E-40DD-AFC4-6F175D3DCCD1}">
+              <a14:hiddenFill xmlns:a14="http://schemas.microsoft.com/office/drawing/2010/main">
+                <a:noFill/>
+              </a14:hiddenFill>
+            </a:ext>
+            <a:ext uri="{AF507438-7753-43E0-B8FC-AC1667EBCBE1}">
+              <a14:hiddenEffects xmlns:a14="http://schemas.microsoft.com/office/drawing/2010/main">
+                <a:effectLst>
+                  <a:outerShdw dist="35921" dir="2700000" algn="ctr" rotWithShape="0">
+                    <a:schemeClr val="bg2"/>
+                  </a:outerShdw>
+                </a:effectLst>
+              </a14:hiddenEffects>
+            </a:ext>
+          </a:extLst>
+        </p:spPr>
+      </p:cxnSp>
+      <p:sp>
+        <p:nvSpPr>
+          <p:cNvPr id="8" name="TextBox 7"/>
+          <p:cNvSpPr txBox="1"/>
+          <p:nvPr/>
+        </p:nvSpPr>
+        <p:spPr>
+          <a:xfrm>
+            <a:off x="3757988" y="1937685"/>
+            <a:ext cx="2300579" cy="584775"/>
+          </a:xfrm>
+          <a:prstGeom prst="rect">
+            <a:avLst/>
+          </a:prstGeom>
+          <a:noFill/>
+          <a:ln w="28575">
+            <a:solidFill>
+              <a:schemeClr val="tx1"/>
+            </a:solidFill>
+          </a:ln>
+        </p:spPr>
+        <p:txBody>
+          <a:bodyPr wrap="square" rtlCol="0">
+            <a:spAutoFit/>
+          </a:bodyPr>
+          <a:lstStyle/>
+          <a:p>
+            <a:pPr algn="ctr"/>
+            <a:r>
+              <a:rPr lang="fi-FI" sz="1600" dirty="0" smtClean="0">
+                <a:latin typeface="+mj-lt"/>
+              </a:rPr>
+              <a:t>Iterate through a list of tested values</a:t>
+            </a:r>
+            <a:endParaRPr kumimoji="1" lang="fi-FI" sz="1600" dirty="0">
+              <a:latin typeface="+mj-lt"/>
+            </a:endParaRPr>
+          </a:p>
+        </p:txBody>
+      </p:sp>
+      <p:sp>
+        <p:nvSpPr>
+          <p:cNvPr id="9" name="TextBox 8"/>
+          <p:cNvSpPr txBox="1"/>
+          <p:nvPr/>
+        </p:nvSpPr>
+        <p:spPr>
+          <a:xfrm>
+            <a:off x="3451306" y="2722798"/>
+            <a:ext cx="2913943" cy="830997"/>
+          </a:xfrm>
+          <a:prstGeom prst="rect">
+            <a:avLst/>
+          </a:prstGeom>
+          <a:noFill/>
+          <a:ln w="28575">
+            <a:solidFill>
+              <a:schemeClr val="tx1"/>
+            </a:solidFill>
+          </a:ln>
+        </p:spPr>
+        <p:txBody>
+          <a:bodyPr wrap="square" rtlCol="0">
+            <a:spAutoFit/>
+          </a:bodyPr>
+          <a:lstStyle/>
+          <a:p>
+            <a:pPr algn="ctr"/>
+            <a:r>
+              <a:rPr lang="fi-FI" sz="1600" dirty="0" smtClean="0">
+                <a:latin typeface="+mj-lt"/>
+              </a:rPr>
+              <a:t>With each iteration run the preprocessing and layout analysis for each image</a:t>
+            </a:r>
+            <a:endParaRPr kumimoji="1" lang="fi-FI" sz="1600" dirty="0">
+              <a:latin typeface="+mj-lt"/>
+            </a:endParaRPr>
+          </a:p>
+        </p:txBody>
+      </p:sp>
+      <p:cxnSp>
+        <p:nvCxnSpPr>
+          <p:cNvPr id="10" name="AutoShape 70"/>
+          <p:cNvCxnSpPr>
+            <a:cxnSpLocks noChangeShapeType="1"/>
+            <a:stCxn id="8" idx="2"/>
+            <a:endCxn id="9" idx="0"/>
+          </p:cNvCxnSpPr>
+          <p:nvPr/>
+        </p:nvCxnSpPr>
+        <p:spPr bwMode="auto">
+          <a:xfrm>
+            <a:off x="4908278" y="2522460"/>
+            <a:ext cx="0" cy="200338"/>
+          </a:xfrm>
+          <a:prstGeom prst="straightConnector1">
+            <a:avLst/>
+          </a:prstGeom>
+          <a:noFill/>
+          <a:ln w="25400">
+            <a:solidFill>
+              <a:schemeClr val="tx1"/>
+            </a:solidFill>
+            <a:miter lim="800000"/>
+            <a:headEnd/>
+            <a:tailEnd type="arrow" w="lg" len="lg"/>
+          </a:ln>
+          <a:effectLst/>
+          <a:extLst>
+            <a:ext uri="{909E8E84-426E-40DD-AFC4-6F175D3DCCD1}">
+              <a14:hiddenFill xmlns:a14="http://schemas.microsoft.com/office/drawing/2010/main">
+                <a:noFill/>
+              </a14:hiddenFill>
+            </a:ext>
+            <a:ext uri="{AF507438-7753-43E0-B8FC-AC1667EBCBE1}">
+              <a14:hiddenEffects xmlns:a14="http://schemas.microsoft.com/office/drawing/2010/main">
+                <a:effectLst>
+                  <a:outerShdw dist="35921" dir="2700000" algn="ctr" rotWithShape="0">
+                    <a:schemeClr val="bg2"/>
+                  </a:outerShdw>
+                </a:effectLst>
+              </a14:hiddenEffects>
+            </a:ext>
+          </a:extLst>
+        </p:spPr>
+      </p:cxnSp>
+      <p:sp>
+        <p:nvSpPr>
+          <p:cNvPr id="11" name="TextBox 10"/>
+          <p:cNvSpPr txBox="1"/>
+          <p:nvPr/>
+        </p:nvSpPr>
+        <p:spPr>
+          <a:xfrm>
+            <a:off x="3544327" y="3800017"/>
+            <a:ext cx="2727897" cy="584775"/>
+          </a:xfrm>
+          <a:prstGeom prst="rect">
+            <a:avLst/>
+          </a:prstGeom>
+          <a:noFill/>
+          <a:ln w="28575">
+            <a:solidFill>
+              <a:schemeClr val="tx1"/>
+            </a:solidFill>
+          </a:ln>
+        </p:spPr>
+        <p:txBody>
+          <a:bodyPr wrap="square" rtlCol="0">
+            <a:spAutoFit/>
+          </a:bodyPr>
+          <a:lstStyle/>
+          <a:p>
+            <a:pPr algn="ctr"/>
+            <a:r>
+              <a:rPr lang="fi-FI" sz="1600" dirty="0" smtClean="0">
+                <a:latin typeface="+mj-lt"/>
+              </a:rPr>
+              <a:t>Get the number of detected rows and words</a:t>
+            </a:r>
+            <a:endParaRPr kumimoji="1" lang="fi-FI" sz="1600" dirty="0">
+              <a:latin typeface="+mj-lt"/>
+            </a:endParaRPr>
+          </a:p>
+        </p:txBody>
+      </p:sp>
+      <p:cxnSp>
+        <p:nvCxnSpPr>
+          <p:cNvPr id="12" name="AutoShape 70"/>
+          <p:cNvCxnSpPr>
+            <a:cxnSpLocks noChangeShapeType="1"/>
+            <a:stCxn id="9" idx="2"/>
+            <a:endCxn id="11" idx="0"/>
+          </p:cNvCxnSpPr>
+          <p:nvPr/>
+        </p:nvCxnSpPr>
+        <p:spPr bwMode="auto">
+          <a:xfrm flipH="1">
+            <a:off x="4908276" y="3553795"/>
+            <a:ext cx="2" cy="246222"/>
+          </a:xfrm>
+          <a:prstGeom prst="straightConnector1">
+            <a:avLst/>
+          </a:prstGeom>
+          <a:noFill/>
+          <a:ln w="25400">
+            <a:solidFill>
+              <a:schemeClr val="tx1"/>
+            </a:solidFill>
+            <a:miter lim="800000"/>
+            <a:headEnd/>
+            <a:tailEnd type="arrow" w="lg" len="lg"/>
+          </a:ln>
+          <a:effectLst/>
+          <a:extLst>
+            <a:ext uri="{909E8E84-426E-40DD-AFC4-6F175D3DCCD1}">
+              <a14:hiddenFill xmlns:a14="http://schemas.microsoft.com/office/drawing/2010/main">
+                <a:noFill/>
+              </a14:hiddenFill>
+            </a:ext>
+            <a:ext uri="{AF507438-7753-43E0-B8FC-AC1667EBCBE1}">
+              <a14:hiddenEffects xmlns:a14="http://schemas.microsoft.com/office/drawing/2010/main">
+                <a:effectLst>
+                  <a:outerShdw dist="35921" dir="2700000" algn="ctr" rotWithShape="0">
+                    <a:schemeClr val="bg2"/>
+                  </a:outerShdw>
+                </a:effectLst>
+              </a14:hiddenEffects>
+            </a:ext>
+          </a:extLst>
+        </p:spPr>
+      </p:cxnSp>
+      <p:sp>
+        <p:nvSpPr>
+          <p:cNvPr id="13" name="TextBox 12"/>
+          <p:cNvSpPr txBox="1"/>
+          <p:nvPr/>
+        </p:nvSpPr>
+        <p:spPr>
+          <a:xfrm>
+            <a:off x="3631533" y="4650994"/>
+            <a:ext cx="2541850" cy="830997"/>
+          </a:xfrm>
+          <a:prstGeom prst="rect">
+            <a:avLst/>
+          </a:prstGeom>
+          <a:noFill/>
+          <a:ln w="28575">
+            <a:solidFill>
+              <a:schemeClr val="tx1"/>
+            </a:solidFill>
+          </a:ln>
+        </p:spPr>
+        <p:txBody>
+          <a:bodyPr wrap="square" rtlCol="0">
+            <a:spAutoFit/>
+          </a:bodyPr>
+          <a:lstStyle/>
+          <a:p>
+            <a:pPr algn="ctr"/>
+            <a:r>
+              <a:rPr lang="fi-FI" sz="1600" dirty="0" smtClean="0">
+                <a:latin typeface="+mj-lt"/>
+              </a:rPr>
+              <a:t>Compare detected rows and words to the actual values</a:t>
+            </a:r>
+            <a:endParaRPr kumimoji="1" lang="fi-FI" sz="1600" dirty="0">
+              <a:latin typeface="+mj-lt"/>
+            </a:endParaRPr>
+          </a:p>
+        </p:txBody>
+      </p:sp>
+      <p:cxnSp>
+        <p:nvCxnSpPr>
+          <p:cNvPr id="14" name="AutoShape 70"/>
+          <p:cNvCxnSpPr>
+            <a:cxnSpLocks noChangeShapeType="1"/>
+            <a:stCxn id="11" idx="2"/>
+            <a:endCxn id="13" idx="0"/>
+          </p:cNvCxnSpPr>
+          <p:nvPr/>
+        </p:nvCxnSpPr>
+        <p:spPr bwMode="auto">
+          <a:xfrm flipH="1">
+            <a:off x="4902458" y="4384792"/>
+            <a:ext cx="5818" cy="266202"/>
+          </a:xfrm>
+          <a:prstGeom prst="straightConnector1">
+            <a:avLst/>
+          </a:prstGeom>
+          <a:noFill/>
+          <a:ln w="25400">
+            <a:solidFill>
+              <a:schemeClr val="tx1"/>
+            </a:solidFill>
+            <a:miter lim="800000"/>
+            <a:headEnd/>
+            <a:tailEnd type="arrow" w="lg" len="lg"/>
+          </a:ln>
+          <a:effectLst/>
+          <a:extLst>
+            <a:ext uri="{909E8E84-426E-40DD-AFC4-6F175D3DCCD1}">
+              <a14:hiddenFill xmlns:a14="http://schemas.microsoft.com/office/drawing/2010/main">
+                <a:noFill/>
+              </a14:hiddenFill>
+            </a:ext>
+            <a:ext uri="{AF507438-7753-43E0-B8FC-AC1667EBCBE1}">
+              <a14:hiddenEffects xmlns:a14="http://schemas.microsoft.com/office/drawing/2010/main">
+                <a:effectLst>
+                  <a:outerShdw dist="35921" dir="2700000" algn="ctr" rotWithShape="0">
+                    <a:schemeClr val="bg2"/>
+                  </a:outerShdw>
+                </a:effectLst>
+              </a14:hiddenEffects>
+            </a:ext>
+          </a:extLst>
+        </p:spPr>
+      </p:cxnSp>
+      <p:cxnSp>
+        <p:nvCxnSpPr>
+          <p:cNvPr id="28" name="AutoShape 70"/>
+          <p:cNvCxnSpPr>
+            <a:cxnSpLocks noChangeShapeType="1"/>
+            <a:stCxn id="13" idx="2"/>
+            <a:endCxn id="29" idx="0"/>
+          </p:cNvCxnSpPr>
+          <p:nvPr/>
+        </p:nvCxnSpPr>
+        <p:spPr bwMode="auto">
+          <a:xfrm>
+            <a:off x="4902458" y="5481991"/>
+            <a:ext cx="0" cy="266202"/>
+          </a:xfrm>
+          <a:prstGeom prst="straightConnector1">
+            <a:avLst/>
+          </a:prstGeom>
+          <a:noFill/>
+          <a:ln w="25400">
+            <a:solidFill>
+              <a:schemeClr val="tx1"/>
+            </a:solidFill>
+            <a:miter lim="800000"/>
+            <a:headEnd/>
+            <a:tailEnd type="arrow" w="lg" len="lg"/>
+          </a:ln>
+          <a:effectLst/>
+          <a:extLst>
+            <a:ext uri="{909E8E84-426E-40DD-AFC4-6F175D3DCCD1}">
+              <a14:hiddenFill xmlns:a14="http://schemas.microsoft.com/office/drawing/2010/main">
+                <a:noFill/>
+              </a14:hiddenFill>
+            </a:ext>
+            <a:ext uri="{AF507438-7753-43E0-B8FC-AC1667EBCBE1}">
+              <a14:hiddenEffects xmlns:a14="http://schemas.microsoft.com/office/drawing/2010/main">
+                <a:effectLst>
+                  <a:outerShdw dist="35921" dir="2700000" algn="ctr" rotWithShape="0">
+                    <a:schemeClr val="bg2"/>
+                  </a:outerShdw>
+                </a:effectLst>
+              </a14:hiddenEffects>
+            </a:ext>
+          </a:extLst>
+        </p:spPr>
+      </p:cxnSp>
+      <p:sp>
+        <p:nvSpPr>
+          <p:cNvPr id="29" name="TextBox 28"/>
+          <p:cNvSpPr txBox="1"/>
+          <p:nvPr/>
+        </p:nvSpPr>
+        <p:spPr>
+          <a:xfrm>
+            <a:off x="4025700" y="5748193"/>
+            <a:ext cx="1753515" cy="338554"/>
+          </a:xfrm>
+          <a:prstGeom prst="rect">
+            <a:avLst/>
+          </a:prstGeom>
+          <a:noFill/>
+          <a:ln w="28575">
+            <a:solidFill>
+              <a:schemeClr val="tx1"/>
+            </a:solidFill>
+          </a:ln>
+        </p:spPr>
+        <p:txBody>
+          <a:bodyPr wrap="square" rtlCol="0">
+            <a:spAutoFit/>
+          </a:bodyPr>
+          <a:lstStyle/>
+          <a:p>
+            <a:pPr algn="ctr"/>
+            <a:r>
+              <a:rPr lang="fi-FI" sz="1600" dirty="0" smtClean="0">
+                <a:latin typeface="+mj-lt"/>
+              </a:rPr>
+              <a:t>Visualize results</a:t>
+            </a:r>
+            <a:endParaRPr kumimoji="1" lang="fi-FI" sz="1600" dirty="0">
+              <a:latin typeface="+mj-lt"/>
+            </a:endParaRPr>
+          </a:p>
+        </p:txBody>
+      </p:sp>
     </p:spTree>
     <p:extLst>
       <p:ext uri="{BB962C8B-B14F-4D97-AF65-F5344CB8AC3E}">
-        <p14:creationId xmlns:p14="http://schemas.microsoft.com/office/powerpoint/2010/main" val="4242228054"/>
+        <p14:creationId xmlns:p14="http://schemas.microsoft.com/office/powerpoint/2010/main" val="2611644756"/>
       </p:ext>
     </p:extLst>
   </p:cSld>
   <p:clrMapOvr>
     <a:masterClrMapping/>
   </p:clrMapOvr>
-  <p:timing>
-    <p:tnLst>
-      <p:par>
-        <p:cTn id="1" dur="indefinite" restart="never" nodeType="tmRoot"/>
-      </p:par>
-    </p:tnLst>
-  </p:timing>
 </p:sld>
 </file>
 
@@ -7802,161 +9473,13 @@
           <a:lstStyle/>
           <a:p>
             <a:r>
-              <a:rPr lang="fi-FI" dirty="0"/>
-              <a:t>Questions and Answers </a:t>
-            </a:r>
-            <a:r>
               <a:rPr lang="fi-FI" dirty="0" smtClean="0"/>
-              <a:t>6</a:t>
+              <a:t>Test results</a:t>
             </a:r>
             <a:endParaRPr lang="fi-FI" dirty="0"/>
           </a:p>
         </p:txBody>
       </p:sp>
-      <mc:AlternateContent xmlns:mc="http://schemas.openxmlformats.org/markup-compatibility/2006" xmlns:a14="http://schemas.microsoft.com/office/drawing/2010/main">
-        <mc:Choice Requires="a14">
-          <p:sp>
-            <p:nvSpPr>
-              <p:cNvPr id="3" name="Content Placeholder 2"/>
-              <p:cNvSpPr>
-                <a:spLocks noGrp="1"/>
-              </p:cNvSpPr>
-              <p:nvPr>
-                <p:ph idx="1"/>
-              </p:nvPr>
-            </p:nvSpPr>
-            <p:spPr/>
-            <p:txBody>
-              <a:bodyPr/>
-              <a:lstStyle/>
-              <a:p>
-                <a:r>
-                  <a:rPr lang="en-US" sz="2400" dirty="0" smtClean="0"/>
-                  <a:t>Kawamata</a:t>
-                </a:r>
-                <a:r>
-                  <a:rPr lang="en-US" sz="2400" dirty="0"/>
-                  <a:t> : What is </a:t>
-                </a:r>
-                <a:r>
-                  <a:rPr lang="en-US" sz="2400" dirty="0" smtClean="0"/>
-                  <a:t>Euler </a:t>
-                </a:r>
-                <a:r>
-                  <a:rPr lang="en-US" sz="2400" dirty="0"/>
-                  <a:t>number? </a:t>
-                </a:r>
-                <a:r>
-                  <a:rPr lang="en-US" sz="2400" dirty="0" smtClean="0"/>
-                  <a:t>Euler </a:t>
-                </a:r>
-                <a:r>
-                  <a:rPr lang="en-US" sz="2400" dirty="0"/>
-                  <a:t>number is very famous number, why did you use it? </a:t>
-                </a:r>
-                <a:r>
-                  <a:rPr lang="en-US" sz="2400" dirty="0" smtClean="0"/>
-                  <a:t>p.20</a:t>
-                </a:r>
-              </a:p>
-              <a:p>
-                <a:pPr lvl="1"/>
-                <a:r>
-                  <a:rPr lang="en-US" sz="1800" dirty="0" smtClean="0"/>
-                  <a:t>In this case the Euler number means value which is calculated by subtracting the amount of holes from the amount of objects in given area. For example 1 object with 2 holes results in Euler number -1. (The name is confusing and shouldn’t be confused with e.g. Napier’s constant </a:t>
-                </a:r>
-                <a14:m>
-                  <m:oMath xmlns:m="http://schemas.openxmlformats.org/officeDocument/2006/math">
-                    <m:r>
-                      <a:rPr lang="fi-FI" sz="1800" b="0" i="1" dirty="0" smtClean="0">
-                        <a:latin typeface="Cambria Math" panose="02040503050406030204" pitchFamily="18" charset="0"/>
-                      </a:rPr>
-                      <m:t>𝑒</m:t>
-                    </m:r>
-                    <m:r>
-                      <a:rPr lang="fi-FI" sz="1800" i="1" dirty="0" smtClean="0">
-                        <a:latin typeface="Cambria Math" panose="02040503050406030204" pitchFamily="18" charset="0"/>
-                      </a:rPr>
-                      <m:t>≈ 2.71828</m:t>
-                    </m:r>
-                  </m:oMath>
-                </a14:m>
-                <a:r>
-                  <a:rPr lang="en-US" sz="1800" dirty="0" smtClean="0"/>
-                  <a:t>)</a:t>
-                </a:r>
-                <a:endParaRPr lang="en-US" sz="1800" dirty="0"/>
-              </a:p>
-              <a:p>
-                <a:r>
-                  <a:rPr lang="en-US" sz="2400" dirty="0" err="1"/>
-                  <a:t>Kawamata</a:t>
-                </a:r>
-                <a:r>
-                  <a:rPr lang="en-US" sz="2400" dirty="0"/>
-                  <a:t> : The presentation was good. In next time, </a:t>
-                </a:r>
-                <a:r>
-                  <a:rPr lang="en-US" sz="2400" dirty="0" smtClean="0"/>
-                  <a:t>please </a:t>
-                </a:r>
-                <a:r>
-                  <a:rPr lang="en-US" sz="2400" dirty="0"/>
-                  <a:t>remain your presentation familiar such this time, and make it more mathematically. For example using SNR and calculate the mathematical performance</a:t>
-                </a:r>
-                <a:r>
-                  <a:rPr lang="en-US" sz="2400" dirty="0" smtClean="0"/>
-                  <a:t>.</a:t>
-                </a:r>
-              </a:p>
-              <a:p>
-                <a:pPr lvl="1"/>
-                <a:r>
-                  <a:rPr lang="en-US" sz="1800" dirty="0" smtClean="0"/>
-                  <a:t>These suggestions are considered for the next stages of the research. At this point there wasn’t much of mathematical data to be analyzed during evaluation. The review was done visually. More mathematical data analysis will be done after more tests. The SNR is useful for comparing the results with varying amounts of noise.</a:t>
-                </a:r>
-                <a:endParaRPr lang="fi-FI" sz="1800" dirty="0"/>
-              </a:p>
-              <a:p>
-                <a:endParaRPr lang="fi-FI" dirty="0"/>
-              </a:p>
-            </p:txBody>
-          </p:sp>
-        </mc:Choice>
-        <mc:Fallback xmlns="">
-          <p:sp>
-            <p:nvSpPr>
-              <p:cNvPr id="3" name="Content Placeholder 2"/>
-              <p:cNvSpPr>
-                <a:spLocks noGrp="1" noRot="1" noChangeAspect="1" noMove="1" noResize="1" noEditPoints="1" noAdjustHandles="1" noChangeArrowheads="1" noChangeShapeType="1" noTextEdit="1"/>
-              </p:cNvSpPr>
-              <p:nvPr>
-                <p:ph idx="1"/>
-              </p:nvPr>
-            </p:nvSpPr>
-            <p:spPr>
-              <a:blipFill rotWithShape="0">
-                <a:blip r:embed="rId2"/>
-                <a:stretch>
-                  <a:fillRect t="-790" r="-1162"/>
-                </a:stretch>
-              </a:blipFill>
-            </p:spPr>
-            <p:txBody>
-              <a:bodyPr/>
-              <a:lstStyle/>
-              <a:p>
-                <a:r>
-                  <a:rPr lang="fi-FI">
-                    <a:noFill/>
-                  </a:rPr>
-                  <a:t> </a:t>
-                </a:r>
-              </a:p>
-            </p:txBody>
-          </p:sp>
-        </mc:Fallback>
-      </mc:AlternateContent>
       <p:sp>
         <p:nvSpPr>
           <p:cNvPr id="4" name="Footer Placeholder 3"/>
@@ -7973,10 +9496,10 @@
           <a:lstStyle/>
           <a:p>
             <a:r>
-              <a:rPr lang="ja-JP" altLang="en-US" smtClean="0"/>
+              <a:rPr lang="ja-JP" altLang="en-US" dirty="0" smtClean="0"/>
               <a:t>研究室ゼミ</a:t>
             </a:r>
-            <a:endParaRPr lang="en-US" altLang="ja-JP"/>
+            <a:endParaRPr lang="en-US" altLang="ja-JP" dirty="0"/>
           </a:p>
         </p:txBody>
       </p:sp>
@@ -8004,10 +9527,33 @@
           </a:p>
         </p:txBody>
       </p:sp>
+      <p:sp>
+        <p:nvSpPr>
+          <p:cNvPr id="6" name="Content Placeholder 5"/>
+          <p:cNvSpPr>
+            <a:spLocks noGrp="1"/>
+          </p:cNvSpPr>
+          <p:nvPr>
+            <p:ph idx="1"/>
+          </p:nvPr>
+        </p:nvSpPr>
+        <p:spPr/>
+        <p:txBody>
+          <a:bodyPr/>
+          <a:lstStyle/>
+          <a:p>
+            <a:r>
+              <a:rPr lang="fi-FI" smtClean="0"/>
+              <a:t>(aja testit yhdelle kuvalle kerrallaan katotaan sitte uudestaan)</a:t>
+            </a:r>
+            <a:endParaRPr lang="fi-FI"/>
+          </a:p>
+        </p:txBody>
+      </p:sp>
     </p:spTree>
     <p:extLst>
       <p:ext uri="{BB962C8B-B14F-4D97-AF65-F5344CB8AC3E}">
-        <p14:creationId xmlns:p14="http://schemas.microsoft.com/office/powerpoint/2010/main" val="3533323210"/>
+        <p14:creationId xmlns:p14="http://schemas.microsoft.com/office/powerpoint/2010/main" val="3761696870"/>
       </p:ext>
     </p:extLst>
   </p:cSld>
@@ -8021,6 +9567,1472 @@
       </p:par>
     </p:tnLst>
   </p:timing>
+</p:sld>
+</file>
+
+<file path=ppt/slides/slide18.xml><?xml version="1.0" encoding="utf-8"?>
+<p:sld xmlns:a="http://schemas.openxmlformats.org/drawingml/2006/main" xmlns:r="http://schemas.openxmlformats.org/officeDocument/2006/relationships" xmlns:p="http://schemas.openxmlformats.org/presentationml/2006/main">
+  <p:cSld>
+    <p:spTree>
+      <p:nvGrpSpPr>
+        <p:cNvPr id="1" name=""/>
+        <p:cNvGrpSpPr/>
+        <p:nvPr/>
+      </p:nvGrpSpPr>
+      <p:grpSpPr>
+        <a:xfrm>
+          <a:off x="0" y="0"/>
+          <a:ext cx="0" cy="0"/>
+          <a:chOff x="0" y="0"/>
+          <a:chExt cx="0" cy="0"/>
+        </a:xfrm>
+      </p:grpSpPr>
+      <p:sp>
+        <p:nvSpPr>
+          <p:cNvPr id="2" name="Title 1"/>
+          <p:cNvSpPr>
+            <a:spLocks noGrp="1"/>
+          </p:cNvSpPr>
+          <p:nvPr>
+            <p:ph type="title"/>
+          </p:nvPr>
+        </p:nvSpPr>
+        <p:spPr/>
+        <p:txBody>
+          <a:bodyPr/>
+          <a:lstStyle/>
+          <a:p>
+            <a:r>
+              <a:rPr lang="fi-FI" dirty="0" smtClean="0"/>
+              <a:t>Remaining problems</a:t>
+            </a:r>
+            <a:endParaRPr lang="fi-FI" dirty="0"/>
+          </a:p>
+        </p:txBody>
+      </p:sp>
+      <p:sp>
+        <p:nvSpPr>
+          <p:cNvPr id="3" name="Content Placeholder 2"/>
+          <p:cNvSpPr>
+            <a:spLocks noGrp="1"/>
+          </p:cNvSpPr>
+          <p:nvPr>
+            <p:ph idx="1"/>
+          </p:nvPr>
+        </p:nvSpPr>
+        <p:spPr/>
+        <p:txBody>
+          <a:bodyPr/>
+          <a:lstStyle/>
+          <a:p>
+            <a:r>
+              <a:rPr lang="fi-FI" dirty="0" smtClean="0"/>
+              <a:t>The row and word detection isn’t perfect</a:t>
+            </a:r>
+          </a:p>
+          <a:p>
+            <a:pPr lvl="1"/>
+            <a:r>
+              <a:rPr lang="fi-FI" dirty="0" smtClean="0"/>
+              <a:t>If two rows contain overlapping characters those rows are combined as one.</a:t>
+            </a:r>
+          </a:p>
+          <a:p>
+            <a:pPr lvl="1"/>
+            <a:r>
+              <a:rPr lang="fi-FI" dirty="0" smtClean="0"/>
+              <a:t>Words can be broken or two or more words are combined as one.</a:t>
+            </a:r>
+          </a:p>
+          <a:p>
+            <a:pPr lvl="1"/>
+            <a:endParaRPr lang="fi-FI" dirty="0"/>
+          </a:p>
+          <a:p>
+            <a:endParaRPr lang="fi-FI" dirty="0"/>
+          </a:p>
+        </p:txBody>
+      </p:sp>
+      <p:sp>
+        <p:nvSpPr>
+          <p:cNvPr id="4" name="Footer Placeholder 3"/>
+          <p:cNvSpPr>
+            <a:spLocks noGrp="1"/>
+          </p:cNvSpPr>
+          <p:nvPr>
+            <p:ph type="ftr" sz="quarter" idx="10"/>
+          </p:nvPr>
+        </p:nvSpPr>
+        <p:spPr/>
+        <p:txBody>
+          <a:bodyPr/>
+          <a:lstStyle/>
+          <a:p>
+            <a:r>
+              <a:rPr lang="ja-JP" altLang="en-US" smtClean="0"/>
+              <a:t>研究室ゼミ</a:t>
+            </a:r>
+            <a:endParaRPr lang="en-US" altLang="ja-JP"/>
+          </a:p>
+        </p:txBody>
+      </p:sp>
+      <p:sp>
+        <p:nvSpPr>
+          <p:cNvPr id="5" name="Slide Number Placeholder 4"/>
+          <p:cNvSpPr>
+            <a:spLocks noGrp="1"/>
+          </p:cNvSpPr>
+          <p:nvPr>
+            <p:ph type="sldNum" sz="quarter" idx="11"/>
+          </p:nvPr>
+        </p:nvSpPr>
+        <p:spPr/>
+        <p:txBody>
+          <a:bodyPr/>
+          <a:lstStyle/>
+          <a:p>
+            <a:fld id="{87D0AC98-BE4D-4AA9-9598-A155CF901337}" type="slidenum">
+              <a:rPr lang="en-US" altLang="ja-JP" smtClean="0"/>
+              <a:pPr/>
+              <a:t>17</a:t>
+            </a:fld>
+            <a:endParaRPr lang="en-US" altLang="ja-JP"/>
+          </a:p>
+        </p:txBody>
+      </p:sp>
+      <p:sp>
+        <p:nvSpPr>
+          <p:cNvPr id="15" name="TextBox 14"/>
+          <p:cNvSpPr txBox="1"/>
+          <p:nvPr/>
+        </p:nvSpPr>
+        <p:spPr>
+          <a:xfrm>
+            <a:off x="6671501" y="3439274"/>
+            <a:ext cx="2592979" cy="400110"/>
+          </a:xfrm>
+          <a:prstGeom prst="rect">
+            <a:avLst/>
+          </a:prstGeom>
+          <a:noFill/>
+        </p:spPr>
+        <p:txBody>
+          <a:bodyPr wrap="square" rtlCol="0">
+            <a:spAutoFit/>
+          </a:bodyPr>
+          <a:lstStyle/>
+          <a:p>
+            <a:r>
+              <a:rPr kumimoji="1" lang="fi-FI" sz="2000" dirty="0" smtClean="0">
+                <a:latin typeface="Arial" panose="020B0604020202020204" pitchFamily="34" charset="0"/>
+                <a:cs typeface="Arial" panose="020B0604020202020204" pitchFamily="34" charset="0"/>
+              </a:rPr>
+              <a:t>= Area of interest box</a:t>
+            </a:r>
+            <a:endParaRPr kumimoji="1" lang="fi-FI" sz="2000" dirty="0">
+              <a:latin typeface="Arial" panose="020B0604020202020204" pitchFamily="34" charset="0"/>
+              <a:cs typeface="Arial" panose="020B0604020202020204" pitchFamily="34" charset="0"/>
+            </a:endParaRPr>
+          </a:p>
+        </p:txBody>
+      </p:sp>
+      <p:sp>
+        <p:nvSpPr>
+          <p:cNvPr id="16" name="Rectangle 15"/>
+          <p:cNvSpPr/>
+          <p:nvPr/>
+        </p:nvSpPr>
+        <p:spPr>
+          <a:xfrm>
+            <a:off x="6060090" y="4113746"/>
+            <a:ext cx="432048" cy="432048"/>
+          </a:xfrm>
+          <a:prstGeom prst="rect">
+            <a:avLst/>
+          </a:prstGeom>
+          <a:noFill/>
+          <a:ln w="38100">
+            <a:solidFill>
+              <a:srgbClr val="00B0F0"/>
+            </a:solidFill>
+          </a:ln>
+        </p:spPr>
+        <p:style>
+          <a:lnRef idx="2">
+            <a:schemeClr val="accent1">
+              <a:shade val="50000"/>
+            </a:schemeClr>
+          </a:lnRef>
+          <a:fillRef idx="1">
+            <a:schemeClr val="accent1"/>
+          </a:fillRef>
+          <a:effectRef idx="0">
+            <a:schemeClr val="accent1"/>
+          </a:effectRef>
+          <a:fontRef idx="minor">
+            <a:schemeClr val="lt1"/>
+          </a:fontRef>
+        </p:style>
+        <p:txBody>
+          <a:bodyPr rtlCol="0" anchor="ctr"/>
+          <a:lstStyle/>
+          <a:p>
+            <a:pPr algn="ctr"/>
+            <a:endParaRPr kumimoji="1" lang="fi-FI" dirty="0" smtClean="0">
+              <a:solidFill>
+                <a:schemeClr val="tx1"/>
+              </a:solidFill>
+            </a:endParaRPr>
+          </a:p>
+        </p:txBody>
+      </p:sp>
+      <p:sp>
+        <p:nvSpPr>
+          <p:cNvPr id="17" name="TextBox 16"/>
+          <p:cNvSpPr txBox="1"/>
+          <p:nvPr/>
+        </p:nvSpPr>
+        <p:spPr>
+          <a:xfrm>
+            <a:off x="6691064" y="4114806"/>
+            <a:ext cx="1402948" cy="400110"/>
+          </a:xfrm>
+          <a:prstGeom prst="rect">
+            <a:avLst/>
+          </a:prstGeom>
+          <a:noFill/>
+        </p:spPr>
+        <p:txBody>
+          <a:bodyPr wrap="none" rtlCol="0">
+            <a:spAutoFit/>
+          </a:bodyPr>
+          <a:lstStyle/>
+          <a:p>
+            <a:r>
+              <a:rPr kumimoji="1" lang="fi-FI" sz="2000" dirty="0" smtClean="0">
+                <a:latin typeface="Arial" panose="020B0604020202020204" pitchFamily="34" charset="0"/>
+                <a:cs typeface="Arial" panose="020B0604020202020204" pitchFamily="34" charset="0"/>
+              </a:rPr>
+              <a:t>= Row box</a:t>
+            </a:r>
+            <a:endParaRPr kumimoji="1" lang="fi-FI" sz="2000" dirty="0">
+              <a:latin typeface="Arial" panose="020B0604020202020204" pitchFamily="34" charset="0"/>
+              <a:cs typeface="Arial" panose="020B0604020202020204" pitchFamily="34" charset="0"/>
+            </a:endParaRPr>
+          </a:p>
+        </p:txBody>
+      </p:sp>
+      <p:sp>
+        <p:nvSpPr>
+          <p:cNvPr id="18" name="Rectangle 17"/>
+          <p:cNvSpPr/>
+          <p:nvPr/>
+        </p:nvSpPr>
+        <p:spPr>
+          <a:xfrm>
+            <a:off x="6060090" y="3439274"/>
+            <a:ext cx="432048" cy="432048"/>
+          </a:xfrm>
+          <a:prstGeom prst="rect">
+            <a:avLst/>
+          </a:prstGeom>
+          <a:noFill/>
+          <a:ln w="38100">
+            <a:solidFill>
+              <a:srgbClr val="FF0000"/>
+            </a:solidFill>
+          </a:ln>
+        </p:spPr>
+        <p:style>
+          <a:lnRef idx="2">
+            <a:schemeClr val="accent1">
+              <a:shade val="50000"/>
+            </a:schemeClr>
+          </a:lnRef>
+          <a:fillRef idx="1">
+            <a:schemeClr val="accent1"/>
+          </a:fillRef>
+          <a:effectRef idx="0">
+            <a:schemeClr val="accent1"/>
+          </a:effectRef>
+          <a:fontRef idx="minor">
+            <a:schemeClr val="lt1"/>
+          </a:fontRef>
+        </p:style>
+        <p:txBody>
+          <a:bodyPr rtlCol="0" anchor="ctr"/>
+          <a:lstStyle/>
+          <a:p>
+            <a:pPr algn="ctr"/>
+            <a:endParaRPr kumimoji="1" lang="fi-FI" dirty="0" smtClean="0">
+              <a:solidFill>
+                <a:schemeClr val="tx1"/>
+              </a:solidFill>
+            </a:endParaRPr>
+          </a:p>
+        </p:txBody>
+      </p:sp>
+      <p:sp>
+        <p:nvSpPr>
+          <p:cNvPr id="19" name="Rectangle 18"/>
+          <p:cNvSpPr/>
+          <p:nvPr/>
+        </p:nvSpPr>
+        <p:spPr>
+          <a:xfrm>
+            <a:off x="6060090" y="4840337"/>
+            <a:ext cx="432047" cy="432048"/>
+          </a:xfrm>
+          <a:prstGeom prst="rect">
+            <a:avLst/>
+          </a:prstGeom>
+          <a:noFill/>
+          <a:ln w="38100">
+            <a:solidFill>
+              <a:srgbClr val="00FF00"/>
+            </a:solidFill>
+          </a:ln>
+        </p:spPr>
+        <p:style>
+          <a:lnRef idx="2">
+            <a:schemeClr val="accent1">
+              <a:shade val="50000"/>
+            </a:schemeClr>
+          </a:lnRef>
+          <a:fillRef idx="1">
+            <a:schemeClr val="accent1"/>
+          </a:fillRef>
+          <a:effectRef idx="0">
+            <a:schemeClr val="accent1"/>
+          </a:effectRef>
+          <a:fontRef idx="minor">
+            <a:schemeClr val="lt1"/>
+          </a:fontRef>
+        </p:style>
+        <p:txBody>
+          <a:bodyPr rtlCol="0" anchor="ctr"/>
+          <a:lstStyle/>
+          <a:p>
+            <a:pPr algn="ctr"/>
+            <a:endParaRPr kumimoji="1" lang="fi-FI" dirty="0" smtClean="0">
+              <a:solidFill>
+                <a:schemeClr val="tx1"/>
+              </a:solidFill>
+            </a:endParaRPr>
+          </a:p>
+        </p:txBody>
+      </p:sp>
+      <p:sp>
+        <p:nvSpPr>
+          <p:cNvPr id="20" name="Content Placeholder 2"/>
+          <p:cNvSpPr txBox="1">
+            <a:spLocks/>
+          </p:cNvSpPr>
+          <p:nvPr/>
+        </p:nvSpPr>
+        <p:spPr bwMode="gray">
+          <a:xfrm>
+            <a:off x="6628746" y="4835113"/>
+            <a:ext cx="1785930" cy="437272"/>
+          </a:xfrm>
+          <a:prstGeom prst="rect">
+            <a:avLst/>
+          </a:prstGeom>
+          <a:noFill/>
+          <a:ln>
+            <a:noFill/>
+          </a:ln>
+          <a:effectLst/>
+          <a:extLst>
+            <a:ext uri="{909E8E84-426E-40DD-AFC4-6F175D3DCCD1}">
+              <a14:hiddenFill xmlns:a14="http://schemas.microsoft.com/office/drawing/2010/main">
+                <a:solidFill>
+                  <a:schemeClr val="accent1"/>
+                </a:solidFill>
+              </a14:hiddenFill>
+            </a:ext>
+            <a:ext uri="{91240B29-F687-4F45-9708-019B960494DF}">
+              <a14:hiddenLine xmlns:a14="http://schemas.microsoft.com/office/drawing/2010/main" w="9525">
+                <a:solidFill>
+                  <a:schemeClr val="tx1"/>
+                </a:solidFill>
+                <a:miter lim="800000"/>
+                <a:headEnd/>
+                <a:tailEnd/>
+              </a14:hiddenLine>
+            </a:ext>
+            <a:ext uri="{AF507438-7753-43E0-B8FC-AC1667EBCBE1}">
+              <a14:hiddenEffects xmlns:a14="http://schemas.microsoft.com/office/drawing/2010/main">
+                <a:effectLst>
+                  <a:outerShdw dist="35921" dir="2700000" algn="ctr" rotWithShape="0">
+                    <a:schemeClr val="bg2"/>
+                  </a:outerShdw>
+                </a:effectLst>
+              </a14:hiddenEffects>
+            </a:ext>
+          </a:extLst>
+        </p:spPr>
+        <p:txBody>
+          <a:bodyPr vert="horz" wrap="square" lIns="91440" tIns="45720" rIns="91440" bIns="45720" numCol="1" anchor="t" anchorCtr="0" compatLnSpc="1">
+            <a:prstTxWarp prst="textNoShape">
+              <a:avLst/>
+            </a:prstTxWarp>
+          </a:bodyPr>
+          <a:lstStyle>
+            <a:lvl1pPr marL="342900" indent="-342900" algn="l" rtl="0" eaLnBrk="1" fontAlgn="base" hangingPunct="1">
+              <a:spcBef>
+                <a:spcPct val="20000"/>
+              </a:spcBef>
+              <a:spcAft>
+                <a:spcPct val="0"/>
+              </a:spcAft>
+              <a:buBlip>
+                <a:blip r:embed="rId2"/>
+              </a:buBlip>
+              <a:defRPr kumimoji="1" sz="2800">
+                <a:solidFill>
+                  <a:schemeClr val="tx1"/>
+                </a:solidFill>
+                <a:latin typeface="+mn-lt"/>
+                <a:ea typeface="+mn-ea"/>
+                <a:cs typeface="+mn-cs"/>
+              </a:defRPr>
+            </a:lvl1pPr>
+            <a:lvl2pPr marL="742950" indent="-285750" algn="l" rtl="0" eaLnBrk="1" fontAlgn="base" hangingPunct="1">
+              <a:spcBef>
+                <a:spcPct val="20000"/>
+              </a:spcBef>
+              <a:spcAft>
+                <a:spcPct val="0"/>
+              </a:spcAft>
+              <a:buBlip>
+                <a:blip r:embed="rId2"/>
+              </a:buBlip>
+              <a:defRPr kumimoji="1" sz="2400">
+                <a:solidFill>
+                  <a:schemeClr val="tx1"/>
+                </a:solidFill>
+                <a:latin typeface="+mn-lt"/>
+                <a:ea typeface="+mn-ea"/>
+              </a:defRPr>
+            </a:lvl2pPr>
+            <a:lvl3pPr marL="1143000" indent="-228600" algn="l" rtl="0" eaLnBrk="1" fontAlgn="base" hangingPunct="1">
+              <a:spcBef>
+                <a:spcPct val="20000"/>
+              </a:spcBef>
+              <a:spcAft>
+                <a:spcPct val="0"/>
+              </a:spcAft>
+              <a:buBlip>
+                <a:blip r:embed="rId2"/>
+              </a:buBlip>
+              <a:defRPr kumimoji="1" sz="2000">
+                <a:solidFill>
+                  <a:schemeClr val="tx1"/>
+                </a:solidFill>
+                <a:latin typeface="+mn-lt"/>
+                <a:ea typeface="+mn-ea"/>
+              </a:defRPr>
+            </a:lvl3pPr>
+            <a:lvl4pPr marL="1600200" indent="-228600" algn="l" rtl="0" eaLnBrk="1" fontAlgn="base" hangingPunct="1">
+              <a:spcBef>
+                <a:spcPct val="20000"/>
+              </a:spcBef>
+              <a:spcAft>
+                <a:spcPct val="0"/>
+              </a:spcAft>
+              <a:buBlip>
+                <a:blip r:embed="rId2"/>
+              </a:buBlip>
+              <a:defRPr kumimoji="1">
+                <a:solidFill>
+                  <a:schemeClr val="tx1"/>
+                </a:solidFill>
+                <a:latin typeface="+mn-lt"/>
+                <a:ea typeface="+mn-ea"/>
+              </a:defRPr>
+            </a:lvl4pPr>
+            <a:lvl5pPr marL="2057400" indent="-228600" algn="l" rtl="0" eaLnBrk="1" fontAlgn="base" hangingPunct="1">
+              <a:spcBef>
+                <a:spcPct val="20000"/>
+              </a:spcBef>
+              <a:spcAft>
+                <a:spcPct val="0"/>
+              </a:spcAft>
+              <a:buBlip>
+                <a:blip r:embed="rId2"/>
+              </a:buBlip>
+              <a:defRPr kumimoji="1" sz="1600">
+                <a:solidFill>
+                  <a:schemeClr val="tx1"/>
+                </a:solidFill>
+                <a:latin typeface="+mn-lt"/>
+                <a:ea typeface="+mn-ea"/>
+              </a:defRPr>
+            </a:lvl5pPr>
+            <a:lvl6pPr marL="2514600" indent="-228600" algn="l" rtl="0" eaLnBrk="1" fontAlgn="base" hangingPunct="1">
+              <a:spcBef>
+                <a:spcPct val="20000"/>
+              </a:spcBef>
+              <a:spcAft>
+                <a:spcPct val="0"/>
+              </a:spcAft>
+              <a:buBlip>
+                <a:blip r:embed="rId2"/>
+              </a:buBlip>
+              <a:defRPr kumimoji="1" sz="1600">
+                <a:solidFill>
+                  <a:schemeClr val="tx1"/>
+                </a:solidFill>
+                <a:latin typeface="+mn-lt"/>
+                <a:ea typeface="+mn-ea"/>
+              </a:defRPr>
+            </a:lvl6pPr>
+            <a:lvl7pPr marL="2971800" indent="-228600" algn="l" rtl="0" eaLnBrk="1" fontAlgn="base" hangingPunct="1">
+              <a:spcBef>
+                <a:spcPct val="20000"/>
+              </a:spcBef>
+              <a:spcAft>
+                <a:spcPct val="0"/>
+              </a:spcAft>
+              <a:buBlip>
+                <a:blip r:embed="rId2"/>
+              </a:buBlip>
+              <a:defRPr kumimoji="1" sz="1600">
+                <a:solidFill>
+                  <a:schemeClr val="tx1"/>
+                </a:solidFill>
+                <a:latin typeface="+mn-lt"/>
+                <a:ea typeface="+mn-ea"/>
+              </a:defRPr>
+            </a:lvl7pPr>
+            <a:lvl8pPr marL="3429000" indent="-228600" algn="l" rtl="0" eaLnBrk="1" fontAlgn="base" hangingPunct="1">
+              <a:spcBef>
+                <a:spcPct val="20000"/>
+              </a:spcBef>
+              <a:spcAft>
+                <a:spcPct val="0"/>
+              </a:spcAft>
+              <a:buBlip>
+                <a:blip r:embed="rId2"/>
+              </a:buBlip>
+              <a:defRPr kumimoji="1" sz="1600">
+                <a:solidFill>
+                  <a:schemeClr val="tx1"/>
+                </a:solidFill>
+                <a:latin typeface="+mn-lt"/>
+                <a:ea typeface="+mn-ea"/>
+              </a:defRPr>
+            </a:lvl8pPr>
+            <a:lvl9pPr marL="3886200" indent="-228600" algn="l" rtl="0" eaLnBrk="1" fontAlgn="base" hangingPunct="1">
+              <a:spcBef>
+                <a:spcPct val="20000"/>
+              </a:spcBef>
+              <a:spcAft>
+                <a:spcPct val="0"/>
+              </a:spcAft>
+              <a:buBlip>
+                <a:blip r:embed="rId2"/>
+              </a:buBlip>
+              <a:defRPr kumimoji="1" sz="1600">
+                <a:solidFill>
+                  <a:schemeClr val="tx1"/>
+                </a:solidFill>
+                <a:latin typeface="+mn-lt"/>
+                <a:ea typeface="+mn-ea"/>
+              </a:defRPr>
+            </a:lvl9pPr>
+          </a:lstStyle>
+          <a:p>
+            <a:pPr marL="0" indent="0">
+              <a:buNone/>
+            </a:pPr>
+            <a:r>
+              <a:rPr lang="fi-FI" sz="2000" kern="0" dirty="0" smtClean="0"/>
+              <a:t>= Word box</a:t>
+            </a:r>
+            <a:endParaRPr lang="fi-FI" sz="2000" kern="0" dirty="0"/>
+          </a:p>
+        </p:txBody>
+      </p:sp>
+      <p:sp>
+        <p:nvSpPr>
+          <p:cNvPr id="21" name="Content Placeholder 2"/>
+          <p:cNvSpPr txBox="1">
+            <a:spLocks/>
+          </p:cNvSpPr>
+          <p:nvPr/>
+        </p:nvSpPr>
+        <p:spPr bwMode="gray">
+          <a:xfrm>
+            <a:off x="5817096" y="5571250"/>
+            <a:ext cx="3593604" cy="363110"/>
+          </a:xfrm>
+          <a:prstGeom prst="rect">
+            <a:avLst/>
+          </a:prstGeom>
+          <a:noFill/>
+          <a:ln>
+            <a:noFill/>
+          </a:ln>
+          <a:effectLst/>
+          <a:extLst>
+            <a:ext uri="{909E8E84-426E-40DD-AFC4-6F175D3DCCD1}">
+              <a14:hiddenFill xmlns:a14="http://schemas.microsoft.com/office/drawing/2010/main">
+                <a:solidFill>
+                  <a:schemeClr val="accent1"/>
+                </a:solidFill>
+              </a14:hiddenFill>
+            </a:ext>
+            <a:ext uri="{91240B29-F687-4F45-9708-019B960494DF}">
+              <a14:hiddenLine xmlns:a14="http://schemas.microsoft.com/office/drawing/2010/main" w="9525">
+                <a:solidFill>
+                  <a:schemeClr val="tx1"/>
+                </a:solidFill>
+                <a:miter lim="800000"/>
+                <a:headEnd/>
+                <a:tailEnd/>
+              </a14:hiddenLine>
+            </a:ext>
+            <a:ext uri="{AF507438-7753-43E0-B8FC-AC1667EBCBE1}">
+              <a14:hiddenEffects xmlns:a14="http://schemas.microsoft.com/office/drawing/2010/main">
+                <a:effectLst>
+                  <a:outerShdw dist="35921" dir="2700000" algn="ctr" rotWithShape="0">
+                    <a:schemeClr val="bg2"/>
+                  </a:outerShdw>
+                </a:effectLst>
+              </a14:hiddenEffects>
+            </a:ext>
+          </a:extLst>
+        </p:spPr>
+        <p:txBody>
+          <a:bodyPr vert="horz" wrap="square" lIns="91440" tIns="45720" rIns="91440" bIns="45720" numCol="1" anchor="t" anchorCtr="0" compatLnSpc="1">
+            <a:prstTxWarp prst="textNoShape">
+              <a:avLst/>
+            </a:prstTxWarp>
+          </a:bodyPr>
+          <a:lstStyle>
+            <a:lvl1pPr marL="342900" indent="-342900" algn="l" rtl="0" eaLnBrk="1" fontAlgn="base" hangingPunct="1">
+              <a:spcBef>
+                <a:spcPct val="20000"/>
+              </a:spcBef>
+              <a:spcAft>
+                <a:spcPct val="0"/>
+              </a:spcAft>
+              <a:buBlip>
+                <a:blip r:embed="rId2"/>
+              </a:buBlip>
+              <a:defRPr kumimoji="1" sz="2800">
+                <a:solidFill>
+                  <a:schemeClr val="tx1"/>
+                </a:solidFill>
+                <a:latin typeface="+mn-lt"/>
+                <a:ea typeface="+mn-ea"/>
+                <a:cs typeface="+mn-cs"/>
+              </a:defRPr>
+            </a:lvl1pPr>
+            <a:lvl2pPr marL="742950" indent="-285750" algn="l" rtl="0" eaLnBrk="1" fontAlgn="base" hangingPunct="1">
+              <a:spcBef>
+                <a:spcPct val="20000"/>
+              </a:spcBef>
+              <a:spcAft>
+                <a:spcPct val="0"/>
+              </a:spcAft>
+              <a:buBlip>
+                <a:blip r:embed="rId2"/>
+              </a:buBlip>
+              <a:defRPr kumimoji="1" sz="2400">
+                <a:solidFill>
+                  <a:schemeClr val="tx1"/>
+                </a:solidFill>
+                <a:latin typeface="+mn-lt"/>
+                <a:ea typeface="+mn-ea"/>
+              </a:defRPr>
+            </a:lvl2pPr>
+            <a:lvl3pPr marL="1143000" indent="-228600" algn="l" rtl="0" eaLnBrk="1" fontAlgn="base" hangingPunct="1">
+              <a:spcBef>
+                <a:spcPct val="20000"/>
+              </a:spcBef>
+              <a:spcAft>
+                <a:spcPct val="0"/>
+              </a:spcAft>
+              <a:buBlip>
+                <a:blip r:embed="rId2"/>
+              </a:buBlip>
+              <a:defRPr kumimoji="1" sz="2000">
+                <a:solidFill>
+                  <a:schemeClr val="tx1"/>
+                </a:solidFill>
+                <a:latin typeface="+mn-lt"/>
+                <a:ea typeface="+mn-ea"/>
+              </a:defRPr>
+            </a:lvl3pPr>
+            <a:lvl4pPr marL="1600200" indent="-228600" algn="l" rtl="0" eaLnBrk="1" fontAlgn="base" hangingPunct="1">
+              <a:spcBef>
+                <a:spcPct val="20000"/>
+              </a:spcBef>
+              <a:spcAft>
+                <a:spcPct val="0"/>
+              </a:spcAft>
+              <a:buBlip>
+                <a:blip r:embed="rId2"/>
+              </a:buBlip>
+              <a:defRPr kumimoji="1">
+                <a:solidFill>
+                  <a:schemeClr val="tx1"/>
+                </a:solidFill>
+                <a:latin typeface="+mn-lt"/>
+                <a:ea typeface="+mn-ea"/>
+              </a:defRPr>
+            </a:lvl4pPr>
+            <a:lvl5pPr marL="2057400" indent="-228600" algn="l" rtl="0" eaLnBrk="1" fontAlgn="base" hangingPunct="1">
+              <a:spcBef>
+                <a:spcPct val="20000"/>
+              </a:spcBef>
+              <a:spcAft>
+                <a:spcPct val="0"/>
+              </a:spcAft>
+              <a:buBlip>
+                <a:blip r:embed="rId2"/>
+              </a:buBlip>
+              <a:defRPr kumimoji="1" sz="1600">
+                <a:solidFill>
+                  <a:schemeClr val="tx1"/>
+                </a:solidFill>
+                <a:latin typeface="+mn-lt"/>
+                <a:ea typeface="+mn-ea"/>
+              </a:defRPr>
+            </a:lvl5pPr>
+            <a:lvl6pPr marL="2514600" indent="-228600" algn="l" rtl="0" eaLnBrk="1" fontAlgn="base" hangingPunct="1">
+              <a:spcBef>
+                <a:spcPct val="20000"/>
+              </a:spcBef>
+              <a:spcAft>
+                <a:spcPct val="0"/>
+              </a:spcAft>
+              <a:buBlip>
+                <a:blip r:embed="rId2"/>
+              </a:buBlip>
+              <a:defRPr kumimoji="1" sz="1600">
+                <a:solidFill>
+                  <a:schemeClr val="tx1"/>
+                </a:solidFill>
+                <a:latin typeface="+mn-lt"/>
+                <a:ea typeface="+mn-ea"/>
+              </a:defRPr>
+            </a:lvl6pPr>
+            <a:lvl7pPr marL="2971800" indent="-228600" algn="l" rtl="0" eaLnBrk="1" fontAlgn="base" hangingPunct="1">
+              <a:spcBef>
+                <a:spcPct val="20000"/>
+              </a:spcBef>
+              <a:spcAft>
+                <a:spcPct val="0"/>
+              </a:spcAft>
+              <a:buBlip>
+                <a:blip r:embed="rId2"/>
+              </a:buBlip>
+              <a:defRPr kumimoji="1" sz="1600">
+                <a:solidFill>
+                  <a:schemeClr val="tx1"/>
+                </a:solidFill>
+                <a:latin typeface="+mn-lt"/>
+                <a:ea typeface="+mn-ea"/>
+              </a:defRPr>
+            </a:lvl7pPr>
+            <a:lvl8pPr marL="3429000" indent="-228600" algn="l" rtl="0" eaLnBrk="1" fontAlgn="base" hangingPunct="1">
+              <a:spcBef>
+                <a:spcPct val="20000"/>
+              </a:spcBef>
+              <a:spcAft>
+                <a:spcPct val="0"/>
+              </a:spcAft>
+              <a:buBlip>
+                <a:blip r:embed="rId2"/>
+              </a:buBlip>
+              <a:defRPr kumimoji="1" sz="1600">
+                <a:solidFill>
+                  <a:schemeClr val="tx1"/>
+                </a:solidFill>
+                <a:latin typeface="+mn-lt"/>
+                <a:ea typeface="+mn-ea"/>
+              </a:defRPr>
+            </a:lvl8pPr>
+            <a:lvl9pPr marL="3886200" indent="-228600" algn="l" rtl="0" eaLnBrk="1" fontAlgn="base" hangingPunct="1">
+              <a:spcBef>
+                <a:spcPct val="20000"/>
+              </a:spcBef>
+              <a:spcAft>
+                <a:spcPct val="0"/>
+              </a:spcAft>
+              <a:buBlip>
+                <a:blip r:embed="rId2"/>
+              </a:buBlip>
+              <a:defRPr kumimoji="1" sz="1600">
+                <a:solidFill>
+                  <a:schemeClr val="tx1"/>
+                </a:solidFill>
+                <a:latin typeface="+mn-lt"/>
+                <a:ea typeface="+mn-ea"/>
+              </a:defRPr>
+            </a:lvl9pPr>
+          </a:lstStyle>
+          <a:p>
+            <a:pPr marL="0" indent="0">
+              <a:buNone/>
+            </a:pPr>
+            <a:r>
+              <a:rPr lang="fi-FI" sz="1800" kern="0" dirty="0" smtClean="0"/>
+              <a:t>Result: Two rows and five words!</a:t>
+            </a:r>
+            <a:endParaRPr lang="fi-FI" sz="1800" kern="0" dirty="0"/>
+          </a:p>
+        </p:txBody>
+      </p:sp>
+      <p:pic>
+        <p:nvPicPr>
+          <p:cNvPr id="22" name="Picture 21"/>
+          <p:cNvPicPr>
+            <a:picLocks noChangeAspect="1"/>
+          </p:cNvPicPr>
+          <p:nvPr/>
+        </p:nvPicPr>
+        <p:blipFill rotWithShape="1">
+          <a:blip r:embed="rId3">
+            <a:extLst>
+              <a:ext uri="{28A0092B-C50C-407E-A947-70E740481C1C}">
+                <a14:useLocalDpi xmlns:a14="http://schemas.microsoft.com/office/drawing/2010/main" val="0"/>
+              </a:ext>
+            </a:extLst>
+          </a:blip>
+          <a:srcRect l="7112" t="3144" r="7112" b="9837"/>
+          <a:stretch/>
+        </p:blipFill>
+        <p:spPr>
+          <a:xfrm>
+            <a:off x="704528" y="3134887"/>
+            <a:ext cx="4752528" cy="2617918"/>
+          </a:xfrm>
+          <a:prstGeom prst="rect">
+            <a:avLst/>
+          </a:prstGeom>
+        </p:spPr>
+      </p:pic>
+    </p:spTree>
+    <p:extLst>
+      <p:ext uri="{BB962C8B-B14F-4D97-AF65-F5344CB8AC3E}">
+        <p14:creationId xmlns:p14="http://schemas.microsoft.com/office/powerpoint/2010/main" val="2223990625"/>
+      </p:ext>
+    </p:extLst>
+  </p:cSld>
+  <p:clrMapOvr>
+    <a:masterClrMapping/>
+  </p:clrMapOvr>
+  <p:timing>
+    <p:tnLst>
+      <p:par>
+        <p:cTn id="1" dur="indefinite" restart="never" nodeType="tmRoot"/>
+      </p:par>
+    </p:tnLst>
+  </p:timing>
+</p:sld>
+</file>
+
+<file path=ppt/slides/slide19.xml><?xml version="1.0" encoding="utf-8"?>
+<p:sld xmlns:a="http://schemas.openxmlformats.org/drawingml/2006/main" xmlns:r="http://schemas.openxmlformats.org/officeDocument/2006/relationships" xmlns:p="http://schemas.openxmlformats.org/presentationml/2006/main">
+  <p:cSld>
+    <p:spTree>
+      <p:nvGrpSpPr>
+        <p:cNvPr id="1" name=""/>
+        <p:cNvGrpSpPr/>
+        <p:nvPr/>
+      </p:nvGrpSpPr>
+      <p:grpSpPr>
+        <a:xfrm>
+          <a:off x="0" y="0"/>
+          <a:ext cx="0" cy="0"/>
+          <a:chOff x="0" y="0"/>
+          <a:chExt cx="0" cy="0"/>
+        </a:xfrm>
+      </p:grpSpPr>
+      <p:pic>
+        <p:nvPicPr>
+          <p:cNvPr id="29" name="Picture 28"/>
+          <p:cNvPicPr>
+            <a:picLocks noChangeAspect="1"/>
+          </p:cNvPicPr>
+          <p:nvPr/>
+        </p:nvPicPr>
+        <p:blipFill rotWithShape="1">
+          <a:blip r:embed="rId2">
+            <a:extLst>
+              <a:ext uri="{28A0092B-C50C-407E-A947-70E740481C1C}">
+                <a14:useLocalDpi xmlns:a14="http://schemas.microsoft.com/office/drawing/2010/main" val="0"/>
+              </a:ext>
+            </a:extLst>
+          </a:blip>
+          <a:srcRect l="9292" t="44686" r="74716" b="27416"/>
+          <a:stretch/>
+        </p:blipFill>
+        <p:spPr>
+          <a:xfrm>
+            <a:off x="5313040" y="1124744"/>
+            <a:ext cx="2430660" cy="2320175"/>
+          </a:xfrm>
+          <a:prstGeom prst="rect">
+            <a:avLst/>
+          </a:prstGeom>
+          <a:ln w="38100">
+            <a:noFill/>
+            <a:prstDash val="sysDot"/>
+          </a:ln>
+        </p:spPr>
+      </p:pic>
+      <p:sp>
+        <p:nvSpPr>
+          <p:cNvPr id="2" name="Title 1"/>
+          <p:cNvSpPr>
+            <a:spLocks noGrp="1"/>
+          </p:cNvSpPr>
+          <p:nvPr>
+            <p:ph type="title"/>
+          </p:nvPr>
+        </p:nvSpPr>
+        <p:spPr/>
+        <p:txBody>
+          <a:bodyPr/>
+          <a:lstStyle/>
+          <a:p>
+            <a:r>
+              <a:rPr lang="fi-FI" dirty="0" smtClean="0"/>
+              <a:t>Remaining problems: Overlapping characters</a:t>
+            </a:r>
+            <a:endParaRPr lang="fi-FI" dirty="0"/>
+          </a:p>
+        </p:txBody>
+      </p:sp>
+      <p:sp>
+        <p:nvSpPr>
+          <p:cNvPr id="4" name="Footer Placeholder 3"/>
+          <p:cNvSpPr>
+            <a:spLocks noGrp="1"/>
+          </p:cNvSpPr>
+          <p:nvPr>
+            <p:ph type="ftr" sz="quarter" idx="10"/>
+          </p:nvPr>
+        </p:nvSpPr>
+        <p:spPr/>
+        <p:txBody>
+          <a:bodyPr/>
+          <a:lstStyle/>
+          <a:p>
+            <a:r>
+              <a:rPr lang="ja-JP" altLang="en-US" smtClean="0"/>
+              <a:t>研究室ゼミ</a:t>
+            </a:r>
+            <a:endParaRPr lang="en-US" altLang="ja-JP"/>
+          </a:p>
+        </p:txBody>
+      </p:sp>
+      <p:sp>
+        <p:nvSpPr>
+          <p:cNvPr id="5" name="Slide Number Placeholder 4"/>
+          <p:cNvSpPr>
+            <a:spLocks noGrp="1"/>
+          </p:cNvSpPr>
+          <p:nvPr>
+            <p:ph type="sldNum" sz="quarter" idx="11"/>
+          </p:nvPr>
+        </p:nvSpPr>
+        <p:spPr/>
+        <p:txBody>
+          <a:bodyPr/>
+          <a:lstStyle/>
+          <a:p>
+            <a:fld id="{87D0AC98-BE4D-4AA9-9598-A155CF901337}" type="slidenum">
+              <a:rPr lang="en-US" altLang="ja-JP" smtClean="0"/>
+              <a:pPr/>
+              <a:t>18</a:t>
+            </a:fld>
+            <a:endParaRPr lang="en-US" altLang="ja-JP"/>
+          </a:p>
+        </p:txBody>
+      </p:sp>
+      <p:sp>
+        <p:nvSpPr>
+          <p:cNvPr id="21" name="Rectangle 20"/>
+          <p:cNvSpPr/>
+          <p:nvPr/>
+        </p:nvSpPr>
+        <p:spPr>
+          <a:xfrm>
+            <a:off x="5432017" y="1284150"/>
+            <a:ext cx="2016224" cy="969578"/>
+          </a:xfrm>
+          <a:prstGeom prst="rect">
+            <a:avLst/>
+          </a:prstGeom>
+          <a:noFill/>
+          <a:ln w="38100">
+            <a:solidFill>
+              <a:srgbClr val="FFC000"/>
+            </a:solidFill>
+            <a:prstDash val="sysDot"/>
+          </a:ln>
+        </p:spPr>
+        <p:style>
+          <a:lnRef idx="2">
+            <a:schemeClr val="accent1">
+              <a:shade val="50000"/>
+            </a:schemeClr>
+          </a:lnRef>
+          <a:fillRef idx="1">
+            <a:schemeClr val="accent1"/>
+          </a:fillRef>
+          <a:effectRef idx="0">
+            <a:schemeClr val="accent1"/>
+          </a:effectRef>
+          <a:fontRef idx="minor">
+            <a:schemeClr val="lt1"/>
+          </a:fontRef>
+        </p:style>
+        <p:txBody>
+          <a:bodyPr rtlCol="0" anchor="ctr"/>
+          <a:lstStyle/>
+          <a:p>
+            <a:pPr algn="ctr"/>
+            <a:endParaRPr kumimoji="1" lang="fi-FI" dirty="0" smtClean="0">
+              <a:solidFill>
+                <a:schemeClr val="tx1"/>
+              </a:solidFill>
+            </a:endParaRPr>
+          </a:p>
+        </p:txBody>
+      </p:sp>
+      <p:sp>
+        <p:nvSpPr>
+          <p:cNvPr id="22" name="Rectangle 21"/>
+          <p:cNvSpPr/>
+          <p:nvPr/>
+        </p:nvSpPr>
+        <p:spPr>
+          <a:xfrm>
+            <a:off x="5313040" y="1888626"/>
+            <a:ext cx="1541525" cy="1013173"/>
+          </a:xfrm>
+          <a:prstGeom prst="rect">
+            <a:avLst/>
+          </a:prstGeom>
+          <a:noFill/>
+          <a:ln w="38100">
+            <a:solidFill>
+              <a:srgbClr val="FFC000"/>
+            </a:solidFill>
+            <a:prstDash val="sysDot"/>
+          </a:ln>
+        </p:spPr>
+        <p:style>
+          <a:lnRef idx="2">
+            <a:schemeClr val="accent1">
+              <a:shade val="50000"/>
+            </a:schemeClr>
+          </a:lnRef>
+          <a:fillRef idx="1">
+            <a:schemeClr val="accent1"/>
+          </a:fillRef>
+          <a:effectRef idx="0">
+            <a:schemeClr val="accent1"/>
+          </a:effectRef>
+          <a:fontRef idx="minor">
+            <a:schemeClr val="lt1"/>
+          </a:fontRef>
+        </p:style>
+        <p:txBody>
+          <a:bodyPr rtlCol="0" anchor="ctr"/>
+          <a:lstStyle/>
+          <a:p>
+            <a:pPr algn="ctr"/>
+            <a:endParaRPr kumimoji="1" lang="fi-FI" dirty="0" smtClean="0">
+              <a:solidFill>
+                <a:schemeClr val="tx1"/>
+              </a:solidFill>
+            </a:endParaRPr>
+          </a:p>
+        </p:txBody>
+      </p:sp>
+      <p:sp>
+        <p:nvSpPr>
+          <p:cNvPr id="23" name="Rectangle 22"/>
+          <p:cNvSpPr/>
+          <p:nvPr/>
+        </p:nvSpPr>
+        <p:spPr>
+          <a:xfrm>
+            <a:off x="5504025" y="2685776"/>
+            <a:ext cx="2214636" cy="720080"/>
+          </a:xfrm>
+          <a:prstGeom prst="rect">
+            <a:avLst/>
+          </a:prstGeom>
+          <a:noFill/>
+          <a:ln w="38100">
+            <a:solidFill>
+              <a:srgbClr val="FFC000"/>
+            </a:solidFill>
+            <a:prstDash val="sysDot"/>
+          </a:ln>
+        </p:spPr>
+        <p:style>
+          <a:lnRef idx="2">
+            <a:schemeClr val="accent1">
+              <a:shade val="50000"/>
+            </a:schemeClr>
+          </a:lnRef>
+          <a:fillRef idx="1">
+            <a:schemeClr val="accent1"/>
+          </a:fillRef>
+          <a:effectRef idx="0">
+            <a:schemeClr val="accent1"/>
+          </a:effectRef>
+          <a:fontRef idx="minor">
+            <a:schemeClr val="lt1"/>
+          </a:fontRef>
+        </p:style>
+        <p:txBody>
+          <a:bodyPr rtlCol="0" anchor="ctr"/>
+          <a:lstStyle/>
+          <a:p>
+            <a:pPr algn="ctr"/>
+            <a:endParaRPr kumimoji="1" lang="fi-FI" dirty="0" smtClean="0">
+              <a:solidFill>
+                <a:schemeClr val="tx1"/>
+              </a:solidFill>
+            </a:endParaRPr>
+          </a:p>
+        </p:txBody>
+      </p:sp>
+      <p:pic>
+        <p:nvPicPr>
+          <p:cNvPr id="27" name="Picture 26"/>
+          <p:cNvPicPr>
+            <a:picLocks noChangeAspect="1"/>
+          </p:cNvPicPr>
+          <p:nvPr/>
+        </p:nvPicPr>
+        <p:blipFill rotWithShape="1">
+          <a:blip r:embed="rId2">
+            <a:extLst>
+              <a:ext uri="{28A0092B-C50C-407E-A947-70E740481C1C}">
+                <a14:useLocalDpi xmlns:a14="http://schemas.microsoft.com/office/drawing/2010/main" val="0"/>
+              </a:ext>
+            </a:extLst>
+          </a:blip>
+          <a:srcRect l="9292" t="44686" r="74716" b="27416"/>
+          <a:stretch/>
+        </p:blipFill>
+        <p:spPr>
+          <a:xfrm>
+            <a:off x="2191657" y="1139186"/>
+            <a:ext cx="2430660" cy="2320175"/>
+          </a:xfrm>
+          <a:prstGeom prst="rect">
+            <a:avLst/>
+          </a:prstGeom>
+        </p:spPr>
+      </p:pic>
+      <p:sp>
+        <p:nvSpPr>
+          <p:cNvPr id="31" name="Rectangle 30"/>
+          <p:cNvSpPr/>
+          <p:nvPr/>
+        </p:nvSpPr>
+        <p:spPr>
+          <a:xfrm>
+            <a:off x="5174910" y="4001237"/>
+            <a:ext cx="473093" cy="415127"/>
+          </a:xfrm>
+          <a:prstGeom prst="rect">
+            <a:avLst/>
+          </a:prstGeom>
+          <a:noFill/>
+          <a:ln w="38100">
+            <a:solidFill>
+              <a:srgbClr val="FFC000"/>
+            </a:solidFill>
+            <a:prstDash val="sysDot"/>
+          </a:ln>
+        </p:spPr>
+        <p:style>
+          <a:lnRef idx="2">
+            <a:schemeClr val="accent1">
+              <a:shade val="50000"/>
+            </a:schemeClr>
+          </a:lnRef>
+          <a:fillRef idx="1">
+            <a:schemeClr val="accent1"/>
+          </a:fillRef>
+          <a:effectRef idx="0">
+            <a:schemeClr val="accent1"/>
+          </a:effectRef>
+          <a:fontRef idx="minor">
+            <a:schemeClr val="lt1"/>
+          </a:fontRef>
+        </p:style>
+        <p:txBody>
+          <a:bodyPr rtlCol="0" anchor="ctr"/>
+          <a:lstStyle/>
+          <a:p>
+            <a:pPr algn="ctr"/>
+            <a:endParaRPr kumimoji="1" lang="fi-FI" dirty="0" smtClean="0">
+              <a:solidFill>
+                <a:schemeClr val="tx1"/>
+              </a:solidFill>
+            </a:endParaRPr>
+          </a:p>
+        </p:txBody>
+      </p:sp>
+      <p:sp>
+        <p:nvSpPr>
+          <p:cNvPr id="32" name="Content Placeholder 2"/>
+          <p:cNvSpPr txBox="1">
+            <a:spLocks/>
+          </p:cNvSpPr>
+          <p:nvPr/>
+        </p:nvSpPr>
+        <p:spPr bwMode="gray">
+          <a:xfrm>
+            <a:off x="5687623" y="4047198"/>
+            <a:ext cx="4228672" cy="437272"/>
+          </a:xfrm>
+          <a:prstGeom prst="rect">
+            <a:avLst/>
+          </a:prstGeom>
+          <a:noFill/>
+          <a:ln>
+            <a:noFill/>
+          </a:ln>
+          <a:effectLst/>
+          <a:extLst>
+            <a:ext uri="{909E8E84-426E-40DD-AFC4-6F175D3DCCD1}">
+              <a14:hiddenFill xmlns:a14="http://schemas.microsoft.com/office/drawing/2010/main">
+                <a:solidFill>
+                  <a:schemeClr val="accent1"/>
+                </a:solidFill>
+              </a14:hiddenFill>
+            </a:ext>
+            <a:ext uri="{91240B29-F687-4F45-9708-019B960494DF}">
+              <a14:hiddenLine xmlns:a14="http://schemas.microsoft.com/office/drawing/2010/main" w="9525">
+                <a:solidFill>
+                  <a:schemeClr val="tx1"/>
+                </a:solidFill>
+                <a:miter lim="800000"/>
+                <a:headEnd/>
+                <a:tailEnd/>
+              </a14:hiddenLine>
+            </a:ext>
+            <a:ext uri="{AF507438-7753-43E0-B8FC-AC1667EBCBE1}">
+              <a14:hiddenEffects xmlns:a14="http://schemas.microsoft.com/office/drawing/2010/main">
+                <a:effectLst>
+                  <a:outerShdw dist="35921" dir="2700000" algn="ctr" rotWithShape="0">
+                    <a:schemeClr val="bg2"/>
+                  </a:outerShdw>
+                </a:effectLst>
+              </a14:hiddenEffects>
+            </a:ext>
+          </a:extLst>
+        </p:spPr>
+        <p:txBody>
+          <a:bodyPr vert="horz" wrap="square" lIns="91440" tIns="45720" rIns="91440" bIns="45720" numCol="1" anchor="t" anchorCtr="0" compatLnSpc="1">
+            <a:prstTxWarp prst="textNoShape">
+              <a:avLst/>
+            </a:prstTxWarp>
+          </a:bodyPr>
+          <a:lstStyle>
+            <a:lvl1pPr marL="342900" indent="-342900" algn="l" rtl="0" eaLnBrk="1" fontAlgn="base" hangingPunct="1">
+              <a:spcBef>
+                <a:spcPct val="20000"/>
+              </a:spcBef>
+              <a:spcAft>
+                <a:spcPct val="0"/>
+              </a:spcAft>
+              <a:buBlip>
+                <a:blip r:embed="rId3"/>
+              </a:buBlip>
+              <a:defRPr kumimoji="1" sz="2800">
+                <a:solidFill>
+                  <a:schemeClr val="tx1"/>
+                </a:solidFill>
+                <a:latin typeface="+mn-lt"/>
+                <a:ea typeface="+mn-ea"/>
+                <a:cs typeface="+mn-cs"/>
+              </a:defRPr>
+            </a:lvl1pPr>
+            <a:lvl2pPr marL="742950" indent="-285750" algn="l" rtl="0" eaLnBrk="1" fontAlgn="base" hangingPunct="1">
+              <a:spcBef>
+                <a:spcPct val="20000"/>
+              </a:spcBef>
+              <a:spcAft>
+                <a:spcPct val="0"/>
+              </a:spcAft>
+              <a:buBlip>
+                <a:blip r:embed="rId3"/>
+              </a:buBlip>
+              <a:defRPr kumimoji="1" sz="2400">
+                <a:solidFill>
+                  <a:schemeClr val="tx1"/>
+                </a:solidFill>
+                <a:latin typeface="+mn-lt"/>
+                <a:ea typeface="+mn-ea"/>
+              </a:defRPr>
+            </a:lvl2pPr>
+            <a:lvl3pPr marL="1143000" indent="-228600" algn="l" rtl="0" eaLnBrk="1" fontAlgn="base" hangingPunct="1">
+              <a:spcBef>
+                <a:spcPct val="20000"/>
+              </a:spcBef>
+              <a:spcAft>
+                <a:spcPct val="0"/>
+              </a:spcAft>
+              <a:buBlip>
+                <a:blip r:embed="rId3"/>
+              </a:buBlip>
+              <a:defRPr kumimoji="1" sz="2000">
+                <a:solidFill>
+                  <a:schemeClr val="tx1"/>
+                </a:solidFill>
+                <a:latin typeface="+mn-lt"/>
+                <a:ea typeface="+mn-ea"/>
+              </a:defRPr>
+            </a:lvl3pPr>
+            <a:lvl4pPr marL="1600200" indent="-228600" algn="l" rtl="0" eaLnBrk="1" fontAlgn="base" hangingPunct="1">
+              <a:spcBef>
+                <a:spcPct val="20000"/>
+              </a:spcBef>
+              <a:spcAft>
+                <a:spcPct val="0"/>
+              </a:spcAft>
+              <a:buBlip>
+                <a:blip r:embed="rId3"/>
+              </a:buBlip>
+              <a:defRPr kumimoji="1">
+                <a:solidFill>
+                  <a:schemeClr val="tx1"/>
+                </a:solidFill>
+                <a:latin typeface="+mn-lt"/>
+                <a:ea typeface="+mn-ea"/>
+              </a:defRPr>
+            </a:lvl4pPr>
+            <a:lvl5pPr marL="2057400" indent="-228600" algn="l" rtl="0" eaLnBrk="1" fontAlgn="base" hangingPunct="1">
+              <a:spcBef>
+                <a:spcPct val="20000"/>
+              </a:spcBef>
+              <a:spcAft>
+                <a:spcPct val="0"/>
+              </a:spcAft>
+              <a:buBlip>
+                <a:blip r:embed="rId3"/>
+              </a:buBlip>
+              <a:defRPr kumimoji="1" sz="1600">
+                <a:solidFill>
+                  <a:schemeClr val="tx1"/>
+                </a:solidFill>
+                <a:latin typeface="+mn-lt"/>
+                <a:ea typeface="+mn-ea"/>
+              </a:defRPr>
+            </a:lvl5pPr>
+            <a:lvl6pPr marL="2514600" indent="-228600" algn="l" rtl="0" eaLnBrk="1" fontAlgn="base" hangingPunct="1">
+              <a:spcBef>
+                <a:spcPct val="20000"/>
+              </a:spcBef>
+              <a:spcAft>
+                <a:spcPct val="0"/>
+              </a:spcAft>
+              <a:buBlip>
+                <a:blip r:embed="rId3"/>
+              </a:buBlip>
+              <a:defRPr kumimoji="1" sz="1600">
+                <a:solidFill>
+                  <a:schemeClr val="tx1"/>
+                </a:solidFill>
+                <a:latin typeface="+mn-lt"/>
+                <a:ea typeface="+mn-ea"/>
+              </a:defRPr>
+            </a:lvl6pPr>
+            <a:lvl7pPr marL="2971800" indent="-228600" algn="l" rtl="0" eaLnBrk="1" fontAlgn="base" hangingPunct="1">
+              <a:spcBef>
+                <a:spcPct val="20000"/>
+              </a:spcBef>
+              <a:spcAft>
+                <a:spcPct val="0"/>
+              </a:spcAft>
+              <a:buBlip>
+                <a:blip r:embed="rId3"/>
+              </a:buBlip>
+              <a:defRPr kumimoji="1" sz="1600">
+                <a:solidFill>
+                  <a:schemeClr val="tx1"/>
+                </a:solidFill>
+                <a:latin typeface="+mn-lt"/>
+                <a:ea typeface="+mn-ea"/>
+              </a:defRPr>
+            </a:lvl7pPr>
+            <a:lvl8pPr marL="3429000" indent="-228600" algn="l" rtl="0" eaLnBrk="1" fontAlgn="base" hangingPunct="1">
+              <a:spcBef>
+                <a:spcPct val="20000"/>
+              </a:spcBef>
+              <a:spcAft>
+                <a:spcPct val="0"/>
+              </a:spcAft>
+              <a:buBlip>
+                <a:blip r:embed="rId3"/>
+              </a:buBlip>
+              <a:defRPr kumimoji="1" sz="1600">
+                <a:solidFill>
+                  <a:schemeClr val="tx1"/>
+                </a:solidFill>
+                <a:latin typeface="+mn-lt"/>
+                <a:ea typeface="+mn-ea"/>
+              </a:defRPr>
+            </a:lvl8pPr>
+            <a:lvl9pPr marL="3886200" indent="-228600" algn="l" rtl="0" eaLnBrk="1" fontAlgn="base" hangingPunct="1">
+              <a:spcBef>
+                <a:spcPct val="20000"/>
+              </a:spcBef>
+              <a:spcAft>
+                <a:spcPct val="0"/>
+              </a:spcAft>
+              <a:buBlip>
+                <a:blip r:embed="rId3"/>
+              </a:buBlip>
+              <a:defRPr kumimoji="1" sz="1600">
+                <a:solidFill>
+                  <a:schemeClr val="tx1"/>
+                </a:solidFill>
+                <a:latin typeface="+mn-lt"/>
+                <a:ea typeface="+mn-ea"/>
+              </a:defRPr>
+            </a:lvl9pPr>
+          </a:lstStyle>
+          <a:p>
+            <a:pPr marL="0" indent="0">
+              <a:buNone/>
+            </a:pPr>
+            <a:r>
+              <a:rPr lang="fi-FI" sz="2000" kern="0" dirty="0" smtClean="0"/>
+              <a:t>= Real word box (unrealized)</a:t>
+            </a:r>
+            <a:endParaRPr lang="fi-FI" sz="2000" kern="0" dirty="0"/>
+          </a:p>
+        </p:txBody>
+      </p:sp>
+    </p:spTree>
+    <p:extLst>
+      <p:ext uri="{BB962C8B-B14F-4D97-AF65-F5344CB8AC3E}">
+        <p14:creationId xmlns:p14="http://schemas.microsoft.com/office/powerpoint/2010/main" val="3066750849"/>
+      </p:ext>
+    </p:extLst>
+  </p:cSld>
+  <p:clrMapOvr>
+    <a:masterClrMapping/>
+  </p:clrMapOvr>
 </p:sld>
 </file>
 
@@ -8081,11 +11093,7 @@
           <a:p>
             <a:r>
               <a:rPr lang="fi-FI" altLang="ja-JP" dirty="0" smtClean="0"/>
-              <a:t>Handwriting </a:t>
-            </a:r>
-            <a:r>
-              <a:rPr lang="fi-FI" altLang="ja-JP" dirty="0" smtClean="0"/>
-              <a:t>recognition</a:t>
+              <a:t>Handwriting recognition</a:t>
             </a:r>
           </a:p>
           <a:p>
@@ -8105,7 +11113,6 @@
               <a:rPr lang="fi-FI" altLang="ja-JP" dirty="0" smtClean="0"/>
               <a:t>Tests</a:t>
             </a:r>
-            <a:endParaRPr lang="fi-FI" altLang="ja-JP" dirty="0" smtClean="0"/>
           </a:p>
           <a:p>
             <a:r>
@@ -8430,11 +11437,7 @@
           <a:p>
             <a:r>
               <a:rPr lang="fi-FI" dirty="0" smtClean="0"/>
-              <a:t>Handwriting recognition </a:t>
-            </a:r>
-            <a:r>
-              <a:rPr lang="fi-FI" dirty="0" smtClean="0"/>
-              <a:t>2</a:t>
+              <a:t>Handwriting recognition 2</a:t>
             </a:r>
             <a:endParaRPr lang="fi-FI" dirty="0"/>
           </a:p>
@@ -8480,11 +11483,7 @@
             <a:pPr lvl="1"/>
             <a:r>
               <a:rPr lang="fi-FI" altLang="ja-JP" dirty="0" smtClean="0"/>
-              <a:t>Layout analysis can be considered to be a part of preprocessing</a:t>
-            </a:r>
-            <a:r>
-              <a:rPr lang="fi-FI" altLang="ja-JP" dirty="0" smtClean="0"/>
-              <a:t> </a:t>
+              <a:t>Layout analysis can be considered to be a part of preprocessing </a:t>
             </a:r>
             <a:endParaRPr lang="fi-FI" altLang="ja-JP" dirty="0"/>
           </a:p>
@@ -8649,28 +11648,19 @@
               <a:rPr lang="fi-FI" dirty="0" smtClean="0"/>
               <a:t>Most of the preprocessing is same than previously</a:t>
             </a:r>
-            <a:endParaRPr lang="fi-FI" dirty="0" smtClean="0"/>
           </a:p>
           <a:p>
             <a:pPr lvl="1"/>
             <a:r>
               <a:rPr lang="fi-FI" dirty="0" smtClean="0"/>
-              <a:t>Image </a:t>
-            </a:r>
+              <a:t>Image aquisition</a:t>
+            </a:r>
+          </a:p>
+          <a:p>
+            <a:pPr lvl="1"/>
             <a:r>
               <a:rPr lang="fi-FI" dirty="0" smtClean="0"/>
-              <a:t>aquisition</a:t>
-            </a:r>
-          </a:p>
-          <a:p>
-            <a:pPr lvl="1"/>
-            <a:r>
-              <a:rPr lang="fi-FI" dirty="0" smtClean="0"/>
-              <a:t>Noise </a:t>
-            </a:r>
-            <a:r>
-              <a:rPr lang="fi-FI" dirty="0" smtClean="0"/>
-              <a:t>removal </a:t>
+              <a:t>Noise removal </a:t>
             </a:r>
           </a:p>
           <a:p>
@@ -8679,7 +11669,6 @@
               <a:rPr lang="fi-FI" dirty="0" smtClean="0"/>
               <a:t>Adaptive Wiener filter</a:t>
             </a:r>
-            <a:endParaRPr lang="fi-FI" dirty="0" smtClean="0"/>
           </a:p>
           <a:p>
             <a:pPr lvl="1"/>
@@ -8717,7 +11706,10 @@
             </a:r>
           </a:p>
           <a:p>
-            <a:pPr lvl="2"/>
+            <a:r>
+              <a:rPr lang="fi-FI" dirty="0" smtClean="0"/>
+              <a:t>All methods need pre-defined threshold values.</a:t>
+            </a:r>
             <a:endParaRPr lang="fi-FI" dirty="0"/>
           </a:p>
           <a:p>
@@ -8725,7 +11717,6 @@
               <a:rPr lang="fi-FI" dirty="0" smtClean="0"/>
               <a:t>Object property analysis now uses sroke width instead of other features.</a:t>
             </a:r>
-            <a:endParaRPr lang="fi-FI" dirty="0" smtClean="0"/>
           </a:p>
         </p:txBody>
       </p:sp>
@@ -8878,7 +11869,6 @@
               <a:rPr lang="fi-FI" sz="2400" dirty="0" smtClean="0"/>
               <a:t>The amount of variation can be used to distinquish text from other objects.</a:t>
             </a:r>
-            <a:endParaRPr lang="fi-FI" sz="2400" dirty="0" smtClean="0"/>
           </a:p>
           <a:p>
             <a:endParaRPr lang="fi-FI" dirty="0" smtClean="0"/>
@@ -9970,7 +12960,7 @@
           <a:p>
             <a:r>
               <a:rPr lang="fi-FI" dirty="0" smtClean="0"/>
-              <a:t>Tests</a:t>
+              <a:t>Layout Analysis</a:t>
             </a:r>
             <a:endParaRPr lang="fi-FI" dirty="0"/>
           </a:p>
@@ -9993,17 +12983,20 @@
           <a:p>
             <a:r>
               <a:rPr lang="fi-FI" dirty="0" smtClean="0"/>
-              <a:t>fasdf</a:t>
-            </a:r>
-            <a:endParaRPr lang="fi-FI" dirty="0" smtClean="0"/>
-          </a:p>
-          <a:p>
-            <a:pPr marL="457200" lvl="1" indent="0">
-              <a:buNone/>
-            </a:pPr>
-            <a:endParaRPr lang="fi-FI" dirty="0"/>
-          </a:p>
-          <a:p>
+              <a:t>Analysing the image regions to find where the text is located and what kind of bodies of text it contains</a:t>
+            </a:r>
+          </a:p>
+          <a:p>
+            <a:r>
+              <a:rPr lang="fi-FI" dirty="0" smtClean="0"/>
+              <a:t>Columns, rows, words.</a:t>
+            </a:r>
+          </a:p>
+          <a:p>
+            <a:r>
+              <a:rPr lang="fi-FI" dirty="0" smtClean="0"/>
+              <a:t>Proposed method to find the areas of interest is to draw bounding boxes over the text objects, expand them in all directions and combine overlapping  boxes.</a:t>
+            </a:r>
             <a:endParaRPr lang="fi-FI" dirty="0"/>
           </a:p>
         </p:txBody>
@@ -10058,20 +13051,13 @@
     </p:spTree>
     <p:extLst>
       <p:ext uri="{BB962C8B-B14F-4D97-AF65-F5344CB8AC3E}">
-        <p14:creationId xmlns:p14="http://schemas.microsoft.com/office/powerpoint/2010/main" val="2375643434"/>
+        <p14:creationId xmlns:p14="http://schemas.microsoft.com/office/powerpoint/2010/main" val="928425369"/>
       </p:ext>
     </p:extLst>
   </p:cSld>
   <p:clrMapOvr>
     <a:masterClrMapping/>
   </p:clrMapOvr>
-  <p:timing>
-    <p:tnLst>
-      <p:par>
-        <p:cTn id="1" dur="indefinite" restart="never" nodeType="tmRoot"/>
-      </p:par>
-    </p:tnLst>
-  </p:timing>
 </p:sld>
 </file>
 
@@ -10109,7 +13095,7 @@
           <a:p>
             <a:r>
               <a:rPr lang="fi-FI" dirty="0" smtClean="0"/>
-              <a:t>Test results</a:t>
+              <a:t>Bounding box expansion</a:t>
             </a:r>
             <a:endParaRPr lang="fi-FI" dirty="0"/>
           </a:p>
@@ -10117,12 +13103,12 @@
       </p:sp>
       <p:sp>
         <p:nvSpPr>
-          <p:cNvPr id="3" name="Content Placeholder 2"/>
+          <p:cNvPr id="4" name="Footer Placeholder 3"/>
           <p:cNvSpPr>
             <a:spLocks noGrp="1"/>
           </p:cNvSpPr>
           <p:nvPr>
-            <p:ph idx="1"/>
+            <p:ph type="ftr" sz="quarter" idx="10"/>
           </p:nvPr>
         </p:nvSpPr>
         <p:spPr/>
@@ -10131,38 +13117,10 @@
           <a:lstStyle/>
           <a:p>
             <a:r>
-              <a:rPr lang="fi-FI" dirty="0" smtClean="0"/>
-              <a:t>dfdfasdfasdf</a:t>
-            </a:r>
-          </a:p>
-          <a:p>
-            <a:pPr marL="457200" lvl="1" indent="0">
-              <a:buNone/>
-            </a:pPr>
-            <a:endParaRPr lang="fi-FI" dirty="0"/>
-          </a:p>
-        </p:txBody>
-      </p:sp>
-      <p:sp>
-        <p:nvSpPr>
-          <p:cNvPr id="4" name="Footer Placeholder 3"/>
-          <p:cNvSpPr>
-            <a:spLocks noGrp="1"/>
-          </p:cNvSpPr>
-          <p:nvPr>
-            <p:ph type="ftr" sz="quarter" idx="10"/>
-          </p:nvPr>
-        </p:nvSpPr>
-        <p:spPr/>
-        <p:txBody>
-          <a:bodyPr/>
-          <a:lstStyle/>
-          <a:p>
-            <a:r>
-              <a:rPr lang="ja-JP" altLang="en-US" dirty="0" smtClean="0"/>
+              <a:rPr lang="ja-JP" altLang="en-US" smtClean="0"/>
               <a:t>研究室ゼミ</a:t>
             </a:r>
-            <a:endParaRPr lang="en-US" altLang="ja-JP" dirty="0"/>
+            <a:endParaRPr lang="en-US" altLang="ja-JP"/>
           </a:p>
         </p:txBody>
       </p:sp>
@@ -10190,23 +13148,223 @@
           </a:p>
         </p:txBody>
       </p:sp>
+      <p:pic>
+        <p:nvPicPr>
+          <p:cNvPr id="6" name="Picture 5"/>
+          <p:cNvPicPr>
+            <a:picLocks noChangeAspect="1"/>
+          </p:cNvPicPr>
+          <p:nvPr/>
+        </p:nvPicPr>
+        <p:blipFill rotWithShape="1">
+          <a:blip r:embed="rId2">
+            <a:extLst>
+              <a:ext uri="{28A0092B-C50C-407E-A947-70E740481C1C}">
+                <a14:useLocalDpi xmlns:a14="http://schemas.microsoft.com/office/drawing/2010/main" val="0"/>
+              </a:ext>
+            </a:extLst>
+          </a:blip>
+          <a:srcRect l="35619" t="5766" r="36031" b="11868"/>
+          <a:stretch/>
+        </p:blipFill>
+        <p:spPr>
+          <a:xfrm>
+            <a:off x="484685" y="1017727"/>
+            <a:ext cx="2808312" cy="3888432"/>
+          </a:xfrm>
+          <a:prstGeom prst="rect">
+            <a:avLst/>
+          </a:prstGeom>
+        </p:spPr>
+      </p:pic>
+      <p:pic>
+        <p:nvPicPr>
+          <p:cNvPr id="7" name="Picture 6"/>
+          <p:cNvPicPr>
+            <a:picLocks noChangeAspect="1"/>
+          </p:cNvPicPr>
+          <p:nvPr/>
+        </p:nvPicPr>
+        <p:blipFill rotWithShape="1">
+          <a:blip r:embed="rId3">
+            <a:extLst>
+              <a:ext uri="{28A0092B-C50C-407E-A947-70E740481C1C}">
+                <a14:useLocalDpi xmlns:a14="http://schemas.microsoft.com/office/drawing/2010/main" val="0"/>
+              </a:ext>
+            </a:extLst>
+          </a:blip>
+          <a:srcRect l="36346" t="4576" r="36031" b="13059"/>
+          <a:stretch/>
+        </p:blipFill>
+        <p:spPr>
+          <a:xfrm>
+            <a:off x="3597588" y="1011778"/>
+            <a:ext cx="2736304" cy="3888432"/>
+          </a:xfrm>
+          <a:prstGeom prst="rect">
+            <a:avLst/>
+          </a:prstGeom>
+        </p:spPr>
+      </p:pic>
+      <p:pic>
+        <p:nvPicPr>
+          <p:cNvPr id="8" name="Picture 7"/>
+          <p:cNvPicPr>
+            <a:picLocks noChangeAspect="1"/>
+          </p:cNvPicPr>
+          <p:nvPr/>
+        </p:nvPicPr>
+        <p:blipFill rotWithShape="1">
+          <a:blip r:embed="rId4">
+            <a:extLst>
+              <a:ext uri="{28A0092B-C50C-407E-A947-70E740481C1C}">
+                <a14:useLocalDpi xmlns:a14="http://schemas.microsoft.com/office/drawing/2010/main" val="0"/>
+              </a:ext>
+            </a:extLst>
+          </a:blip>
+          <a:srcRect l="36345" t="4577" r="36033" b="12933"/>
+          <a:stretch/>
+        </p:blipFill>
+        <p:spPr>
+          <a:xfrm>
+            <a:off x="6638483" y="1011778"/>
+            <a:ext cx="2736304" cy="3894381"/>
+          </a:xfrm>
+          <a:prstGeom prst="rect">
+            <a:avLst/>
+          </a:prstGeom>
+        </p:spPr>
+      </p:pic>
+      <p:sp>
+        <p:nvSpPr>
+          <p:cNvPr id="10" name="TextBox 9"/>
+          <p:cNvSpPr txBox="1"/>
+          <p:nvPr/>
+        </p:nvSpPr>
+        <p:spPr>
+          <a:xfrm>
+            <a:off x="4134998" y="5877272"/>
+            <a:ext cx="3338281" cy="461665"/>
+          </a:xfrm>
+          <a:prstGeom prst="rect">
+            <a:avLst/>
+          </a:prstGeom>
+          <a:noFill/>
+        </p:spPr>
+        <p:txBody>
+          <a:bodyPr wrap="square" rtlCol="0">
+            <a:spAutoFit/>
+          </a:bodyPr>
+          <a:lstStyle/>
+          <a:p>
+            <a:r>
+              <a:rPr kumimoji="1" lang="fi-FI" sz="2400" dirty="0" smtClean="0">
+                <a:latin typeface="Arial" panose="020B0604020202020204" pitchFamily="34" charset="0"/>
+                <a:cs typeface="Arial" panose="020B0604020202020204" pitchFamily="34" charset="0"/>
+              </a:rPr>
+              <a:t>= Area of interest box</a:t>
+            </a:r>
+            <a:endParaRPr kumimoji="1" lang="fi-FI" sz="2400" dirty="0">
+              <a:latin typeface="Arial" panose="020B0604020202020204" pitchFamily="34" charset="0"/>
+              <a:cs typeface="Arial" panose="020B0604020202020204" pitchFamily="34" charset="0"/>
+            </a:endParaRPr>
+          </a:p>
+        </p:txBody>
+      </p:sp>
+      <p:sp>
+        <p:nvSpPr>
+          <p:cNvPr id="11" name="TextBox 10"/>
+          <p:cNvSpPr txBox="1"/>
+          <p:nvPr/>
+        </p:nvSpPr>
+        <p:spPr>
+          <a:xfrm>
+            <a:off x="273000" y="5173968"/>
+            <a:ext cx="9632765" cy="400110"/>
+          </a:xfrm>
+          <a:prstGeom prst="rect">
+            <a:avLst/>
+          </a:prstGeom>
+          <a:noFill/>
+        </p:spPr>
+        <p:txBody>
+          <a:bodyPr wrap="none" rtlCol="0">
+            <a:spAutoFit/>
+          </a:bodyPr>
+          <a:lstStyle/>
+          <a:p>
+            <a:r>
+              <a:rPr kumimoji="1" lang="fi-FI" sz="2000" dirty="0" smtClean="0">
+                <a:latin typeface="+mj-lt"/>
+              </a:rPr>
+              <a:t>In the last phase boxes that take only a small fraction of the total area are removed.</a:t>
+            </a:r>
+            <a:endParaRPr kumimoji="1" lang="fi-FI" sz="2000" dirty="0">
+              <a:latin typeface="+mj-lt"/>
+            </a:endParaRPr>
+          </a:p>
+        </p:txBody>
+      </p:sp>
+      <p:sp>
+        <p:nvSpPr>
+          <p:cNvPr id="12" name="Rectangle 11"/>
+          <p:cNvSpPr/>
+          <p:nvPr/>
+        </p:nvSpPr>
+        <p:spPr>
+          <a:xfrm>
+            <a:off x="3685724" y="5892080"/>
+            <a:ext cx="432048" cy="432048"/>
+          </a:xfrm>
+          <a:prstGeom prst="rect">
+            <a:avLst/>
+          </a:prstGeom>
+          <a:noFill/>
+          <a:ln w="38100">
+            <a:solidFill>
+              <a:srgbClr val="FF0000"/>
+            </a:solidFill>
+          </a:ln>
+        </p:spPr>
+        <p:style>
+          <a:lnRef idx="2">
+            <a:schemeClr val="accent1">
+              <a:shade val="50000"/>
+            </a:schemeClr>
+          </a:lnRef>
+          <a:fillRef idx="1">
+            <a:schemeClr val="accent1"/>
+          </a:fillRef>
+          <a:effectRef idx="0">
+            <a:schemeClr val="accent1"/>
+          </a:effectRef>
+          <a:fontRef idx="minor">
+            <a:schemeClr val="lt1"/>
+          </a:fontRef>
+        </p:style>
+        <p:txBody>
+          <a:bodyPr rtlCol="0" anchor="ctr"/>
+          <a:lstStyle/>
+          <a:p>
+            <a:pPr algn="ctr"/>
+            <a:endParaRPr kumimoji="1" lang="fi-FI" dirty="0" smtClean="0">
+              <a:solidFill>
+                <a:schemeClr val="tx1"/>
+              </a:solidFill>
+            </a:endParaRPr>
+          </a:p>
+        </p:txBody>
+      </p:sp>
     </p:spTree>
     <p:extLst>
       <p:ext uri="{BB962C8B-B14F-4D97-AF65-F5344CB8AC3E}">
-        <p14:creationId xmlns:p14="http://schemas.microsoft.com/office/powerpoint/2010/main" val="3761696870"/>
+        <p14:creationId xmlns:p14="http://schemas.microsoft.com/office/powerpoint/2010/main" val="1147160320"/>
       </p:ext>
     </p:extLst>
   </p:cSld>
   <p:clrMapOvr>
     <a:masterClrMapping/>
   </p:clrMapOvr>
-  <p:timing>
-    <p:tnLst>
-      <p:par>
-        <p:cTn id="1" dur="indefinite" restart="never" nodeType="tmRoot"/>
-      </p:par>
-    </p:tnLst>
-  </p:timing>
 </p:sld>
 </file>
 

--- a/reports & presentations/seminar2/February_Seminar.pptx
+++ b/reports & presentations/seminar2/February_Seminar.pptx
@@ -499,7 +499,6 @@
     </c:plotArea>
     <c:legend>
       <c:legendPos val="b"/>
-      <c:layout/>
       <c:overlay val="0"/>
       <c:spPr>
         <a:noFill/>
